--- a/物理 – 聲音分析.pptx
+++ b/物理 – 聲音分析.pptx
@@ -5,26 +5,40 @@
     <p:sldMasterId id="2147483648" r:id="rId1"/>
   </p:sldMasterIdLst>
   <p:notesMasterIdLst>
-    <p:notesMasterId r:id="rId16"/>
+    <p:notesMasterId r:id="rId30"/>
   </p:notesMasterIdLst>
   <p:handoutMasterIdLst>
-    <p:handoutMasterId r:id="rId17"/>
+    <p:handoutMasterId r:id="rId31"/>
   </p:handoutMasterIdLst>
   <p:sldIdLst>
     <p:sldId id="256" r:id="rId2"/>
     <p:sldId id="258" r:id="rId3"/>
     <p:sldId id="268" r:id="rId4"/>
-    <p:sldId id="257" r:id="rId5"/>
-    <p:sldId id="267" r:id="rId6"/>
-    <p:sldId id="259" r:id="rId7"/>
-    <p:sldId id="260" r:id="rId8"/>
-    <p:sldId id="261" r:id="rId9"/>
-    <p:sldId id="262" r:id="rId10"/>
-    <p:sldId id="263" r:id="rId11"/>
-    <p:sldId id="264" r:id="rId12"/>
-    <p:sldId id="265" r:id="rId13"/>
-    <p:sldId id="269" r:id="rId14"/>
-    <p:sldId id="266" r:id="rId15"/>
+    <p:sldId id="270" r:id="rId5"/>
+    <p:sldId id="273" r:id="rId6"/>
+    <p:sldId id="274" r:id="rId7"/>
+    <p:sldId id="275" r:id="rId8"/>
+    <p:sldId id="276" r:id="rId9"/>
+    <p:sldId id="277" r:id="rId10"/>
+    <p:sldId id="278" r:id="rId11"/>
+    <p:sldId id="279" r:id="rId12"/>
+    <p:sldId id="280" r:id="rId13"/>
+    <p:sldId id="281" r:id="rId14"/>
+    <p:sldId id="282" r:id="rId15"/>
+    <p:sldId id="283" r:id="rId16"/>
+    <p:sldId id="284" r:id="rId17"/>
+    <p:sldId id="285" r:id="rId18"/>
+    <p:sldId id="286" r:id="rId19"/>
+    <p:sldId id="257" r:id="rId20"/>
+    <p:sldId id="259" r:id="rId21"/>
+    <p:sldId id="260" r:id="rId22"/>
+    <p:sldId id="261" r:id="rId23"/>
+    <p:sldId id="262" r:id="rId24"/>
+    <p:sldId id="263" r:id="rId25"/>
+    <p:sldId id="264" r:id="rId26"/>
+    <p:sldId id="265" r:id="rId27"/>
+    <p:sldId id="269" r:id="rId28"/>
+    <p:sldId id="266" r:id="rId29"/>
   </p:sldIdLst>
   <p:sldSz cx="12192000" cy="6858000"/>
   <p:notesSz cx="6858000" cy="9144000"/>
@@ -131,8 +145,30 @@
             <p14:sldId id="256"/>
             <p14:sldId id="258"/>
             <p14:sldId id="268"/>
+          </p14:sldIdLst>
+        </p14:section>
+        <p14:section name="程式碼" id="{A8698317-FB74-42DB-8963-F8AD7500383F}">
+          <p14:sldIdLst>
+            <p14:sldId id="270"/>
+            <p14:sldId id="273"/>
+            <p14:sldId id="274"/>
+            <p14:sldId id="275"/>
+            <p14:sldId id="276"/>
+            <p14:sldId id="277"/>
+            <p14:sldId id="278"/>
+            <p14:sldId id="279"/>
+            <p14:sldId id="280"/>
+            <p14:sldId id="281"/>
+            <p14:sldId id="282"/>
+            <p14:sldId id="283"/>
+            <p14:sldId id="284"/>
+            <p14:sldId id="285"/>
+            <p14:sldId id="286"/>
+          </p14:sldIdLst>
+        </p14:section>
+        <p14:section name="介紹" id="{BEA55508-19E4-4E28-8E6F-EF0EC743075F}">
+          <p14:sldIdLst>
             <p14:sldId id="257"/>
-            <p14:sldId id="267"/>
             <p14:sldId id="259"/>
             <p14:sldId id="260"/>
             <p14:sldId id="261"/>
@@ -258,7 +294,7 @@
           <a:p>
             <a:fld id="{805FE8B8-1E84-4D8B-848B-EF21C17CA198}" type="datetimeFigureOut">
               <a:rPr lang="zh-TW" altLang="en-US" smtClean="0"/>
-              <a:t>2022/5/23</a:t>
+              <a:t>2022/5/28</a:t>
             </a:fld>
             <a:endParaRPr lang="zh-TW" altLang="en-US"/>
           </a:p>
@@ -436,7 +472,7 @@
           <a:p>
             <a:fld id="{A688F301-6598-4FF8-9471-7AE340612F0A}" type="datetimeFigureOut">
               <a:rPr lang="zh-TW" altLang="en-US" smtClean="0"/>
-              <a:t>2022/5/23</a:t>
+              <a:t>2022/5/28</a:t>
             </a:fld>
             <a:endParaRPr lang="zh-TW" altLang="en-US"/>
           </a:p>
@@ -761,7 +797,7 @@
           <a:noFill/>
           <a:extLst>
             <a:ext uri="{909E8E84-426E-40dd-AFC4-6F175D3DCCD1}">
-              <a14:hiddenFill xmlns:a14="http://schemas.microsoft.com/office/drawing/2010/main" xmlns="">
+              <a14:hiddenFill xmlns="" xmlns:a14="http://schemas.microsoft.com/office/drawing/2010/main">
                 <a:solidFill>
                   <a:srgbClr val="FFFFFF"/>
                 </a:solidFill>
@@ -820,7 +856,7 @@
             </a:ln>
             <a:extLst>
               <a:ext uri="{91240B29-F687-4f45-9708-019B960494DF}">
-                <a14:hiddenLine xmlns:a14="http://schemas.microsoft.com/office/drawing/2010/main" xmlns="" w="9525">
+                <a14:hiddenLine xmlns="" xmlns:a14="http://schemas.microsoft.com/office/drawing/2010/main" w="9525">
                   <a:solidFill>
                     <a:srgbClr val="000000"/>
                   </a:solidFill>
@@ -910,7 +946,7 @@
             </a:ln>
             <a:extLst>
               <a:ext uri="{91240B29-F687-4f45-9708-019B960494DF}">
-                <a14:hiddenLine xmlns:a14="http://schemas.microsoft.com/office/drawing/2010/main" xmlns="" w="9525">
+                <a14:hiddenLine xmlns="" xmlns:a14="http://schemas.microsoft.com/office/drawing/2010/main" w="9525">
                   <a:solidFill>
                     <a:srgbClr val="000000"/>
                   </a:solidFill>
@@ -1000,7 +1036,7 @@
             </a:ln>
             <a:extLst>
               <a:ext uri="{91240B29-F687-4f45-9708-019B960494DF}">
-                <a14:hiddenLine xmlns:a14="http://schemas.microsoft.com/office/drawing/2010/main" xmlns="" w="9525">
+                <a14:hiddenLine xmlns="" xmlns:a14="http://schemas.microsoft.com/office/drawing/2010/main" w="9525">
                   <a:solidFill>
                     <a:srgbClr val="000000"/>
                   </a:solidFill>
@@ -1034,7 +1070,7 @@
             </a:ln>
             <a:extLst>
               <a:ext uri="{91240B29-F687-4f45-9708-019B960494DF}">
-                <a14:hiddenLine xmlns:a14="http://schemas.microsoft.com/office/drawing/2010/main" xmlns="" w="9525">
+                <a14:hiddenLine xmlns="" xmlns:a14="http://schemas.microsoft.com/office/drawing/2010/main" w="9525">
                   <a:solidFill>
                     <a:srgbClr val="000000"/>
                   </a:solidFill>
@@ -1124,7 +1160,7 @@
             </a:ln>
             <a:extLst>
               <a:ext uri="{91240B29-F687-4f45-9708-019B960494DF}">
-                <a14:hiddenLine xmlns:a14="http://schemas.microsoft.com/office/drawing/2010/main" xmlns="" w="9525">
+                <a14:hiddenLine xmlns="" xmlns:a14="http://schemas.microsoft.com/office/drawing/2010/main" w="9525">
                   <a:solidFill>
                     <a:srgbClr val="000000"/>
                   </a:solidFill>
@@ -1186,7 +1222,7 @@
             </a:ln>
             <a:extLst>
               <a:ext uri="{91240B29-F687-4f45-9708-019B960494DF}">
-                <a14:hiddenLine xmlns:a14="http://schemas.microsoft.com/office/drawing/2010/main" xmlns="" w="9525">
+                <a14:hiddenLine xmlns="" xmlns:a14="http://schemas.microsoft.com/office/drawing/2010/main" w="9525">
                   <a:solidFill>
                     <a:srgbClr val="000000"/>
                   </a:solidFill>
@@ -1248,7 +1284,7 @@
             </a:ln>
             <a:extLst>
               <a:ext uri="{91240B29-F687-4f45-9708-019B960494DF}">
-                <a14:hiddenLine xmlns:a14="http://schemas.microsoft.com/office/drawing/2010/main" xmlns="" w="9525">
+                <a14:hiddenLine xmlns="" xmlns:a14="http://schemas.microsoft.com/office/drawing/2010/main" w="9525">
                   <a:solidFill>
                     <a:srgbClr val="000000"/>
                   </a:solidFill>
@@ -1338,7 +1374,7 @@
             </a:ln>
             <a:extLst>
               <a:ext uri="{91240B29-F687-4f45-9708-019B960494DF}">
-                <a14:hiddenLine xmlns:a14="http://schemas.microsoft.com/office/drawing/2010/main" xmlns="" w="9525">
+                <a14:hiddenLine xmlns="" xmlns:a14="http://schemas.microsoft.com/office/drawing/2010/main" w="9525">
                   <a:solidFill>
                     <a:srgbClr val="000000"/>
                   </a:solidFill>
@@ -1400,7 +1436,7 @@
             </a:ln>
             <a:extLst>
               <a:ext uri="{91240B29-F687-4f45-9708-019B960494DF}">
-                <a14:hiddenLine xmlns:a14="http://schemas.microsoft.com/office/drawing/2010/main" xmlns="" w="9525">
+                <a14:hiddenLine xmlns="" xmlns:a14="http://schemas.microsoft.com/office/drawing/2010/main" w="9525">
                   <a:solidFill>
                     <a:srgbClr val="000000"/>
                   </a:solidFill>
@@ -1462,7 +1498,7 @@
             </a:ln>
             <a:extLst>
               <a:ext uri="{91240B29-F687-4f45-9708-019B960494DF}">
-                <a14:hiddenLine xmlns:a14="http://schemas.microsoft.com/office/drawing/2010/main" xmlns="" w="9525">
+                <a14:hiddenLine xmlns="" xmlns:a14="http://schemas.microsoft.com/office/drawing/2010/main" w="9525">
                   <a:solidFill>
                     <a:srgbClr val="000000"/>
                   </a:solidFill>
@@ -1552,7 +1588,7 @@
             </a:ln>
             <a:extLst>
               <a:ext uri="{91240B29-F687-4f45-9708-019B960494DF}">
-                <a14:hiddenLine xmlns:a14="http://schemas.microsoft.com/office/drawing/2010/main" xmlns="" w="9525">
+                <a14:hiddenLine xmlns="" xmlns:a14="http://schemas.microsoft.com/office/drawing/2010/main" w="9525">
                   <a:solidFill>
                     <a:srgbClr val="000000"/>
                   </a:solidFill>
@@ -1642,7 +1678,7 @@
             </a:ln>
             <a:extLst>
               <a:ext uri="{91240B29-F687-4f45-9708-019B960494DF}">
-                <a14:hiddenLine xmlns:a14="http://schemas.microsoft.com/office/drawing/2010/main" xmlns="" w="9525">
+                <a14:hiddenLine xmlns="" xmlns:a14="http://schemas.microsoft.com/office/drawing/2010/main" w="9525">
                   <a:solidFill>
                     <a:srgbClr val="000000"/>
                   </a:solidFill>
@@ -1704,7 +1740,7 @@
             </a:ln>
             <a:extLst>
               <a:ext uri="{91240B29-F687-4f45-9708-019B960494DF}">
-                <a14:hiddenLine xmlns:a14="http://schemas.microsoft.com/office/drawing/2010/main" xmlns="" w="9525">
+                <a14:hiddenLine xmlns="" xmlns:a14="http://schemas.microsoft.com/office/drawing/2010/main" w="9525">
                   <a:solidFill>
                     <a:srgbClr val="000000"/>
                   </a:solidFill>
@@ -1814,7 +1850,7 @@
             </a:ln>
             <a:extLst>
               <a:ext uri="{91240B29-F687-4f45-9708-019B960494DF}">
-                <a14:hiddenLine xmlns:a14="http://schemas.microsoft.com/office/drawing/2010/main" xmlns="" w="9525">
+                <a14:hiddenLine xmlns="" xmlns:a14="http://schemas.microsoft.com/office/drawing/2010/main" w="9525">
                   <a:solidFill>
                     <a:srgbClr val="000000"/>
                   </a:solidFill>
@@ -1876,7 +1912,7 @@
             </a:ln>
             <a:extLst>
               <a:ext uri="{91240B29-F687-4f45-9708-019B960494DF}">
-                <a14:hiddenLine xmlns:a14="http://schemas.microsoft.com/office/drawing/2010/main" xmlns="" w="9525">
+                <a14:hiddenLine xmlns="" xmlns:a14="http://schemas.microsoft.com/office/drawing/2010/main" w="9525">
                   <a:solidFill>
                     <a:srgbClr val="000000"/>
                   </a:solidFill>
@@ -1966,7 +2002,7 @@
             </a:ln>
             <a:extLst>
               <a:ext uri="{91240B29-F687-4f45-9708-019B960494DF}">
-                <a14:hiddenLine xmlns:a14="http://schemas.microsoft.com/office/drawing/2010/main" xmlns="" w="9525">
+                <a14:hiddenLine xmlns="" xmlns:a14="http://schemas.microsoft.com/office/drawing/2010/main" w="9525">
                   <a:solidFill>
                     <a:srgbClr val="000000"/>
                   </a:solidFill>
@@ -2056,7 +2092,7 @@
             </a:ln>
             <a:extLst>
               <a:ext uri="{91240B29-F687-4f45-9708-019B960494DF}">
-                <a14:hiddenLine xmlns:a14="http://schemas.microsoft.com/office/drawing/2010/main" xmlns="" w="9525">
+                <a14:hiddenLine xmlns="" xmlns:a14="http://schemas.microsoft.com/office/drawing/2010/main" w="9525">
                   <a:solidFill>
                     <a:srgbClr val="000000"/>
                   </a:solidFill>
@@ -2118,7 +2154,7 @@
             </a:ln>
             <a:extLst>
               <a:ext uri="{91240B29-F687-4f45-9708-019B960494DF}">
-                <a14:hiddenLine xmlns:a14="http://schemas.microsoft.com/office/drawing/2010/main" xmlns="" w="9525">
+                <a14:hiddenLine xmlns="" xmlns:a14="http://schemas.microsoft.com/office/drawing/2010/main" w="9525">
                   <a:solidFill>
                     <a:srgbClr val="000000"/>
                   </a:solidFill>
@@ -2208,7 +2244,7 @@
             </a:ln>
             <a:extLst>
               <a:ext uri="{91240B29-F687-4f45-9708-019B960494DF}">
-                <a14:hiddenLine xmlns:a14="http://schemas.microsoft.com/office/drawing/2010/main" xmlns="" w="9525">
+                <a14:hiddenLine xmlns="" xmlns:a14="http://schemas.microsoft.com/office/drawing/2010/main" w="9525">
                   <a:solidFill>
                     <a:srgbClr val="000000"/>
                   </a:solidFill>
@@ -2298,7 +2334,7 @@
             </a:ln>
             <a:extLst>
               <a:ext uri="{91240B29-F687-4f45-9708-019B960494DF}">
-                <a14:hiddenLine xmlns:a14="http://schemas.microsoft.com/office/drawing/2010/main" xmlns="" w="9525">
+                <a14:hiddenLine xmlns="" xmlns:a14="http://schemas.microsoft.com/office/drawing/2010/main" w="9525">
                   <a:solidFill>
                     <a:srgbClr val="000000"/>
                   </a:solidFill>
@@ -2354,7 +2390,7 @@
             </a:ln>
             <a:extLst>
               <a:ext uri="{91240B29-F687-4f45-9708-019B960494DF}">
-                <a14:hiddenLine xmlns:a14="http://schemas.microsoft.com/office/drawing/2010/main" xmlns="" w="9525">
+                <a14:hiddenLine xmlns="" xmlns:a14="http://schemas.microsoft.com/office/drawing/2010/main" w="9525">
                   <a:solidFill>
                     <a:srgbClr val="000000"/>
                   </a:solidFill>
@@ -2444,7 +2480,7 @@
             </a:ln>
             <a:extLst>
               <a:ext uri="{91240B29-F687-4f45-9708-019B960494DF}">
-                <a14:hiddenLine xmlns:a14="http://schemas.microsoft.com/office/drawing/2010/main" xmlns="" w="9525">
+                <a14:hiddenLine xmlns="" xmlns:a14="http://schemas.microsoft.com/office/drawing/2010/main" w="9525">
                   <a:solidFill>
                     <a:srgbClr val="000000"/>
                   </a:solidFill>
@@ -2500,7 +2536,7 @@
             </a:ln>
             <a:extLst>
               <a:ext uri="{91240B29-F687-4f45-9708-019B960494DF}">
-                <a14:hiddenLine xmlns:a14="http://schemas.microsoft.com/office/drawing/2010/main" xmlns="" w="9525">
+                <a14:hiddenLine xmlns="" xmlns:a14="http://schemas.microsoft.com/office/drawing/2010/main" w="9525">
                   <a:solidFill>
                     <a:srgbClr val="000000"/>
                   </a:solidFill>
@@ -2590,7 +2626,7 @@
             </a:ln>
             <a:extLst>
               <a:ext uri="{91240B29-F687-4f45-9708-019B960494DF}">
-                <a14:hiddenLine xmlns:a14="http://schemas.microsoft.com/office/drawing/2010/main" xmlns="" w="9525">
+                <a14:hiddenLine xmlns="" xmlns:a14="http://schemas.microsoft.com/office/drawing/2010/main" w="9525">
                   <a:solidFill>
                     <a:srgbClr val="000000"/>
                   </a:solidFill>
@@ -2658,7 +2694,7 @@
             </a:ln>
             <a:extLst>
               <a:ext uri="{91240B29-F687-4f45-9708-019B960494DF}">
-                <a14:hiddenLine xmlns:a14="http://schemas.microsoft.com/office/drawing/2010/main" xmlns="" w="9525">
+                <a14:hiddenLine xmlns="" xmlns:a14="http://schemas.microsoft.com/office/drawing/2010/main" w="9525">
                   <a:solidFill>
                     <a:srgbClr val="000000"/>
                   </a:solidFill>
@@ -2748,7 +2784,7 @@
             </a:ln>
             <a:extLst>
               <a:ext uri="{91240B29-F687-4f45-9708-019B960494DF}">
-                <a14:hiddenLine xmlns:a14="http://schemas.microsoft.com/office/drawing/2010/main" xmlns="" w="9525">
+                <a14:hiddenLine xmlns="" xmlns:a14="http://schemas.microsoft.com/office/drawing/2010/main" w="9525">
                   <a:solidFill>
                     <a:srgbClr val="000000"/>
                   </a:solidFill>
@@ -2816,7 +2852,7 @@
             </a:ln>
             <a:extLst>
               <a:ext uri="{91240B29-F687-4f45-9708-019B960494DF}">
-                <a14:hiddenLine xmlns:a14="http://schemas.microsoft.com/office/drawing/2010/main" xmlns="" w="9525">
+                <a14:hiddenLine xmlns="" xmlns:a14="http://schemas.microsoft.com/office/drawing/2010/main" w="9525">
                   <a:solidFill>
                     <a:srgbClr val="000000"/>
                   </a:solidFill>
@@ -2906,7 +2942,7 @@
             </a:ln>
             <a:extLst>
               <a:ext uri="{91240B29-F687-4f45-9708-019B960494DF}">
-                <a14:hiddenLine xmlns:a14="http://schemas.microsoft.com/office/drawing/2010/main" xmlns="" w="9525">
+                <a14:hiddenLine xmlns="" xmlns:a14="http://schemas.microsoft.com/office/drawing/2010/main" w="9525">
                   <a:solidFill>
                     <a:srgbClr val="000000"/>
                   </a:solidFill>
@@ -2940,7 +2976,7 @@
             </a:ln>
             <a:extLst>
               <a:ext uri="{91240B29-F687-4f45-9708-019B960494DF}">
-                <a14:hiddenLine xmlns:a14="http://schemas.microsoft.com/office/drawing/2010/main" xmlns="" w="9525">
+                <a14:hiddenLine xmlns="" xmlns:a14="http://schemas.microsoft.com/office/drawing/2010/main" w="9525">
                   <a:solidFill>
                     <a:srgbClr val="000000"/>
                   </a:solidFill>
@@ -3030,7 +3066,7 @@
             </a:ln>
             <a:extLst>
               <a:ext uri="{91240B29-F687-4f45-9708-019B960494DF}">
-                <a14:hiddenLine xmlns:a14="http://schemas.microsoft.com/office/drawing/2010/main" xmlns="" w="9525">
+                <a14:hiddenLine xmlns="" xmlns:a14="http://schemas.microsoft.com/office/drawing/2010/main" w="9525">
                   <a:solidFill>
                     <a:srgbClr val="000000"/>
                   </a:solidFill>
@@ -3092,7 +3128,7 @@
             </a:ln>
             <a:extLst>
               <a:ext uri="{91240B29-F687-4f45-9708-019B960494DF}">
-                <a14:hiddenLine xmlns:a14="http://schemas.microsoft.com/office/drawing/2010/main" xmlns="" w="9525">
+                <a14:hiddenLine xmlns="" xmlns:a14="http://schemas.microsoft.com/office/drawing/2010/main" w="9525">
                   <a:solidFill>
                     <a:srgbClr val="000000"/>
                   </a:solidFill>
@@ -3154,7 +3190,7 @@
             </a:ln>
             <a:extLst>
               <a:ext uri="{91240B29-F687-4f45-9708-019B960494DF}">
-                <a14:hiddenLine xmlns:a14="http://schemas.microsoft.com/office/drawing/2010/main" xmlns="" w="9525">
+                <a14:hiddenLine xmlns="" xmlns:a14="http://schemas.microsoft.com/office/drawing/2010/main" w="9525">
                   <a:solidFill>
                     <a:srgbClr val="000000"/>
                   </a:solidFill>
@@ -3244,7 +3280,7 @@
             </a:ln>
             <a:extLst>
               <a:ext uri="{91240B29-F687-4f45-9708-019B960494DF}">
-                <a14:hiddenLine xmlns:a14="http://schemas.microsoft.com/office/drawing/2010/main" xmlns="" w="9525">
+                <a14:hiddenLine xmlns="" xmlns:a14="http://schemas.microsoft.com/office/drawing/2010/main" w="9525">
                   <a:solidFill>
                     <a:srgbClr val="000000"/>
                   </a:solidFill>
@@ -3312,7 +3348,7 @@
             </a:ln>
             <a:extLst>
               <a:ext uri="{91240B29-F687-4f45-9708-019B960494DF}">
-                <a14:hiddenLine xmlns:a14="http://schemas.microsoft.com/office/drawing/2010/main" xmlns="" w="9525">
+                <a14:hiddenLine xmlns="" xmlns:a14="http://schemas.microsoft.com/office/drawing/2010/main" w="9525">
                   <a:solidFill>
                     <a:srgbClr val="000000"/>
                   </a:solidFill>
@@ -3374,7 +3410,7 @@
             </a:ln>
             <a:extLst>
               <a:ext uri="{91240B29-F687-4f45-9708-019B960494DF}">
-                <a14:hiddenLine xmlns:a14="http://schemas.microsoft.com/office/drawing/2010/main" xmlns="" w="9525">
+                <a14:hiddenLine xmlns="" xmlns:a14="http://schemas.microsoft.com/office/drawing/2010/main" w="9525">
                   <a:solidFill>
                     <a:srgbClr val="000000"/>
                   </a:solidFill>
@@ -3464,7 +3500,7 @@
             </a:ln>
             <a:extLst>
               <a:ext uri="{91240B29-F687-4f45-9708-019B960494DF}">
-                <a14:hiddenLine xmlns:a14="http://schemas.microsoft.com/office/drawing/2010/main" xmlns="" w="9525">
+                <a14:hiddenLine xmlns="" xmlns:a14="http://schemas.microsoft.com/office/drawing/2010/main" w="9525">
                   <a:solidFill>
                     <a:srgbClr val="000000"/>
                   </a:solidFill>
@@ -3526,7 +3562,7 @@
             </a:ln>
             <a:extLst>
               <a:ext uri="{91240B29-F687-4f45-9708-019B960494DF}">
-                <a14:hiddenLine xmlns:a14="http://schemas.microsoft.com/office/drawing/2010/main" xmlns="" w="9525">
+                <a14:hiddenLine xmlns="" xmlns:a14="http://schemas.microsoft.com/office/drawing/2010/main" w="9525">
                   <a:solidFill>
                     <a:srgbClr val="000000"/>
                   </a:solidFill>
@@ -3616,7 +3652,7 @@
             </a:ln>
             <a:extLst>
               <a:ext uri="{91240B29-F687-4f45-9708-019B960494DF}">
-                <a14:hiddenLine xmlns:a14="http://schemas.microsoft.com/office/drawing/2010/main" xmlns="" w="9525">
+                <a14:hiddenLine xmlns="" xmlns:a14="http://schemas.microsoft.com/office/drawing/2010/main" w="9525">
                   <a:solidFill>
                     <a:srgbClr val="000000"/>
                   </a:solidFill>
@@ -3678,7 +3714,7 @@
             </a:ln>
             <a:extLst>
               <a:ext uri="{91240B29-F687-4f45-9708-019B960494DF}">
-                <a14:hiddenLine xmlns:a14="http://schemas.microsoft.com/office/drawing/2010/main" xmlns="" w="9525">
+                <a14:hiddenLine xmlns="" xmlns:a14="http://schemas.microsoft.com/office/drawing/2010/main" w="9525">
                   <a:solidFill>
                     <a:srgbClr val="000000"/>
                   </a:solidFill>
@@ -3768,7 +3804,7 @@
             </a:ln>
             <a:extLst>
               <a:ext uri="{91240B29-F687-4f45-9708-019B960494DF}">
-                <a14:hiddenLine xmlns:a14="http://schemas.microsoft.com/office/drawing/2010/main" xmlns="" w="9525">
+                <a14:hiddenLine xmlns="" xmlns:a14="http://schemas.microsoft.com/office/drawing/2010/main" w="9525">
                   <a:solidFill>
                     <a:srgbClr val="000000"/>
                   </a:solidFill>
@@ -3802,7 +3838,7 @@
             </a:ln>
             <a:extLst>
               <a:ext uri="{91240B29-F687-4f45-9708-019B960494DF}">
-                <a14:hiddenLine xmlns:a14="http://schemas.microsoft.com/office/drawing/2010/main" xmlns="" w="9525">
+                <a14:hiddenLine xmlns="" xmlns:a14="http://schemas.microsoft.com/office/drawing/2010/main" w="9525">
                   <a:solidFill>
                     <a:srgbClr val="000000"/>
                   </a:solidFill>
@@ -3867,7 +3903,7 @@
             </a:ln>
             <a:extLst>
               <a:ext uri="{91240B29-F687-4f45-9708-019B960494DF}">
-                <a14:hiddenLine xmlns:a14="http://schemas.microsoft.com/office/drawing/2010/main" xmlns="" w="9525">
+                <a14:hiddenLine xmlns="" xmlns:a14="http://schemas.microsoft.com/office/drawing/2010/main" w="9525">
                   <a:solidFill>
                     <a:srgbClr val="000000"/>
                   </a:solidFill>
@@ -3957,7 +3993,7 @@
             </a:ln>
             <a:extLst>
               <a:ext uri="{91240B29-F687-4f45-9708-019B960494DF}">
-                <a14:hiddenLine xmlns:a14="http://schemas.microsoft.com/office/drawing/2010/main" xmlns="" w="9525">
+                <a14:hiddenLine xmlns="" xmlns:a14="http://schemas.microsoft.com/office/drawing/2010/main" w="9525">
                   <a:solidFill>
                     <a:srgbClr val="000000"/>
                   </a:solidFill>
@@ -4019,7 +4055,7 @@
             </a:ln>
             <a:extLst>
               <a:ext uri="{91240B29-F687-4f45-9708-019B960494DF}">
-                <a14:hiddenLine xmlns:a14="http://schemas.microsoft.com/office/drawing/2010/main" xmlns="" w="9525">
+                <a14:hiddenLine xmlns="" xmlns:a14="http://schemas.microsoft.com/office/drawing/2010/main" w="9525">
                   <a:solidFill>
                     <a:srgbClr val="000000"/>
                   </a:solidFill>
@@ -4109,7 +4145,7 @@
             </a:ln>
             <a:extLst>
               <a:ext uri="{91240B29-F687-4f45-9708-019B960494DF}">
-                <a14:hiddenLine xmlns:a14="http://schemas.microsoft.com/office/drawing/2010/main" xmlns="" w="9525">
+                <a14:hiddenLine xmlns="" xmlns:a14="http://schemas.microsoft.com/office/drawing/2010/main" w="9525">
                   <a:solidFill>
                     <a:srgbClr val="000000"/>
                   </a:solidFill>
@@ -4199,7 +4235,7 @@
             </a:ln>
             <a:extLst>
               <a:ext uri="{91240B29-F687-4f45-9708-019B960494DF}">
-                <a14:hiddenLine xmlns:a14="http://schemas.microsoft.com/office/drawing/2010/main" xmlns="" w="9525">
+                <a14:hiddenLine xmlns="" xmlns:a14="http://schemas.microsoft.com/office/drawing/2010/main" w="9525">
                   <a:solidFill>
                     <a:srgbClr val="000000"/>
                   </a:solidFill>
@@ -4264,7 +4300,7 @@
             </a:ln>
             <a:extLst>
               <a:ext uri="{91240B29-F687-4f45-9708-019B960494DF}">
-                <a14:hiddenLine xmlns:a14="http://schemas.microsoft.com/office/drawing/2010/main" xmlns="" w="9525">
+                <a14:hiddenLine xmlns="" xmlns:a14="http://schemas.microsoft.com/office/drawing/2010/main" w="9525">
                   <a:solidFill>
                     <a:srgbClr val="000000"/>
                   </a:solidFill>
@@ -4326,7 +4362,7 @@
             </a:ln>
             <a:extLst>
               <a:ext uri="{91240B29-F687-4f45-9708-019B960494DF}">
-                <a14:hiddenLine xmlns:a14="http://schemas.microsoft.com/office/drawing/2010/main" xmlns="" w="9525">
+                <a14:hiddenLine xmlns="" xmlns:a14="http://schemas.microsoft.com/office/drawing/2010/main" w="9525">
                   <a:solidFill>
                     <a:srgbClr val="000000"/>
                   </a:solidFill>
@@ -4416,7 +4452,7 @@
             </a:ln>
             <a:extLst>
               <a:ext uri="{91240B29-F687-4f45-9708-019B960494DF}">
-                <a14:hiddenLine xmlns:a14="http://schemas.microsoft.com/office/drawing/2010/main" xmlns="" w="9525">
+                <a14:hiddenLine xmlns="" xmlns:a14="http://schemas.microsoft.com/office/drawing/2010/main" w="9525">
                   <a:solidFill>
                     <a:srgbClr val="000000"/>
                   </a:solidFill>
@@ -4506,7 +4542,7 @@
             </a:ln>
             <a:extLst>
               <a:ext uri="{91240B29-F687-4f45-9708-019B960494DF}">
-                <a14:hiddenLine xmlns:a14="http://schemas.microsoft.com/office/drawing/2010/main" xmlns="" w="9525">
+                <a14:hiddenLine xmlns="" xmlns:a14="http://schemas.microsoft.com/office/drawing/2010/main" w="9525">
                   <a:solidFill>
                     <a:srgbClr val="000000"/>
                   </a:solidFill>
@@ -4568,7 +4604,7 @@
             </a:ln>
             <a:extLst>
               <a:ext uri="{91240B29-F687-4f45-9708-019B960494DF}">
-                <a14:hiddenLine xmlns:a14="http://schemas.microsoft.com/office/drawing/2010/main" xmlns="" w="9525">
+                <a14:hiddenLine xmlns="" xmlns:a14="http://schemas.microsoft.com/office/drawing/2010/main" w="9525">
                   <a:solidFill>
                     <a:srgbClr val="000000"/>
                   </a:solidFill>
@@ -4688,7 +4724,7 @@
             </a:ln>
             <a:extLst>
               <a:ext uri="{91240B29-F687-4f45-9708-019B960494DF}">
-                <a14:hiddenLine xmlns:a14="http://schemas.microsoft.com/office/drawing/2010/main" xmlns="" w="9525">
+                <a14:hiddenLine xmlns="" xmlns:a14="http://schemas.microsoft.com/office/drawing/2010/main" w="9525">
                   <a:solidFill>
                     <a:srgbClr val="000000"/>
                   </a:solidFill>
@@ -4756,7 +4792,7 @@
             </a:ln>
             <a:extLst>
               <a:ext uri="{91240B29-F687-4f45-9708-019B960494DF}">
-                <a14:hiddenLine xmlns:a14="http://schemas.microsoft.com/office/drawing/2010/main" xmlns="" w="9525">
+                <a14:hiddenLine xmlns="" xmlns:a14="http://schemas.microsoft.com/office/drawing/2010/main" w="9525">
                   <a:solidFill>
                     <a:srgbClr val="000000"/>
                   </a:solidFill>
@@ -4846,7 +4882,7 @@
             </a:ln>
             <a:extLst>
               <a:ext uri="{91240B29-F687-4f45-9708-019B960494DF}">
-                <a14:hiddenLine xmlns:a14="http://schemas.microsoft.com/office/drawing/2010/main" xmlns="" w="9525">
+                <a14:hiddenLine xmlns="" xmlns:a14="http://schemas.microsoft.com/office/drawing/2010/main" w="9525">
                   <a:solidFill>
                     <a:srgbClr val="000000"/>
                   </a:solidFill>
@@ -4986,7 +5022,7 @@
           <a:p>
             <a:fld id="{677E5385-AF19-4977-A271-B3EA5CFEC1DA}" type="datetime1">
               <a:rPr lang="en-US" altLang="zh-TW" smtClean="0"/>
-              <a:t>5/23/2022</a:t>
+              <a:t>5/28/2022</a:t>
             </a:fld>
             <a:endParaRPr lang="en-US" dirty="0"/>
           </a:p>
@@ -5248,7 +5284,7 @@
           <a:p>
             <a:fld id="{340BC377-7AFD-4EF7-A43C-278702A26A45}" type="datetime1">
               <a:rPr lang="en-US" altLang="zh-TW" smtClean="0"/>
-              <a:t>5/23/2022</a:t>
+              <a:t>5/28/2022</a:t>
             </a:fld>
             <a:endParaRPr lang="en-US" dirty="0"/>
           </a:p>
@@ -5447,7 +5483,7 @@
           <a:p>
             <a:fld id="{2D6B437B-CA6E-46C7-8B61-FD7938166735}" type="datetime1">
               <a:rPr lang="en-US" altLang="zh-TW" smtClean="0"/>
-              <a:t>5/23/2022</a:t>
+              <a:t>5/28/2022</a:t>
             </a:fld>
             <a:endParaRPr lang="en-US" dirty="0"/>
           </a:p>
@@ -5714,7 +5750,7 @@
           <a:p>
             <a:fld id="{96B16699-AB5E-44E1-A675-F1BBF3EB7B8E}" type="datetime1">
               <a:rPr lang="en-US" altLang="zh-TW" smtClean="0"/>
-              <a:t>5/23/2022</a:t>
+              <a:t>5/28/2022</a:t>
             </a:fld>
             <a:endParaRPr lang="en-US" dirty="0"/>
           </a:p>
@@ -6152,7 +6188,7 @@
           <a:p>
             <a:fld id="{198F5536-811E-4FB5-8871-8D382DF32017}" type="datetime1">
               <a:rPr lang="en-US" altLang="zh-TW" smtClean="0"/>
-              <a:t>5/23/2022</a:t>
+              <a:t>5/28/2022</a:t>
             </a:fld>
             <a:endParaRPr lang="en-US" dirty="0"/>
           </a:p>
@@ -6708,7 +6744,7 @@
           <a:p>
             <a:fld id="{F3E78361-D352-491F-BD43-DFD36257685F}" type="datetime1">
               <a:rPr lang="en-US" altLang="zh-TW" smtClean="0"/>
-              <a:t>5/23/2022</a:t>
+              <a:t>5/28/2022</a:t>
             </a:fld>
             <a:endParaRPr lang="en-US" dirty="0"/>
           </a:p>
@@ -7438,7 +7474,7 @@
           <a:p>
             <a:fld id="{DBC4697F-A7CE-40BF-AE33-9F50DD38BF40}" type="datetime1">
               <a:rPr lang="en-US" altLang="zh-TW" smtClean="0"/>
-              <a:t>5/23/2022</a:t>
+              <a:t>5/28/2022</a:t>
             </a:fld>
             <a:endParaRPr lang="en-US" dirty="0"/>
           </a:p>
@@ -7618,7 +7654,7 @@
           <a:p>
             <a:fld id="{5557DB2D-2ACD-43A1-AF13-7E83B0874C54}" type="datetime1">
               <a:rPr lang="en-US" altLang="zh-TW" smtClean="0"/>
-              <a:t>5/23/2022</a:t>
+              <a:t>5/28/2022</a:t>
             </a:fld>
             <a:endParaRPr lang="en-US" dirty="0"/>
           </a:p>
@@ -7801,7 +7837,7 @@
           <a:p>
             <a:fld id="{157CFDBD-49DA-49D4-8DEF-17A45788D0CF}" type="datetime1">
               <a:rPr lang="en-US" altLang="zh-TW" smtClean="0"/>
-              <a:t>5/23/2022</a:t>
+              <a:t>5/28/2022</a:t>
             </a:fld>
             <a:endParaRPr lang="en-US" dirty="0"/>
           </a:p>
@@ -7858,6 +7894,269 @@
         </p:txBody>
       </p:sp>
     </p:spTree>
+  </p:cSld>
+  <p:clrMapOvr>
+    <a:masterClrMapping/>
+  </p:clrMapOvr>
+</p:sldLayout>
+</file>
+
+<file path=ppt/slideLayouts/slideLayout18.xml><?xml version="1.0" encoding="utf-8"?>
+<p:sldLayout xmlns:a="http://schemas.openxmlformats.org/drawingml/2006/main" xmlns:r="http://schemas.openxmlformats.org/officeDocument/2006/relationships" xmlns:p="http://schemas.openxmlformats.org/presentationml/2006/main" preserve="1" userDrawn="1">
+  <p:cSld name="1_直排標題及文字">
+    <p:spTree>
+      <p:nvGrpSpPr>
+        <p:cNvPr id="1" name=""/>
+        <p:cNvGrpSpPr/>
+        <p:nvPr/>
+      </p:nvGrpSpPr>
+      <p:grpSpPr>
+        <a:xfrm>
+          <a:off x="0" y="0"/>
+          <a:ext cx="0" cy="0"/>
+          <a:chOff x="0" y="0"/>
+          <a:chExt cx="0" cy="0"/>
+        </a:xfrm>
+      </p:grpSpPr>
+      <p:sp>
+        <p:nvSpPr>
+          <p:cNvPr id="2" name="Vertical Title 1"/>
+          <p:cNvSpPr>
+            <a:spLocks noGrp="1"/>
+          </p:cNvSpPr>
+          <p:nvPr>
+            <p:ph type="title" orient="vert"/>
+          </p:nvPr>
+        </p:nvSpPr>
+        <p:spPr>
+          <a:xfrm>
+            <a:off x="4525314" y="609600"/>
+            <a:ext cx="6522097" cy="1015156"/>
+          </a:xfrm>
+        </p:spPr>
+        <p:txBody>
+          <a:bodyPr vert="horz">
+            <a:noAutofit/>
+          </a:bodyPr>
+          <a:lstStyle>
+            <a:lvl1pPr algn="ctr">
+              <a:defRPr sz="4000"/>
+            </a:lvl1pPr>
+          </a:lstStyle>
+          <a:p>
+            <a:r>
+              <a:rPr lang="zh-TW" altLang="en-US" dirty="0"/>
+              <a:t>按一下以編輯母片標題樣式</a:t>
+            </a:r>
+            <a:endParaRPr lang="en-US" dirty="0"/>
+          </a:p>
+        </p:txBody>
+      </p:sp>
+      <p:sp>
+        <p:nvSpPr>
+          <p:cNvPr id="4" name="Date Placeholder 3"/>
+          <p:cNvSpPr>
+            <a:spLocks noGrp="1"/>
+          </p:cNvSpPr>
+          <p:nvPr>
+            <p:ph type="dt" sz="half" idx="10"/>
+          </p:nvPr>
+        </p:nvSpPr>
+        <p:spPr/>
+        <p:txBody>
+          <a:bodyPr/>
+          <a:lstStyle/>
+          <a:p>
+            <a:fld id="{157CFDBD-49DA-49D4-8DEF-17A45788D0CF}" type="datetime1">
+              <a:rPr lang="en-US" altLang="zh-TW" smtClean="0"/>
+              <a:t>5/28/2022</a:t>
+            </a:fld>
+            <a:endParaRPr lang="en-US" dirty="0"/>
+          </a:p>
+        </p:txBody>
+      </p:sp>
+      <p:sp>
+        <p:nvSpPr>
+          <p:cNvPr id="5" name="Footer Placeholder 4"/>
+          <p:cNvSpPr>
+            <a:spLocks noGrp="1"/>
+          </p:cNvSpPr>
+          <p:nvPr>
+            <p:ph type="ftr" sz="quarter" idx="11"/>
+          </p:nvPr>
+        </p:nvSpPr>
+        <p:spPr/>
+        <p:txBody>
+          <a:bodyPr/>
+          <a:lstStyle/>
+          <a:p>
+            <a:r>
+              <a:rPr lang="zh-TW" altLang="en-US"/>
+              <a:t>陳詩恩 </a:t>
+            </a:r>
+            <a:r>
+              <a:rPr lang="en-US" altLang="zh-TW"/>
+              <a:t>© 2022 </a:t>
+            </a:r>
+            <a:endParaRPr lang="en-US" dirty="0"/>
+          </a:p>
+        </p:txBody>
+      </p:sp>
+      <p:sp>
+        <p:nvSpPr>
+          <p:cNvPr id="6" name="Slide Number Placeholder 5"/>
+          <p:cNvSpPr>
+            <a:spLocks noGrp="1"/>
+          </p:cNvSpPr>
+          <p:nvPr>
+            <p:ph type="sldNum" sz="quarter" idx="12"/>
+          </p:nvPr>
+        </p:nvSpPr>
+        <p:spPr/>
+        <p:txBody>
+          <a:bodyPr/>
+          <a:lstStyle/>
+          <a:p>
+            <a:fld id="{6D22F896-40B5-4ADD-8801-0D06FADFA095}" type="slidenum">
+              <a:rPr lang="en-US" dirty="0"/>
+              <a:t>‹#›</a:t>
+            </a:fld>
+            <a:endParaRPr lang="en-US" dirty="0"/>
+          </a:p>
+        </p:txBody>
+      </p:sp>
+      <p:sp>
+        <p:nvSpPr>
+          <p:cNvPr id="9" name="Content Placeholder 2">
+            <a:extLst>
+              <a:ext uri="{FF2B5EF4-FFF2-40B4-BE49-F238E27FC236}">
+                <a16:creationId xmlns:a16="http://schemas.microsoft.com/office/drawing/2014/main" id="{76DECEFA-D1DF-47E6-BC13-F4B2F738D868}"/>
+              </a:ext>
+            </a:extLst>
+          </p:cNvPr>
+          <p:cNvSpPr>
+            <a:spLocks noGrp="1"/>
+          </p:cNvSpPr>
+          <p:nvPr>
+            <p:ph sz="half" idx="1"/>
+          </p:nvPr>
+        </p:nvSpPr>
+        <p:spPr>
+          <a:xfrm>
+            <a:off x="1141410" y="609600"/>
+            <a:ext cx="3262639" cy="5181600"/>
+          </a:xfrm>
+        </p:spPr>
+        <p:txBody>
+          <a:bodyPr/>
+          <a:lstStyle/>
+          <a:p>
+            <a:pPr lvl="0"/>
+            <a:r>
+              <a:rPr lang="zh-TW" altLang="en-US" dirty="0"/>
+              <a:t>編輯母片文字樣式</a:t>
+            </a:r>
+          </a:p>
+          <a:p>
+            <a:pPr lvl="1"/>
+            <a:r>
+              <a:rPr lang="zh-TW" altLang="en-US" dirty="0"/>
+              <a:t>第二層</a:t>
+            </a:r>
+          </a:p>
+          <a:p>
+            <a:pPr lvl="2"/>
+            <a:r>
+              <a:rPr lang="zh-TW" altLang="en-US" dirty="0"/>
+              <a:t>第三層</a:t>
+            </a:r>
+          </a:p>
+          <a:p>
+            <a:pPr lvl="3"/>
+            <a:r>
+              <a:rPr lang="zh-TW" altLang="en-US" dirty="0"/>
+              <a:t>第四層</a:t>
+            </a:r>
+          </a:p>
+          <a:p>
+            <a:pPr lvl="4"/>
+            <a:r>
+              <a:rPr lang="zh-TW" altLang="en-US" dirty="0"/>
+              <a:t>第五層</a:t>
+            </a:r>
+            <a:endParaRPr lang="en-US" dirty="0"/>
+          </a:p>
+        </p:txBody>
+      </p:sp>
+      <p:sp>
+        <p:nvSpPr>
+          <p:cNvPr id="10" name="Content Placeholder 2">
+            <a:extLst>
+              <a:ext uri="{FF2B5EF4-FFF2-40B4-BE49-F238E27FC236}">
+                <a16:creationId xmlns:a16="http://schemas.microsoft.com/office/drawing/2014/main" id="{451ADE30-9D3B-4437-B73C-23E3528EBC73}"/>
+              </a:ext>
+            </a:extLst>
+          </p:cNvPr>
+          <p:cNvSpPr>
+            <a:spLocks noGrp="1"/>
+          </p:cNvSpPr>
+          <p:nvPr>
+            <p:ph sz="half" idx="13"/>
+          </p:nvPr>
+        </p:nvSpPr>
+        <p:spPr>
+          <a:xfrm>
+            <a:off x="4525314" y="1716830"/>
+            <a:ext cx="6522096" cy="4074369"/>
+          </a:xfrm>
+        </p:spPr>
+        <p:txBody>
+          <a:bodyPr/>
+          <a:lstStyle/>
+          <a:p>
+            <a:pPr lvl="0"/>
+            <a:r>
+              <a:rPr lang="zh-TW" altLang="en-US" dirty="0"/>
+              <a:t>編輯母片文字樣式</a:t>
+            </a:r>
+          </a:p>
+          <a:p>
+            <a:pPr lvl="1"/>
+            <a:r>
+              <a:rPr lang="zh-TW" altLang="en-US" dirty="0"/>
+              <a:t>第二層</a:t>
+            </a:r>
+          </a:p>
+          <a:p>
+            <a:pPr lvl="2"/>
+            <a:r>
+              <a:rPr lang="zh-TW" altLang="en-US" dirty="0"/>
+              <a:t>第三層</a:t>
+            </a:r>
+          </a:p>
+          <a:p>
+            <a:pPr lvl="3"/>
+            <a:r>
+              <a:rPr lang="zh-TW" altLang="en-US" dirty="0"/>
+              <a:t>第四層</a:t>
+            </a:r>
+          </a:p>
+          <a:p>
+            <a:pPr lvl="4"/>
+            <a:r>
+              <a:rPr lang="zh-TW" altLang="en-US" dirty="0"/>
+              <a:t>第五層</a:t>
+            </a:r>
+            <a:endParaRPr lang="en-US" dirty="0"/>
+          </a:p>
+        </p:txBody>
+      </p:sp>
+    </p:spTree>
+    <p:extLst>
+      <p:ext uri="{BB962C8B-B14F-4D97-AF65-F5344CB8AC3E}">
+        <p14:creationId xmlns:p14="http://schemas.microsoft.com/office/powerpoint/2010/main" val="3338329648"/>
+      </p:ext>
+    </p:extLst>
   </p:cSld>
   <p:clrMapOvr>
     <a:masterClrMapping/>
@@ -7974,7 +8273,7 @@
           <a:p>
             <a:fld id="{C8280E60-537A-496B-8BEA-B056799F77C2}" type="datetime1">
               <a:rPr lang="en-US" altLang="zh-TW" smtClean="0"/>
-              <a:t>5/23/2022</a:t>
+              <a:t>5/28/2022</a:t>
             </a:fld>
             <a:endParaRPr lang="en-US" dirty="0"/>
           </a:p>
@@ -8227,7 +8526,7 @@
           <a:p>
             <a:fld id="{CE4FF8B6-D29F-4576-92A2-AEB721DB425F}" type="datetime1">
               <a:rPr lang="en-US" altLang="zh-TW" smtClean="0"/>
-              <a:t>5/23/2022</a:t>
+              <a:t>5/28/2022</a:t>
             </a:fld>
             <a:endParaRPr lang="en-US" dirty="0"/>
           </a:p>
@@ -8360,35 +8659,35 @@
           <a:p>
             <a:pPr lvl="0"/>
             <a:r>
-              <a:rPr lang="zh-TW" altLang="en-US"/>
+              <a:rPr lang="zh-TW" altLang="en-US" dirty="0"/>
               <a:t>編輯母片文字樣式</a:t>
             </a:r>
           </a:p>
           <a:p>
             <a:pPr lvl="1"/>
             <a:r>
-              <a:rPr lang="zh-TW" altLang="en-US"/>
+              <a:rPr lang="zh-TW" altLang="en-US" dirty="0"/>
               <a:t>第二層</a:t>
             </a:r>
           </a:p>
           <a:p>
             <a:pPr lvl="2"/>
             <a:r>
-              <a:rPr lang="zh-TW" altLang="en-US"/>
+              <a:rPr lang="zh-TW" altLang="en-US" dirty="0"/>
               <a:t>第三層</a:t>
             </a:r>
           </a:p>
           <a:p>
             <a:pPr lvl="3"/>
             <a:r>
-              <a:rPr lang="zh-TW" altLang="en-US"/>
+              <a:rPr lang="zh-TW" altLang="en-US" dirty="0"/>
               <a:t>第四層</a:t>
             </a:r>
           </a:p>
           <a:p>
             <a:pPr lvl="4"/>
             <a:r>
-              <a:rPr lang="zh-TW" altLang="en-US"/>
+              <a:rPr lang="zh-TW" altLang="en-US" dirty="0"/>
               <a:t>第五層</a:t>
             </a:r>
             <a:endParaRPr lang="en-US" dirty="0"/>
@@ -8469,7 +8768,7 @@
           <a:p>
             <a:fld id="{CC4E1249-50AC-40AE-839D-A51F2F0E845F}" type="datetime1">
               <a:rPr lang="en-US" altLang="zh-TW" smtClean="0"/>
-              <a:t>5/23/2022</a:t>
+              <a:t>5/28/2022</a:t>
             </a:fld>
             <a:endParaRPr lang="en-US" dirty="0"/>
           </a:p>
@@ -8860,7 +9159,7 @@
           <a:p>
             <a:fld id="{B2C6251E-A74D-4FF0-BBFA-FB1DF8B69A9A}" type="datetime1">
               <a:rPr lang="en-US" altLang="zh-TW" smtClean="0"/>
-              <a:t>5/23/2022</a:t>
+              <a:t>5/28/2022</a:t>
             </a:fld>
             <a:endParaRPr lang="en-US" dirty="0"/>
           </a:p>
@@ -8988,7 +9287,7 @@
           <a:p>
             <a:fld id="{EF377865-593F-41BC-BD2E-84C648FDC56B}" type="datetime1">
               <a:rPr lang="en-US" altLang="zh-TW" smtClean="0"/>
-              <a:t>5/23/2022</a:t>
+              <a:t>5/28/2022</a:t>
             </a:fld>
             <a:endParaRPr lang="en-US" dirty="0"/>
           </a:p>
@@ -9086,7 +9385,7 @@
           <a:p>
             <a:fld id="{D1D8F6B8-B4B4-4493-82CD-1D42863EB727}" type="datetime1">
               <a:rPr lang="en-US" altLang="zh-TW" smtClean="0"/>
-              <a:t>5/23/2022</a:t>
+              <a:t>5/28/2022</a:t>
             </a:fld>
             <a:endParaRPr lang="en-US" dirty="0"/>
           </a:p>
@@ -9341,7 +9640,7 @@
           <a:p>
             <a:fld id="{E6E01819-7F2D-4B01-93CE-4717EA2ABC62}" type="datetime1">
               <a:rPr lang="en-US" altLang="zh-TW" smtClean="0"/>
-              <a:t>5/23/2022</a:t>
+              <a:t>5/28/2022</a:t>
             </a:fld>
             <a:endParaRPr lang="en-US" dirty="0"/>
           </a:p>
@@ -9627,7 +9926,7 @@
           <a:p>
             <a:fld id="{B43C9934-6605-43A6-B552-AE8FFEDEAC70}" type="datetime1">
               <a:rPr lang="en-US" altLang="zh-TW" smtClean="0"/>
-              <a:t>5/23/2022</a:t>
+              <a:t>5/28/2022</a:t>
             </a:fld>
             <a:endParaRPr lang="en-US" dirty="0"/>
           </a:p>
@@ -9722,7 +10021,7 @@
           <p:nvPr/>
         </p:nvPicPr>
         <p:blipFill>
-          <a:blip r:embed="rId19">
+          <a:blip r:embed="rId20">
             <a:alphaModFix amt="30000"/>
             <a:duotone>
               <a:prstClr val="black"/>
@@ -9753,7 +10052,7 @@
           <a:noFill/>
           <a:extLst>
             <a:ext uri="{909E8E84-426E-40dd-AFC4-6F175D3DCCD1}">
-              <a14:hiddenFill xmlns:a14="http://schemas.microsoft.com/office/drawing/2010/main" xmlns="">
+              <a14:hiddenFill xmlns="" xmlns:a14="http://schemas.microsoft.com/office/drawing/2010/main">
                 <a:solidFill>
                   <a:srgbClr val="FFFFFF"/>
                 </a:solidFill>
@@ -9827,7 +10126,7 @@
               </a:ln>
               <a:extLst>
                 <a:ext uri="{91240B29-F687-4f45-9708-019B960494DF}">
-                  <a14:hiddenLine xmlns:a14="http://schemas.microsoft.com/office/drawing/2010/main" xmlns="" w="9525">
+                  <a14:hiddenLine xmlns="" xmlns:a14="http://schemas.microsoft.com/office/drawing/2010/main" w="9525">
                     <a:solidFill>
                       <a:srgbClr val="000000"/>
                     </a:solidFill>
@@ -9917,7 +10216,7 @@
               </a:ln>
               <a:extLst>
                 <a:ext uri="{91240B29-F687-4f45-9708-019B960494DF}">
-                  <a14:hiddenLine xmlns:a14="http://schemas.microsoft.com/office/drawing/2010/main" xmlns="" w="9525">
+                  <a14:hiddenLine xmlns="" xmlns:a14="http://schemas.microsoft.com/office/drawing/2010/main" w="9525">
                     <a:solidFill>
                       <a:srgbClr val="000000"/>
                     </a:solidFill>
@@ -10007,7 +10306,7 @@
               </a:ln>
               <a:extLst>
                 <a:ext uri="{91240B29-F687-4f45-9708-019B960494DF}">
-                  <a14:hiddenLine xmlns:a14="http://schemas.microsoft.com/office/drawing/2010/main" xmlns="" w="9525">
+                  <a14:hiddenLine xmlns="" xmlns:a14="http://schemas.microsoft.com/office/drawing/2010/main" w="9525">
                     <a:solidFill>
                       <a:srgbClr val="000000"/>
                     </a:solidFill>
@@ -10069,7 +10368,7 @@
               </a:ln>
               <a:extLst>
                 <a:ext uri="{91240B29-F687-4f45-9708-019B960494DF}">
-                  <a14:hiddenLine xmlns:a14="http://schemas.microsoft.com/office/drawing/2010/main" xmlns="" w="9525">
+                  <a14:hiddenLine xmlns="" xmlns:a14="http://schemas.microsoft.com/office/drawing/2010/main" w="9525">
                     <a:solidFill>
                       <a:srgbClr val="000000"/>
                     </a:solidFill>
@@ -10159,7 +10458,7 @@
               </a:ln>
               <a:extLst>
                 <a:ext uri="{91240B29-F687-4f45-9708-019B960494DF}">
-                  <a14:hiddenLine xmlns:a14="http://schemas.microsoft.com/office/drawing/2010/main" xmlns="" w="9525">
+                  <a14:hiddenLine xmlns="" xmlns:a14="http://schemas.microsoft.com/office/drawing/2010/main" w="9525">
                     <a:solidFill>
                       <a:srgbClr val="000000"/>
                     </a:solidFill>
@@ -10221,7 +10520,7 @@
               </a:ln>
               <a:extLst>
                 <a:ext uri="{91240B29-F687-4f45-9708-019B960494DF}">
-                  <a14:hiddenLine xmlns:a14="http://schemas.microsoft.com/office/drawing/2010/main" xmlns="" w="9525">
+                  <a14:hiddenLine xmlns="" xmlns:a14="http://schemas.microsoft.com/office/drawing/2010/main" w="9525">
                     <a:solidFill>
                       <a:srgbClr val="000000"/>
                     </a:solidFill>
@@ -10283,7 +10582,7 @@
               </a:ln>
               <a:extLst>
                 <a:ext uri="{91240B29-F687-4f45-9708-019B960494DF}">
-                  <a14:hiddenLine xmlns:a14="http://schemas.microsoft.com/office/drawing/2010/main" xmlns="" w="9525">
+                  <a14:hiddenLine xmlns="" xmlns:a14="http://schemas.microsoft.com/office/drawing/2010/main" w="9525">
                     <a:solidFill>
                       <a:srgbClr val="000000"/>
                     </a:solidFill>
@@ -10373,7 +10672,7 @@
               </a:ln>
               <a:extLst>
                 <a:ext uri="{91240B29-F687-4f45-9708-019B960494DF}">
-                  <a14:hiddenLine xmlns:a14="http://schemas.microsoft.com/office/drawing/2010/main" xmlns="" w="9525">
+                  <a14:hiddenLine xmlns="" xmlns:a14="http://schemas.microsoft.com/office/drawing/2010/main" w="9525">
                     <a:solidFill>
                       <a:srgbClr val="000000"/>
                     </a:solidFill>
@@ -10463,7 +10762,7 @@
               </a:ln>
               <a:extLst>
                 <a:ext uri="{91240B29-F687-4f45-9708-019B960494DF}">
-                  <a14:hiddenLine xmlns:a14="http://schemas.microsoft.com/office/drawing/2010/main" xmlns="" w="9525">
+                  <a14:hiddenLine xmlns="" xmlns:a14="http://schemas.microsoft.com/office/drawing/2010/main" w="9525">
                     <a:solidFill>
                       <a:srgbClr val="000000"/>
                     </a:solidFill>
@@ -10525,7 +10824,7 @@
               </a:ln>
               <a:extLst>
                 <a:ext uri="{91240B29-F687-4f45-9708-019B960494DF}">
-                  <a14:hiddenLine xmlns:a14="http://schemas.microsoft.com/office/drawing/2010/main" xmlns="" w="9525">
+                  <a14:hiddenLine xmlns="" xmlns:a14="http://schemas.microsoft.com/office/drawing/2010/main" w="9525">
                     <a:solidFill>
                       <a:srgbClr val="000000"/>
                     </a:solidFill>
@@ -10635,7 +10934,7 @@
               </a:ln>
               <a:extLst>
                 <a:ext uri="{91240B29-F687-4f45-9708-019B960494DF}">
-                  <a14:hiddenLine xmlns:a14="http://schemas.microsoft.com/office/drawing/2010/main" xmlns="" w="9525">
+                  <a14:hiddenLine xmlns="" xmlns:a14="http://schemas.microsoft.com/office/drawing/2010/main" w="9525">
                     <a:solidFill>
                       <a:srgbClr val="000000"/>
                     </a:solidFill>
@@ -10719,7 +11018,7 @@
               </a:ln>
               <a:extLst>
                 <a:ext uri="{91240B29-F687-4f45-9708-019B960494DF}">
-                  <a14:hiddenLine xmlns:a14="http://schemas.microsoft.com/office/drawing/2010/main" xmlns="" w="9525">
+                  <a14:hiddenLine xmlns="" xmlns:a14="http://schemas.microsoft.com/office/drawing/2010/main" w="9525">
                     <a:solidFill>
                       <a:srgbClr val="000000"/>
                     </a:solidFill>
@@ -10781,7 +11080,7 @@
               </a:ln>
               <a:extLst>
                 <a:ext uri="{91240B29-F687-4f45-9708-019B960494DF}">
-                  <a14:hiddenLine xmlns:a14="http://schemas.microsoft.com/office/drawing/2010/main" xmlns="" w="9525">
+                  <a14:hiddenLine xmlns="" xmlns:a14="http://schemas.microsoft.com/office/drawing/2010/main" w="9525">
                     <a:solidFill>
                       <a:srgbClr val="000000"/>
                     </a:solidFill>
@@ -10843,7 +11142,7 @@
               </a:ln>
               <a:extLst>
                 <a:ext uri="{91240B29-F687-4f45-9708-019B960494DF}">
-                  <a14:hiddenLine xmlns:a14="http://schemas.microsoft.com/office/drawing/2010/main" xmlns="" w="9525">
+                  <a14:hiddenLine xmlns="" xmlns:a14="http://schemas.microsoft.com/office/drawing/2010/main" w="9525">
                     <a:solidFill>
                       <a:srgbClr val="000000"/>
                     </a:solidFill>
@@ -10933,7 +11232,7 @@
               </a:ln>
               <a:extLst>
                 <a:ext uri="{91240B29-F687-4f45-9708-019B960494DF}">
-                  <a14:hiddenLine xmlns:a14="http://schemas.microsoft.com/office/drawing/2010/main" xmlns="" w="9525">
+                  <a14:hiddenLine xmlns="" xmlns:a14="http://schemas.microsoft.com/office/drawing/2010/main" w="9525">
                     <a:solidFill>
                       <a:srgbClr val="000000"/>
                     </a:solidFill>
@@ -10967,7 +11266,7 @@
               </a:ln>
               <a:extLst>
                 <a:ext uri="{91240B29-F687-4f45-9708-019B960494DF}">
-                  <a14:hiddenLine xmlns:a14="http://schemas.microsoft.com/office/drawing/2010/main" xmlns="" w="9525">
+                  <a14:hiddenLine xmlns="" xmlns:a14="http://schemas.microsoft.com/office/drawing/2010/main" w="9525">
                     <a:solidFill>
                       <a:srgbClr val="000000"/>
                     </a:solidFill>
@@ -11032,7 +11331,7 @@
               </a:ln>
               <a:extLst>
                 <a:ext uri="{91240B29-F687-4f45-9708-019B960494DF}">
-                  <a14:hiddenLine xmlns:a14="http://schemas.microsoft.com/office/drawing/2010/main" xmlns="" w="9525">
+                  <a14:hiddenLine xmlns="" xmlns:a14="http://schemas.microsoft.com/office/drawing/2010/main" w="9525">
                     <a:solidFill>
                       <a:srgbClr val="000000"/>
                     </a:solidFill>
@@ -11122,7 +11421,7 @@
               </a:ln>
               <a:extLst>
                 <a:ext uri="{91240B29-F687-4f45-9708-019B960494DF}">
-                  <a14:hiddenLine xmlns:a14="http://schemas.microsoft.com/office/drawing/2010/main" xmlns="" w="9525">
+                  <a14:hiddenLine xmlns="" xmlns:a14="http://schemas.microsoft.com/office/drawing/2010/main" w="9525">
                     <a:solidFill>
                       <a:srgbClr val="000000"/>
                     </a:solidFill>
@@ -11184,7 +11483,7 @@
               </a:ln>
               <a:extLst>
                 <a:ext uri="{91240B29-F687-4f45-9708-019B960494DF}">
-                  <a14:hiddenLine xmlns:a14="http://schemas.microsoft.com/office/drawing/2010/main" xmlns="" w="9525">
+                  <a14:hiddenLine xmlns="" xmlns:a14="http://schemas.microsoft.com/office/drawing/2010/main" w="9525">
                     <a:solidFill>
                       <a:srgbClr val="000000"/>
                     </a:solidFill>
@@ -11274,7 +11573,7 @@
               </a:ln>
               <a:extLst>
                 <a:ext uri="{91240B29-F687-4f45-9708-019B960494DF}">
-                  <a14:hiddenLine xmlns:a14="http://schemas.microsoft.com/office/drawing/2010/main" xmlns="" w="9525">
+                  <a14:hiddenLine xmlns="" xmlns:a14="http://schemas.microsoft.com/office/drawing/2010/main" w="9525">
                     <a:solidFill>
                       <a:srgbClr val="000000"/>
                     </a:solidFill>
@@ -11339,7 +11638,7 @@
               </a:ln>
               <a:extLst>
                 <a:ext uri="{91240B29-F687-4f45-9708-019B960494DF}">
-                  <a14:hiddenLine xmlns:a14="http://schemas.microsoft.com/office/drawing/2010/main" xmlns="" w="9525">
+                  <a14:hiddenLine xmlns="" xmlns:a14="http://schemas.microsoft.com/office/drawing/2010/main" w="9525">
                     <a:solidFill>
                       <a:srgbClr val="000000"/>
                     </a:solidFill>
@@ -11401,7 +11700,7 @@
               </a:ln>
               <a:extLst>
                 <a:ext uri="{91240B29-F687-4f45-9708-019B960494DF}">
-                  <a14:hiddenLine xmlns:a14="http://schemas.microsoft.com/office/drawing/2010/main" xmlns="" w="9525">
+                  <a14:hiddenLine xmlns="" xmlns:a14="http://schemas.microsoft.com/office/drawing/2010/main" w="9525">
                     <a:solidFill>
                       <a:srgbClr val="000000"/>
                     </a:solidFill>
@@ -11491,7 +11790,7 @@
               </a:ln>
               <a:extLst>
                 <a:ext uri="{91240B29-F687-4f45-9708-019B960494DF}">
-                  <a14:hiddenLine xmlns:a14="http://schemas.microsoft.com/office/drawing/2010/main" xmlns="" w="9525">
+                  <a14:hiddenLine xmlns="" xmlns:a14="http://schemas.microsoft.com/office/drawing/2010/main" w="9525">
                     <a:solidFill>
                       <a:srgbClr val="000000"/>
                     </a:solidFill>
@@ -11581,7 +11880,7 @@
               </a:ln>
               <a:extLst>
                 <a:ext uri="{91240B29-F687-4f45-9708-019B960494DF}">
-                  <a14:hiddenLine xmlns:a14="http://schemas.microsoft.com/office/drawing/2010/main" xmlns="" w="9525">
+                  <a14:hiddenLine xmlns="" xmlns:a14="http://schemas.microsoft.com/office/drawing/2010/main" w="9525">
                     <a:solidFill>
                       <a:srgbClr val="000000"/>
                     </a:solidFill>
@@ -11646,7 +11945,7 @@
               </a:ln>
               <a:extLst>
                 <a:ext uri="{91240B29-F687-4f45-9708-019B960494DF}">
-                  <a14:hiddenLine xmlns:a14="http://schemas.microsoft.com/office/drawing/2010/main" xmlns="" w="9525">
+                  <a14:hiddenLine xmlns="" xmlns:a14="http://schemas.microsoft.com/office/drawing/2010/main" w="9525">
                     <a:solidFill>
                       <a:srgbClr val="000000"/>
                     </a:solidFill>
@@ -11766,7 +12065,7 @@
               </a:ln>
               <a:extLst>
                 <a:ext uri="{91240B29-F687-4f45-9708-019B960494DF}">
-                  <a14:hiddenLine xmlns:a14="http://schemas.microsoft.com/office/drawing/2010/main" xmlns="" w="9525">
+                  <a14:hiddenLine xmlns="" xmlns:a14="http://schemas.microsoft.com/office/drawing/2010/main" w="9525">
                     <a:solidFill>
                       <a:srgbClr val="000000"/>
                     </a:solidFill>
@@ -11847,7 +12146,7 @@
               </a:ln>
               <a:extLst>
                 <a:ext uri="{91240B29-F687-4f45-9708-019B960494DF}">
-                  <a14:hiddenLine xmlns:a14="http://schemas.microsoft.com/office/drawing/2010/main" xmlns="" w="9525">
+                  <a14:hiddenLine xmlns="" xmlns:a14="http://schemas.microsoft.com/office/drawing/2010/main" w="9525">
                     <a:solidFill>
                       <a:srgbClr val="000000"/>
                     </a:solidFill>
@@ -11962,7 +12261,7 @@
               </a:ln>
               <a:extLst>
                 <a:ext uri="{91240B29-F687-4f45-9708-019B960494DF}">
-                  <a14:hiddenLine xmlns:a14="http://schemas.microsoft.com/office/drawing/2010/main" xmlns="" w="9525">
+                  <a14:hiddenLine xmlns="" xmlns:a14="http://schemas.microsoft.com/office/drawing/2010/main" w="9525">
                     <a:solidFill>
                       <a:srgbClr val="000000"/>
                     </a:solidFill>
@@ -12052,7 +12351,7 @@
               </a:ln>
               <a:extLst>
                 <a:ext uri="{91240B29-F687-4f45-9708-019B960494DF}">
-                  <a14:hiddenLine xmlns:a14="http://schemas.microsoft.com/office/drawing/2010/main" xmlns="" w="9525">
+                  <a14:hiddenLine xmlns="" xmlns:a14="http://schemas.microsoft.com/office/drawing/2010/main" w="9525">
                     <a:solidFill>
                       <a:srgbClr val="000000"/>
                     </a:solidFill>
@@ -12117,7 +12416,7 @@
               </a:ln>
               <a:extLst>
                 <a:ext uri="{91240B29-F687-4f45-9708-019B960494DF}">
-                  <a14:hiddenLine xmlns:a14="http://schemas.microsoft.com/office/drawing/2010/main" xmlns="" w="9525">
+                  <a14:hiddenLine xmlns="" xmlns:a14="http://schemas.microsoft.com/office/drawing/2010/main" w="9525">
                     <a:solidFill>
                       <a:srgbClr val="000000"/>
                     </a:solidFill>
@@ -12207,7 +12506,7 @@
               </a:ln>
               <a:extLst>
                 <a:ext uri="{91240B29-F687-4f45-9708-019B960494DF}">
-                  <a14:hiddenLine xmlns:a14="http://schemas.microsoft.com/office/drawing/2010/main" xmlns="" w="9525">
+                  <a14:hiddenLine xmlns="" xmlns:a14="http://schemas.microsoft.com/office/drawing/2010/main" w="9525">
                     <a:solidFill>
                       <a:srgbClr val="000000"/>
                     </a:solidFill>
@@ -12275,7 +12574,7 @@
               </a:ln>
               <a:extLst>
                 <a:ext uri="{91240B29-F687-4f45-9708-019B960494DF}">
-                  <a14:hiddenLine xmlns:a14="http://schemas.microsoft.com/office/drawing/2010/main" xmlns="" w="9525">
+                  <a14:hiddenLine xmlns="" xmlns:a14="http://schemas.microsoft.com/office/drawing/2010/main" w="9525">
                     <a:solidFill>
                       <a:srgbClr val="000000"/>
                     </a:solidFill>
@@ -12365,7 +12664,7 @@
               </a:ln>
               <a:extLst>
                 <a:ext uri="{91240B29-F687-4f45-9708-019B960494DF}">
-                  <a14:hiddenLine xmlns:a14="http://schemas.microsoft.com/office/drawing/2010/main" xmlns="" w="9525">
+                  <a14:hiddenLine xmlns="" xmlns:a14="http://schemas.microsoft.com/office/drawing/2010/main" w="9525">
                     <a:solidFill>
                       <a:srgbClr val="000000"/>
                     </a:solidFill>
@@ -12433,7 +12732,7 @@
               </a:ln>
               <a:extLst>
                 <a:ext uri="{91240B29-F687-4f45-9708-019B960494DF}">
-                  <a14:hiddenLine xmlns:a14="http://schemas.microsoft.com/office/drawing/2010/main" xmlns="" w="9525">
+                  <a14:hiddenLine xmlns="" xmlns:a14="http://schemas.microsoft.com/office/drawing/2010/main" w="9525">
                     <a:solidFill>
                       <a:srgbClr val="000000"/>
                     </a:solidFill>
@@ -12523,7 +12822,7 @@
               </a:ln>
               <a:extLst>
                 <a:ext uri="{91240B29-F687-4f45-9708-019B960494DF}">
-                  <a14:hiddenLine xmlns:a14="http://schemas.microsoft.com/office/drawing/2010/main" xmlns="" w="9525">
+                  <a14:hiddenLine xmlns="" xmlns:a14="http://schemas.microsoft.com/office/drawing/2010/main" w="9525">
                     <a:solidFill>
                       <a:srgbClr val="000000"/>
                     </a:solidFill>
@@ -12557,7 +12856,7 @@
               </a:ln>
               <a:extLst>
                 <a:ext uri="{91240B29-F687-4f45-9708-019B960494DF}">
-                  <a14:hiddenLine xmlns:a14="http://schemas.microsoft.com/office/drawing/2010/main" xmlns="" w="9525">
+                  <a14:hiddenLine xmlns="" xmlns:a14="http://schemas.microsoft.com/office/drawing/2010/main" w="9525">
                     <a:solidFill>
                       <a:srgbClr val="000000"/>
                     </a:solidFill>
@@ -12697,7 +12996,7 @@
           <a:p>
             <a:fld id="{AED5635E-6673-49EB-A729-C82C624A02C9}" type="datetime1">
               <a:rPr lang="en-US" altLang="zh-TW" smtClean="0"/>
-              <a:t>5/23/2022</a:t>
+              <a:t>5/28/2022</a:t>
             </a:fld>
             <a:endParaRPr lang="en-US" dirty="0"/>
           </a:p>
@@ -12811,6 +13110,7 @@
     <p:sldLayoutId id="2147483668" r:id="rId15"/>
     <p:sldLayoutId id="2147483658" r:id="rId16"/>
     <p:sldLayoutId id="2147483659" r:id="rId17"/>
+    <p:sldLayoutId id="2147483669" r:id="rId18"/>
   </p:sldLayoutIdLst>
   <p:hf sldNum="0" hdr="0" dt="0"/>
   <p:txStyles>
@@ -13235,10 +13535,10 @@
       </p:grpSpPr>
       <p:sp>
         <p:nvSpPr>
-          <p:cNvPr id="2" name="標題 1">
+          <p:cNvPr id="2" name="直排標題 1">
             <a:extLst>
               <a:ext uri="{FF2B5EF4-FFF2-40B4-BE49-F238E27FC236}">
-                <a16:creationId xmlns:a16="http://schemas.microsoft.com/office/drawing/2014/main" id="{0A19E510-096C-4B71-AA66-9FCDA3E0CF6F}"/>
+                <a16:creationId xmlns:a16="http://schemas.microsoft.com/office/drawing/2014/main" id="{1CA659AF-ADFA-4A03-98C7-427C4711A55C}"/>
               </a:ext>
             </a:extLst>
           </p:cNvPr>
@@ -13246,99 +13546,92 @@
             <a:spLocks noGrp="1"/>
           </p:cNvSpPr>
           <p:nvPr>
-            <p:ph type="title"/>
+            <p:ph type="title" orient="vert"/>
           </p:nvPr>
         </p:nvSpPr>
         <p:spPr/>
         <p:txBody>
-          <a:bodyPr vert="horz" lIns="91440" tIns="45720" rIns="91440" bIns="45720" rtlCol="0" anchor="ctr">
-            <a:normAutofit/>
-          </a:bodyPr>
+          <a:bodyPr/>
           <a:lstStyle/>
           <a:p>
-            <a:pPr algn="ctr"/>
-            <a:r>
-              <a:rPr lang="zh-TW" altLang="en-US" sz="6600" dirty="0"/>
-              <a:t>遊戲結束畫面</a:t>
-            </a:r>
-          </a:p>
-        </p:txBody>
-      </p:sp>
-      <p:sp>
-        <p:nvSpPr>
+            <a:r>
+              <a:rPr lang="en-US" altLang="zh-TW" dirty="0"/>
+              <a:t>Model – </a:t>
+            </a:r>
+            <a:r>
+              <a:rPr lang="zh-TW" altLang="en-US" dirty="0"/>
+              <a:t>計時器</a:t>
+            </a:r>
+          </a:p>
+        </p:txBody>
+      </p:sp>
+      <p:sp>
+        <p:nvSpPr>
+          <p:cNvPr id="3" name="頁尾版面配置區 2">
+            <a:extLst>
+              <a:ext uri="{FF2B5EF4-FFF2-40B4-BE49-F238E27FC236}">
+                <a16:creationId xmlns:a16="http://schemas.microsoft.com/office/drawing/2014/main" id="{9CC5DA43-6CA6-40FC-8C18-46751954E326}"/>
+              </a:ext>
+            </a:extLst>
+          </p:cNvPr>
+          <p:cNvSpPr>
+            <a:spLocks noGrp="1"/>
+          </p:cNvSpPr>
+          <p:nvPr>
+            <p:ph type="ftr" sz="quarter" idx="11"/>
+          </p:nvPr>
+        </p:nvSpPr>
+        <p:spPr/>
+        <p:txBody>
+          <a:bodyPr/>
+          <a:lstStyle/>
+          <a:p>
+            <a:r>
+              <a:rPr lang="zh-TW" altLang="en-US"/>
+              <a:t>陳詩恩 </a:t>
+            </a:r>
+            <a:r>
+              <a:rPr lang="en-US" altLang="zh-TW"/>
+              <a:t>© 2022 </a:t>
+            </a:r>
+            <a:endParaRPr lang="en-US" dirty="0"/>
+          </a:p>
+        </p:txBody>
+      </p:sp>
+      <p:sp>
+        <p:nvSpPr>
+          <p:cNvPr id="5" name="內容版面配置區 4">
+            <a:extLst>
+              <a:ext uri="{FF2B5EF4-FFF2-40B4-BE49-F238E27FC236}">
+                <a16:creationId xmlns:a16="http://schemas.microsoft.com/office/drawing/2014/main" id="{E63E16D1-D680-4A01-9520-6C7D7C0A3592}"/>
+              </a:ext>
+            </a:extLst>
+          </p:cNvPr>
+          <p:cNvSpPr>
+            <a:spLocks noGrp="1"/>
+          </p:cNvSpPr>
+          <p:nvPr>
+            <p:ph sz="half" idx="13"/>
+          </p:nvPr>
+        </p:nvSpPr>
+        <p:spPr/>
+        <p:txBody>
+          <a:bodyPr/>
+          <a:lstStyle/>
+          <a:p>
+            <a:r>
+              <a:rPr lang="zh-TW" altLang="en-US" dirty="0"/>
+              <a:t>紀錄遊戲剩餘時間。</a:t>
+            </a:r>
+          </a:p>
+        </p:txBody>
+      </p:sp>
+      <p:pic>
+        <p:nvPicPr>
           <p:cNvPr id="8" name="內容版面配置區 7">
             <a:extLst>
               <a:ext uri="{FF2B5EF4-FFF2-40B4-BE49-F238E27FC236}">
-                <a16:creationId xmlns:a16="http://schemas.microsoft.com/office/drawing/2014/main" id="{3B91035C-76EE-4DF7-836C-C0C081364549}"/>
-              </a:ext>
-            </a:extLst>
-          </p:cNvPr>
-          <p:cNvSpPr>
-            <a:spLocks noGrp="1"/>
-          </p:cNvSpPr>
-          <p:nvPr>
-            <p:ph sz="half" idx="2"/>
-          </p:nvPr>
-        </p:nvSpPr>
-        <p:spPr/>
-        <p:txBody>
-          <a:bodyPr/>
-          <a:lstStyle/>
-          <a:p>
-            <a:r>
-              <a:rPr lang="zh-TW" altLang="en-US" dirty="0"/>
-              <a:t>重新開始遊戲</a:t>
-            </a:r>
-            <a:endParaRPr lang="en-US" altLang="zh-TW" dirty="0"/>
-          </a:p>
-          <a:p>
-            <a:r>
-              <a:rPr lang="zh-TW" altLang="en-US"/>
-              <a:t>返回大廳</a:t>
-            </a:r>
-            <a:endParaRPr lang="en-US" altLang="zh-TW" dirty="0"/>
-          </a:p>
-        </p:txBody>
-      </p:sp>
-      <p:sp>
-        <p:nvSpPr>
-          <p:cNvPr id="4" name="頁尾版面配置區 3">
-            <a:extLst>
-              <a:ext uri="{FF2B5EF4-FFF2-40B4-BE49-F238E27FC236}">
-                <a16:creationId xmlns:a16="http://schemas.microsoft.com/office/drawing/2014/main" id="{9DCCD605-4638-4B5D-8053-4E7563F761C8}"/>
-              </a:ext>
-            </a:extLst>
-          </p:cNvPr>
-          <p:cNvSpPr>
-            <a:spLocks noGrp="1"/>
-          </p:cNvSpPr>
-          <p:nvPr>
-            <p:ph type="ftr" sz="quarter" idx="11"/>
-          </p:nvPr>
-        </p:nvSpPr>
-        <p:spPr/>
-        <p:txBody>
-          <a:bodyPr/>
-          <a:lstStyle/>
-          <a:p>
-            <a:r>
-              <a:rPr lang="zh-TW" altLang="en-US"/>
-              <a:t>陳詩恩 </a:t>
-            </a:r>
-            <a:r>
-              <a:rPr lang="en-US" altLang="zh-TW"/>
-              <a:t>© 2022 </a:t>
-            </a:r>
-            <a:endParaRPr lang="en-US" dirty="0"/>
-          </a:p>
-        </p:txBody>
-      </p:sp>
-      <p:pic>
-        <p:nvPicPr>
-          <p:cNvPr id="6" name="內容版面配置區 5">
-            <a:extLst>
-              <a:ext uri="{FF2B5EF4-FFF2-40B4-BE49-F238E27FC236}">
-                <a16:creationId xmlns:a16="http://schemas.microsoft.com/office/drawing/2014/main" id="{3BEAD47B-B641-4149-A422-AB83840CD114}"/>
+                <a16:creationId xmlns:a16="http://schemas.microsoft.com/office/drawing/2014/main" id="{6F342C31-1FFF-46AD-9DED-43562D2E1DB2}"/>
               </a:ext>
             </a:extLst>
           </p:cNvPr>
@@ -13357,8 +13650,8 @@
         </p:blipFill>
         <p:spPr>
           <a:xfrm>
-            <a:off x="1220251" y="2249488"/>
-            <a:ext cx="4720710" cy="3541712"/>
+            <a:off x="1141413" y="1363444"/>
+            <a:ext cx="3262312" cy="3673911"/>
           </a:xfrm>
           <a:prstGeom prst="rect">
             <a:avLst/>
@@ -13368,7 +13661,7 @@
     </p:spTree>
     <p:extLst>
       <p:ext uri="{BB962C8B-B14F-4D97-AF65-F5344CB8AC3E}">
-        <p14:creationId xmlns:p14="http://schemas.microsoft.com/office/powerpoint/2010/main" val="366058652"/>
+        <p14:creationId xmlns:p14="http://schemas.microsoft.com/office/powerpoint/2010/main" val="322351787"/>
       </p:ext>
     </p:extLst>
   </p:cSld>
@@ -13397,10 +13690,10 @@
       </p:grpSpPr>
       <p:sp>
         <p:nvSpPr>
-          <p:cNvPr id="6" name="標題 5">
+          <p:cNvPr id="2" name="直排標題 1">
             <a:extLst>
               <a:ext uri="{FF2B5EF4-FFF2-40B4-BE49-F238E27FC236}">
-                <a16:creationId xmlns:a16="http://schemas.microsoft.com/office/drawing/2014/main" id="{CEFB1CD5-529D-4554-A17B-56C74881AE9C}"/>
+                <a16:creationId xmlns:a16="http://schemas.microsoft.com/office/drawing/2014/main" id="{1CA659AF-ADFA-4A03-98C7-427C4711A55C}"/>
               </a:ext>
             </a:extLst>
           </p:cNvPr>
@@ -13408,33 +13701,31 @@
             <a:spLocks noGrp="1"/>
           </p:cNvSpPr>
           <p:nvPr>
-            <p:ph type="title"/>
+            <p:ph type="title" orient="vert"/>
           </p:nvPr>
         </p:nvSpPr>
         <p:spPr/>
         <p:txBody>
-          <a:bodyPr>
-            <a:normAutofit/>
-          </a:bodyPr>
+          <a:bodyPr/>
           <a:lstStyle/>
           <a:p>
-            <a:pPr algn="ctr"/>
-            <a:r>
-              <a:rPr lang="zh-TW" altLang="en-US" sz="6600" dirty="0">
-                <a:hlinkClick r:id="rId2"/>
-              </a:rPr>
-              <a:t>影片</a:t>
-            </a:r>
-            <a:endParaRPr lang="zh-TW" altLang="en-US" sz="6600" dirty="0"/>
-          </a:p>
-        </p:txBody>
-      </p:sp>
-      <p:sp>
-        <p:nvSpPr>
-          <p:cNvPr id="5" name="頁尾版面配置區 4">
+            <a:r>
+              <a:rPr lang="en-US" altLang="zh-TW" dirty="0"/>
+              <a:t>Model – </a:t>
+            </a:r>
+            <a:r>
+              <a:rPr lang="zh-TW" altLang="en-US" dirty="0"/>
+              <a:t>遊戲結束</a:t>
+            </a:r>
+          </a:p>
+        </p:txBody>
+      </p:sp>
+      <p:sp>
+        <p:nvSpPr>
+          <p:cNvPr id="3" name="頁尾版面配置區 2">
             <a:extLst>
               <a:ext uri="{FF2B5EF4-FFF2-40B4-BE49-F238E27FC236}">
-                <a16:creationId xmlns:a16="http://schemas.microsoft.com/office/drawing/2014/main" id="{5FBC6AA1-9B34-4AD7-A5FD-F5B288317574}"/>
+                <a16:creationId xmlns:a16="http://schemas.microsoft.com/office/drawing/2014/main" id="{9CC5DA43-6CA6-40FC-8C18-46751954E326}"/>
               </a:ext>
             </a:extLst>
           </p:cNvPr>
@@ -13462,12 +13753,40 @@
           </a:p>
         </p:txBody>
       </p:sp>
+      <p:sp>
+        <p:nvSpPr>
+          <p:cNvPr id="5" name="內容版面配置區 4">
+            <a:extLst>
+              <a:ext uri="{FF2B5EF4-FFF2-40B4-BE49-F238E27FC236}">
+                <a16:creationId xmlns:a16="http://schemas.microsoft.com/office/drawing/2014/main" id="{E63E16D1-D680-4A01-9520-6C7D7C0A3592}"/>
+              </a:ext>
+            </a:extLst>
+          </p:cNvPr>
+          <p:cNvSpPr>
+            <a:spLocks noGrp="1"/>
+          </p:cNvSpPr>
+          <p:nvPr>
+            <p:ph sz="half" idx="13"/>
+          </p:nvPr>
+        </p:nvSpPr>
+        <p:spPr/>
+        <p:txBody>
+          <a:bodyPr/>
+          <a:lstStyle/>
+          <a:p>
+            <a:r>
+              <a:rPr lang="zh-TW" altLang="en-US" dirty="0"/>
+              <a:t>顯示遊戲結束時的畫面</a:t>
+            </a:r>
+          </a:p>
+        </p:txBody>
+      </p:sp>
       <p:pic>
         <p:nvPicPr>
-          <p:cNvPr id="11" name="內容版面配置區 10">
+          <p:cNvPr id="7" name="內容版面配置區 6">
             <a:extLst>
               <a:ext uri="{FF2B5EF4-FFF2-40B4-BE49-F238E27FC236}">
-                <a16:creationId xmlns:a16="http://schemas.microsoft.com/office/drawing/2014/main" id="{FE6740D8-8122-43C0-A129-6947EEBE4ABA}"/>
+                <a16:creationId xmlns:a16="http://schemas.microsoft.com/office/drawing/2014/main" id="{6687AEF9-3EF8-4EFF-B5C9-1EAAA2A6B4F8}"/>
               </a:ext>
             </a:extLst>
           </p:cNvPr>
@@ -13475,19 +13794,19 @@
             <a:picLocks noGrp="1" noChangeAspect="1"/>
           </p:cNvPicPr>
           <p:nvPr>
-            <p:ph idx="1"/>
+            <p:ph sz="half" idx="1"/>
           </p:nvPr>
         </p:nvPicPr>
         <p:blipFill>
-          <a:blip r:embed="rId3"/>
+          <a:blip r:embed="rId2"/>
           <a:stretch>
             <a:fillRect/>
           </a:stretch>
         </p:blipFill>
         <p:spPr>
           <a:xfrm>
-            <a:off x="3830522" y="2249488"/>
-            <a:ext cx="4527782" cy="3541712"/>
+            <a:off x="1159051" y="609600"/>
+            <a:ext cx="3227036" cy="5181600"/>
           </a:xfrm>
           <a:prstGeom prst="rect">
             <a:avLst/>
@@ -13497,7 +13816,7 @@
     </p:spTree>
     <p:extLst>
       <p:ext uri="{BB962C8B-B14F-4D97-AF65-F5344CB8AC3E}">
-        <p14:creationId xmlns:p14="http://schemas.microsoft.com/office/powerpoint/2010/main" val="508469541"/>
+        <p14:creationId xmlns:p14="http://schemas.microsoft.com/office/powerpoint/2010/main" val="3753154271"/>
       </p:ext>
     </p:extLst>
   </p:cSld>
@@ -13526,10 +13845,10 @@
       </p:grpSpPr>
       <p:sp>
         <p:nvSpPr>
-          <p:cNvPr id="6" name="標題 5">
+          <p:cNvPr id="2" name="直排標題 1">
             <a:extLst>
               <a:ext uri="{FF2B5EF4-FFF2-40B4-BE49-F238E27FC236}">
-                <a16:creationId xmlns:a16="http://schemas.microsoft.com/office/drawing/2014/main" id="{CEFB1CD5-529D-4554-A17B-56C74881AE9C}"/>
+                <a16:creationId xmlns:a16="http://schemas.microsoft.com/office/drawing/2014/main" id="{1CA659AF-ADFA-4A03-98C7-427C4711A55C}"/>
               </a:ext>
             </a:extLst>
           </p:cNvPr>
@@ -13537,33 +13856,31 @@
             <a:spLocks noGrp="1"/>
           </p:cNvSpPr>
           <p:nvPr>
-            <p:ph type="title"/>
+            <p:ph type="title" orient="vert"/>
           </p:nvPr>
         </p:nvSpPr>
         <p:spPr/>
         <p:txBody>
-          <a:bodyPr>
-            <a:normAutofit/>
-          </a:bodyPr>
+          <a:bodyPr/>
           <a:lstStyle/>
           <a:p>
-            <a:pPr algn="ctr"/>
-            <a:r>
-              <a:rPr lang="zh-TW" altLang="en-US" sz="6600" dirty="0">
-                <a:hlinkClick r:id="rId2"/>
-              </a:rPr>
-              <a:t>檔案安裝</a:t>
-            </a:r>
-            <a:endParaRPr lang="zh-TW" altLang="en-US" sz="6600" dirty="0"/>
-          </a:p>
-        </p:txBody>
-      </p:sp>
-      <p:sp>
-        <p:nvSpPr>
-          <p:cNvPr id="5" name="頁尾版面配置區 4">
+            <a:r>
+              <a:rPr lang="en-US" altLang="zh-TW" dirty="0"/>
+              <a:t>Model – </a:t>
+            </a:r>
+            <a:r>
+              <a:rPr lang="zh-TW" altLang="en-US" dirty="0"/>
+              <a:t>文字</a:t>
+            </a:r>
+          </a:p>
+        </p:txBody>
+      </p:sp>
+      <p:sp>
+        <p:nvSpPr>
+          <p:cNvPr id="3" name="頁尾版面配置區 2">
             <a:extLst>
               <a:ext uri="{FF2B5EF4-FFF2-40B4-BE49-F238E27FC236}">
-                <a16:creationId xmlns:a16="http://schemas.microsoft.com/office/drawing/2014/main" id="{5FBC6AA1-9B34-4AD7-A5FD-F5B288317574}"/>
+                <a16:creationId xmlns:a16="http://schemas.microsoft.com/office/drawing/2014/main" id="{9CC5DA43-6CA6-40FC-8C18-46751954E326}"/>
               </a:ext>
             </a:extLst>
           </p:cNvPr>
@@ -13591,12 +13908,40 @@
           </a:p>
         </p:txBody>
       </p:sp>
+      <p:sp>
+        <p:nvSpPr>
+          <p:cNvPr id="5" name="內容版面配置區 4">
+            <a:extLst>
+              <a:ext uri="{FF2B5EF4-FFF2-40B4-BE49-F238E27FC236}">
+                <a16:creationId xmlns:a16="http://schemas.microsoft.com/office/drawing/2014/main" id="{E63E16D1-D680-4A01-9520-6C7D7C0A3592}"/>
+              </a:ext>
+            </a:extLst>
+          </p:cNvPr>
+          <p:cNvSpPr>
+            <a:spLocks noGrp="1"/>
+          </p:cNvSpPr>
+          <p:nvPr>
+            <p:ph sz="half" idx="13"/>
+          </p:nvPr>
+        </p:nvSpPr>
+        <p:spPr/>
+        <p:txBody>
+          <a:bodyPr/>
+          <a:lstStyle/>
+          <a:p>
+            <a:r>
+              <a:rPr lang="zh-TW" altLang="en-US" dirty="0"/>
+              <a:t>自製文字模型，方便快速呼叫與使用。</a:t>
+            </a:r>
+          </a:p>
+        </p:txBody>
+      </p:sp>
       <p:pic>
         <p:nvPicPr>
-          <p:cNvPr id="4" name="內容版面配置區 3">
+          <p:cNvPr id="8" name="內容版面配置區 7">
             <a:extLst>
               <a:ext uri="{FF2B5EF4-FFF2-40B4-BE49-F238E27FC236}">
-                <a16:creationId xmlns:a16="http://schemas.microsoft.com/office/drawing/2014/main" id="{5986C76E-D1C8-48B3-8335-114CBB3F9059}"/>
+                <a16:creationId xmlns:a16="http://schemas.microsoft.com/office/drawing/2014/main" id="{8F4CB582-2465-4EC4-BF26-4DF4FF0D90B2}"/>
               </a:ext>
             </a:extLst>
           </p:cNvPr>
@@ -13604,49 +13949,19 @@
             <a:picLocks noGrp="1" noChangeAspect="1"/>
           </p:cNvPicPr>
           <p:nvPr>
-            <p:ph idx="1"/>
+            <p:ph sz="half" idx="1"/>
           </p:nvPr>
         </p:nvPicPr>
         <p:blipFill>
-          <a:blip r:embed="rId3"/>
+          <a:blip r:embed="rId2"/>
           <a:stretch>
             <a:fillRect/>
           </a:stretch>
         </p:blipFill>
         <p:spPr>
           <a:xfrm>
-            <a:off x="3837528" y="2249488"/>
-            <a:ext cx="4513769" cy="3541712"/>
-          </a:xfrm>
-          <a:prstGeom prst="rect">
-            <a:avLst/>
-          </a:prstGeom>
-        </p:spPr>
-      </p:pic>
-      <p:pic>
-        <p:nvPicPr>
-          <p:cNvPr id="7" name="圖片 6">
-            <a:extLst>
-              <a:ext uri="{FF2B5EF4-FFF2-40B4-BE49-F238E27FC236}">
-                <a16:creationId xmlns:a16="http://schemas.microsoft.com/office/drawing/2014/main" id="{B7244E46-2574-4F0C-BCF0-0D5C5000B38F}"/>
-              </a:ext>
-            </a:extLst>
-          </p:cNvPr>
-          <p:cNvPicPr>
-            <a:picLocks noChangeAspect="1"/>
-          </p:cNvPicPr>
-          <p:nvPr/>
-        </p:nvPicPr>
-        <p:blipFill>
-          <a:blip r:embed="rId4"/>
-          <a:stretch>
-            <a:fillRect/>
-          </a:stretch>
-        </p:blipFill>
-        <p:spPr>
-          <a:xfrm>
-            <a:off x="166673" y="2249488"/>
-            <a:ext cx="3635055" cy="1425063"/>
+            <a:off x="1141413" y="1619530"/>
+            <a:ext cx="3262312" cy="3161739"/>
           </a:xfrm>
           <a:prstGeom prst="rect">
             <a:avLst/>
@@ -13656,7 +13971,7 @@
     </p:spTree>
     <p:extLst>
       <p:ext uri="{BB962C8B-B14F-4D97-AF65-F5344CB8AC3E}">
-        <p14:creationId xmlns:p14="http://schemas.microsoft.com/office/powerpoint/2010/main" val="1952056190"/>
+        <p14:creationId xmlns:p14="http://schemas.microsoft.com/office/powerpoint/2010/main" val="2175266046"/>
       </p:ext>
     </p:extLst>
   </p:cSld>
@@ -13708,231 +14023,19 @@
           <a:p>
             <a:pPr algn="ctr"/>
             <a:r>
-              <a:rPr lang="zh-TW" altLang="en-US" sz="6600" dirty="0"/>
-              <a:t>感想 </a:t>
-            </a:r>
-            <a:r>
-              <a:rPr lang="en-US" altLang="zh-TW" sz="6600" dirty="0"/>
-              <a:t>– </a:t>
-            </a:r>
-            <a:r>
-              <a:rPr lang="zh-TW" altLang="en-US" sz="6600" dirty="0"/>
-              <a:t>學習到的事</a:t>
-            </a:r>
-          </a:p>
-        </p:txBody>
-      </p:sp>
-      <p:sp>
-        <p:nvSpPr>
-          <p:cNvPr id="3" name="內容版面配置區 2">
-            <a:extLst>
-              <a:ext uri="{FF2B5EF4-FFF2-40B4-BE49-F238E27FC236}">
-                <a16:creationId xmlns:a16="http://schemas.microsoft.com/office/drawing/2014/main" id="{4743127E-EF38-4E67-B114-90664869F23D}"/>
-              </a:ext>
-            </a:extLst>
-          </p:cNvPr>
-          <p:cNvSpPr>
-            <a:spLocks noGrp="1"/>
-          </p:cNvSpPr>
-          <p:nvPr>
-            <p:ph idx="1"/>
-          </p:nvPr>
-        </p:nvSpPr>
-        <p:spPr/>
-        <p:txBody>
-          <a:bodyPr>
-            <a:normAutofit fontScale="92500" lnSpcReduction="10000"/>
-          </a:bodyPr>
-          <a:lstStyle/>
-          <a:p>
-            <a:pPr marL="0" indent="0" algn="just">
-              <a:buNone/>
-            </a:pPr>
-            <a:r>
-              <a:rPr lang="zh-TW" altLang="en-US" sz="2800" dirty="0"/>
-              <a:t>拍手偵測到的頻率約在</a:t>
-            </a:r>
-            <a:r>
-              <a:rPr lang="en-US" altLang="zh-TW" sz="2800" dirty="0">
-                <a:latin typeface="+mj-ea"/>
-                <a:ea typeface="+mj-ea"/>
+              <a:rPr lang="zh-TW" altLang="en-US" sz="6600" dirty="0">
+                <a:latin typeface="Arial" panose="020B0604020202020204" pitchFamily="34" charset="0"/>
               </a:rPr>
-              <a:t>7,000hz~9,000hz(</a:t>
-            </a:r>
-            <a:r>
-              <a:rPr lang="zh-TW" altLang="en-US" sz="2800" dirty="0">
-                <a:latin typeface="+mj-ea"/>
-                <a:ea typeface="+mj-ea"/>
+              <a:t>程式碼 </a:t>
+            </a:r>
+            <a:r>
+              <a:rPr lang="en-US" altLang="zh-TW" sz="6600" dirty="0">
+                <a:latin typeface="Arial" panose="020B0604020202020204" pitchFamily="34" charset="0"/>
               </a:rPr>
-              <a:t>可高達</a:t>
-            </a:r>
-            <a:r>
-              <a:rPr lang="en-US" altLang="zh-TW" sz="2800" dirty="0">
-                <a:latin typeface="+mj-ea"/>
-                <a:ea typeface="+mj-ea"/>
-              </a:rPr>
-              <a:t>10,000</a:t>
-            </a:r>
-            <a:r>
-              <a:rPr lang="zh-TW" altLang="en-US" sz="2800" dirty="0">
-                <a:latin typeface="+mj-ea"/>
-                <a:ea typeface="+mj-ea"/>
-              </a:rPr>
-              <a:t>↑</a:t>
-            </a:r>
-            <a:r>
-              <a:rPr lang="en-US" altLang="zh-TW" sz="2800" dirty="0" err="1">
-                <a:latin typeface="+mj-ea"/>
-                <a:ea typeface="+mj-ea"/>
-              </a:rPr>
-              <a:t>hz</a:t>
-            </a:r>
-            <a:r>
-              <a:rPr lang="en-US" altLang="zh-TW" sz="2800" dirty="0">
-                <a:latin typeface="+mj-ea"/>
-                <a:ea typeface="+mj-ea"/>
-              </a:rPr>
-              <a:t>)</a:t>
-            </a:r>
-            <a:r>
-              <a:rPr lang="zh-TW" altLang="en-US" sz="2800" dirty="0">
-                <a:latin typeface="+mj-ea"/>
-                <a:ea typeface="+mj-ea"/>
-              </a:rPr>
-              <a:t>。</a:t>
-            </a:r>
-            <a:endParaRPr lang="en-US" altLang="zh-TW" sz="2800" dirty="0">
-              <a:latin typeface="+mj-ea"/>
-              <a:ea typeface="+mj-ea"/>
-            </a:endParaRPr>
-          </a:p>
-          <a:p>
-            <a:pPr marL="0" indent="0" algn="just">
-              <a:buNone/>
-            </a:pPr>
-            <a:r>
-              <a:rPr lang="zh-TW" altLang="en-US" sz="2800" dirty="0"/>
-              <a:t>雲科宿舍電風扇大約落在</a:t>
-            </a:r>
-            <a:r>
-              <a:rPr lang="en-US" altLang="zh-TW" sz="2800" dirty="0">
-                <a:latin typeface="+mj-ea"/>
-                <a:ea typeface="+mj-ea"/>
-              </a:rPr>
-              <a:t>7000hz</a:t>
-            </a:r>
-            <a:r>
-              <a:rPr lang="zh-TW" altLang="en-US" sz="2800" dirty="0"/>
-              <a:t>左右。</a:t>
-            </a:r>
-            <a:endParaRPr lang="en-US" altLang="zh-TW" sz="2800" dirty="0"/>
-          </a:p>
-          <a:p>
-            <a:pPr marL="0" indent="0" algn="just">
-              <a:buNone/>
-            </a:pPr>
-            <a:r>
-              <a:rPr lang="zh-TW" altLang="en-US" sz="2800" dirty="0"/>
-              <a:t>當初在改用 </a:t>
-            </a:r>
-            <a:r>
-              <a:rPr lang="en-US" altLang="zh-TW" sz="2800" dirty="0">
-                <a:latin typeface="+mj-ea"/>
-                <a:ea typeface="+mj-ea"/>
-              </a:rPr>
-              <a:t>Module </a:t>
-            </a:r>
-            <a:r>
-              <a:rPr lang="zh-TW" altLang="en-US" sz="2800" dirty="0">
-                <a:latin typeface="+mj-ea"/>
-                <a:ea typeface="+mj-ea"/>
-              </a:rPr>
-              <a:t>時，變數的 </a:t>
-            </a:r>
-            <a:r>
-              <a:rPr lang="en-US" altLang="zh-TW" sz="2800" dirty="0">
-                <a:latin typeface="+mj-ea"/>
-                <a:ea typeface="+mj-ea"/>
-              </a:rPr>
-              <a:t>Scope </a:t>
-            </a:r>
-            <a:r>
-              <a:rPr lang="zh-TW" altLang="en-US" sz="2800" dirty="0">
-                <a:latin typeface="+mj-ea"/>
-                <a:ea typeface="+mj-ea"/>
-              </a:rPr>
-              <a:t>會比原有的區域和全域變數來的更加複雜，直接影響到架構跟寫法，在寫</a:t>
-            </a:r>
-            <a:r>
-              <a:rPr lang="en-US" altLang="zh-TW" sz="2800" dirty="0">
-                <a:latin typeface="+mj-ea"/>
-                <a:ea typeface="+mj-ea"/>
-              </a:rPr>
-              <a:t>Module</a:t>
-            </a:r>
-            <a:r>
-              <a:rPr lang="zh-TW" altLang="en-US" sz="2800" dirty="0">
-                <a:latin typeface="+mj-ea"/>
-                <a:ea typeface="+mj-ea"/>
-              </a:rPr>
-              <a:t>是遇到最多問題的。</a:t>
-            </a:r>
-            <a:endParaRPr lang="en-US" altLang="zh-TW" sz="2800" dirty="0">
-              <a:latin typeface="+mj-ea"/>
-              <a:ea typeface="+mj-ea"/>
-            </a:endParaRPr>
-          </a:p>
-          <a:p>
-            <a:pPr marL="0" indent="0" algn="just">
-              <a:buNone/>
-            </a:pPr>
-            <a:r>
-              <a:rPr lang="zh-TW" altLang="en-US" sz="2800" dirty="0">
-                <a:latin typeface="+mj-ea"/>
-                <a:ea typeface="+mj-ea"/>
-              </a:rPr>
-              <a:t>第二複雜的就是</a:t>
-            </a:r>
-            <a:r>
-              <a:rPr lang="en-US" altLang="zh-TW" sz="2800" dirty="0">
-                <a:latin typeface="+mj-ea"/>
-                <a:ea typeface="+mj-ea"/>
-              </a:rPr>
-              <a:t>GUI</a:t>
-            </a:r>
-            <a:r>
-              <a:rPr lang="zh-TW" altLang="en-US" sz="2800" dirty="0">
-                <a:latin typeface="+mj-ea"/>
-                <a:ea typeface="+mj-ea"/>
-              </a:rPr>
-              <a:t>切換每個</a:t>
-            </a:r>
-            <a:r>
-              <a:rPr lang="en-US" altLang="zh-TW" sz="2800" dirty="0">
-                <a:latin typeface="+mj-ea"/>
-                <a:ea typeface="+mj-ea"/>
-              </a:rPr>
-              <a:t>GUI</a:t>
-            </a:r>
-            <a:r>
-              <a:rPr lang="zh-TW" altLang="en-US" sz="2800" dirty="0">
-                <a:latin typeface="+mj-ea"/>
-                <a:ea typeface="+mj-ea"/>
-              </a:rPr>
-              <a:t>在切換時哪些資源要釋放，哪些資源要保留，需要定義清楚。</a:t>
-            </a:r>
-            <a:endParaRPr lang="en-US" altLang="zh-TW" sz="2800" dirty="0">
-              <a:latin typeface="+mj-ea"/>
-              <a:ea typeface="+mj-ea"/>
-            </a:endParaRPr>
-          </a:p>
-          <a:p>
-            <a:pPr marL="0" indent="0" algn="just">
-              <a:buNone/>
-            </a:pPr>
-            <a:endParaRPr lang="en-US" altLang="zh-TW" sz="2800" dirty="0">
-              <a:latin typeface="+mj-ea"/>
-              <a:ea typeface="+mj-ea"/>
+              <a:t>- GUI</a:t>
+            </a:r>
+            <a:endParaRPr lang="zh-TW" altLang="en-US" sz="6600" dirty="0">
+              <a:latin typeface="Arial" panose="020B0604020202020204" pitchFamily="34" charset="0"/>
             </a:endParaRPr>
           </a:p>
         </p:txBody>
@@ -13970,10 +14073,35 @@
           </a:p>
         </p:txBody>
       </p:sp>
+      <p:sp>
+        <p:nvSpPr>
+          <p:cNvPr id="5" name="內容版面配置區 4">
+            <a:extLst>
+              <a:ext uri="{FF2B5EF4-FFF2-40B4-BE49-F238E27FC236}">
+                <a16:creationId xmlns:a16="http://schemas.microsoft.com/office/drawing/2014/main" id="{9229A9CB-B1A8-4016-A40C-AF8CBB53FE6E}"/>
+              </a:ext>
+            </a:extLst>
+          </p:cNvPr>
+          <p:cNvSpPr>
+            <a:spLocks noGrp="1"/>
+          </p:cNvSpPr>
+          <p:nvPr>
+            <p:ph idx="1"/>
+          </p:nvPr>
+        </p:nvSpPr>
+        <p:spPr/>
+        <p:txBody>
+          <a:bodyPr/>
+          <a:lstStyle/>
+          <a:p>
+            <a:endParaRPr lang="zh-TW" altLang="en-US" dirty="0"/>
+          </a:p>
+        </p:txBody>
+      </p:sp>
     </p:spTree>
     <p:extLst>
       <p:ext uri="{BB962C8B-B14F-4D97-AF65-F5344CB8AC3E}">
-        <p14:creationId xmlns:p14="http://schemas.microsoft.com/office/powerpoint/2010/main" val="3683366810"/>
+        <p14:creationId xmlns:p14="http://schemas.microsoft.com/office/powerpoint/2010/main" val="2288433175"/>
       </p:ext>
     </p:extLst>
   </p:cSld>
@@ -14002,10 +14130,10 @@
       </p:grpSpPr>
       <p:sp>
         <p:nvSpPr>
-          <p:cNvPr id="6" name="標題 5">
+          <p:cNvPr id="2" name="直排標題 1">
             <a:extLst>
               <a:ext uri="{FF2B5EF4-FFF2-40B4-BE49-F238E27FC236}">
-                <a16:creationId xmlns:a16="http://schemas.microsoft.com/office/drawing/2014/main" id="{CEFB1CD5-529D-4554-A17B-56C74881AE9C}"/>
+                <a16:creationId xmlns:a16="http://schemas.microsoft.com/office/drawing/2014/main" id="{1CA659AF-ADFA-4A03-98C7-427C4711A55C}"/>
               </a:ext>
             </a:extLst>
           </p:cNvPr>
@@ -14013,51 +14141,31 @@
             <a:spLocks noGrp="1"/>
           </p:cNvSpPr>
           <p:nvPr>
-            <p:ph type="title"/>
+            <p:ph type="title" orient="vert"/>
           </p:nvPr>
         </p:nvSpPr>
         <p:spPr/>
         <p:txBody>
-          <a:bodyPr>
-            <a:normAutofit/>
-          </a:bodyPr>
+          <a:bodyPr/>
           <a:lstStyle/>
           <a:p>
-            <a:pPr algn="ctr"/>
-            <a:r>
-              <a:rPr lang="en-US" altLang="zh-TW" sz="6600" dirty="0">
-                <a:hlinkClick r:id="rId2"/>
-              </a:rPr>
-              <a:t>3D </a:t>
-            </a:r>
-            <a:r>
-              <a:rPr lang="zh-TW" altLang="en-US" sz="6600" dirty="0">
-                <a:hlinkClick r:id="rId2"/>
-              </a:rPr>
-              <a:t>簡協震動 </a:t>
-            </a:r>
-            <a:r>
-              <a:rPr lang="en-US" altLang="zh-TW" sz="6600" dirty="0">
-                <a:hlinkClick r:id="rId2"/>
-              </a:rPr>
-              <a:t>- </a:t>
-            </a:r>
-            <a:r>
-              <a:rPr lang="zh-TW" altLang="en-US" sz="6600" dirty="0">
-                <a:hlinkClick r:id="rId2"/>
-              </a:rPr>
-              <a:t>影片</a:t>
-            </a:r>
-            <a:endParaRPr lang="zh-TW" altLang="en-US" sz="6600" dirty="0"/>
-          </a:p>
-        </p:txBody>
-      </p:sp>
-      <p:sp>
-        <p:nvSpPr>
-          <p:cNvPr id="5" name="頁尾版面配置區 4">
+            <a:r>
+              <a:rPr lang="en-US" altLang="zh-TW" dirty="0"/>
+              <a:t>GUI – </a:t>
+            </a:r>
+            <a:r>
+              <a:rPr lang="zh-TW" altLang="en-US" dirty="0"/>
+              <a:t>中控室</a:t>
+            </a:r>
+          </a:p>
+        </p:txBody>
+      </p:sp>
+      <p:sp>
+        <p:nvSpPr>
+          <p:cNvPr id="3" name="頁尾版面配置區 2">
             <a:extLst>
               <a:ext uri="{FF2B5EF4-FFF2-40B4-BE49-F238E27FC236}">
-                <a16:creationId xmlns:a16="http://schemas.microsoft.com/office/drawing/2014/main" id="{5FBC6AA1-9B34-4AD7-A5FD-F5B288317574}"/>
+                <a16:creationId xmlns:a16="http://schemas.microsoft.com/office/drawing/2014/main" id="{9CC5DA43-6CA6-40FC-8C18-46751954E326}"/>
               </a:ext>
             </a:extLst>
           </p:cNvPr>
@@ -14085,12 +14193,48 @@
           </a:p>
         </p:txBody>
       </p:sp>
+      <p:sp>
+        <p:nvSpPr>
+          <p:cNvPr id="5" name="內容版面配置區 4">
+            <a:extLst>
+              <a:ext uri="{FF2B5EF4-FFF2-40B4-BE49-F238E27FC236}">
+                <a16:creationId xmlns:a16="http://schemas.microsoft.com/office/drawing/2014/main" id="{E63E16D1-D680-4A01-9520-6C7D7C0A3592}"/>
+              </a:ext>
+            </a:extLst>
+          </p:cNvPr>
+          <p:cNvSpPr>
+            <a:spLocks noGrp="1"/>
+          </p:cNvSpPr>
+          <p:nvPr>
+            <p:ph sz="half" idx="13"/>
+          </p:nvPr>
+        </p:nvSpPr>
+        <p:spPr/>
+        <p:txBody>
+          <a:bodyPr/>
+          <a:lstStyle/>
+          <a:p>
+            <a:r>
+              <a:rPr lang="zh-TW" altLang="en-US" dirty="0"/>
+              <a:t>控制所有</a:t>
+            </a:r>
+            <a:r>
+              <a:rPr lang="en-US" altLang="zh-TW" dirty="0"/>
+              <a:t>GUI</a:t>
+            </a:r>
+            <a:r>
+              <a:rPr lang="zh-TW" altLang="en-US" dirty="0"/>
+              <a:t>的載入、繪製、垃圾清理。</a:t>
+            </a:r>
+          </a:p>
+        </p:txBody>
+      </p:sp>
       <p:pic>
         <p:nvPicPr>
-          <p:cNvPr id="15" name="內容版面配置區 14">
+          <p:cNvPr id="7" name="內容版面配置區 6">
             <a:extLst>
               <a:ext uri="{FF2B5EF4-FFF2-40B4-BE49-F238E27FC236}">
-                <a16:creationId xmlns:a16="http://schemas.microsoft.com/office/drawing/2014/main" id="{8C316C61-EC32-41B7-8B2D-86273A46E6D3}"/>
+                <a16:creationId xmlns:a16="http://schemas.microsoft.com/office/drawing/2014/main" id="{5599807E-5911-424B-8F6E-8128CF0C30E8}"/>
               </a:ext>
             </a:extLst>
           </p:cNvPr>
@@ -14098,19 +14242,19 @@
             <a:picLocks noGrp="1" noChangeAspect="1"/>
           </p:cNvPicPr>
           <p:nvPr>
-            <p:ph idx="1"/>
+            <p:ph sz="half" idx="1"/>
           </p:nvPr>
         </p:nvPicPr>
         <p:blipFill>
-          <a:blip r:embed="rId3"/>
+          <a:blip r:embed="rId2"/>
           <a:stretch>
             <a:fillRect/>
           </a:stretch>
         </p:blipFill>
         <p:spPr>
           <a:xfrm>
-            <a:off x="3709400" y="2249488"/>
-            <a:ext cx="4770026" cy="3541712"/>
+            <a:off x="1263678" y="662720"/>
+            <a:ext cx="3017782" cy="5075360"/>
           </a:xfrm>
           <a:prstGeom prst="rect">
             <a:avLst/>
@@ -14120,7 +14264,7 @@
     </p:spTree>
     <p:extLst>
       <p:ext uri="{BB962C8B-B14F-4D97-AF65-F5344CB8AC3E}">
-        <p14:creationId xmlns:p14="http://schemas.microsoft.com/office/powerpoint/2010/main" val="1058363310"/>
+        <p14:creationId xmlns:p14="http://schemas.microsoft.com/office/powerpoint/2010/main" val="294624484"/>
       </p:ext>
     </p:extLst>
   </p:cSld>
@@ -14130,7 +14274,7 @@
 </p:sld>
 </file>
 
-<file path=ppt/slides/slide2.xml><?xml version="1.0" encoding="utf-8"?>
+<file path=ppt/slides/slide15.xml><?xml version="1.0" encoding="utf-8"?>
 <p:sld xmlns:a="http://schemas.openxmlformats.org/drawingml/2006/main" xmlns:r="http://schemas.openxmlformats.org/officeDocument/2006/relationships" xmlns:p="http://schemas.openxmlformats.org/presentationml/2006/main">
   <p:cSld>
     <p:spTree>
@@ -14149,10 +14293,10 @@
       </p:grpSpPr>
       <p:sp>
         <p:nvSpPr>
-          <p:cNvPr id="2" name="標題 1">
+          <p:cNvPr id="2" name="直排標題 1">
             <a:extLst>
               <a:ext uri="{FF2B5EF4-FFF2-40B4-BE49-F238E27FC236}">
-                <a16:creationId xmlns:a16="http://schemas.microsoft.com/office/drawing/2014/main" id="{09D7B6D9-2F4A-487C-885B-835FADF2B091}"/>
+                <a16:creationId xmlns:a16="http://schemas.microsoft.com/office/drawing/2014/main" id="{1CA659AF-ADFA-4A03-98C7-427C4711A55C}"/>
               </a:ext>
             </a:extLst>
           </p:cNvPr>
@@ -14160,30 +14304,44 @@
             <a:spLocks noGrp="1"/>
           </p:cNvSpPr>
           <p:nvPr>
-            <p:ph type="title"/>
+            <p:ph type="title" orient="vert"/>
           </p:nvPr>
         </p:nvSpPr>
         <p:spPr/>
         <p:txBody>
-          <a:bodyPr vert="horz" lIns="91440" tIns="45720" rIns="91440" bIns="45720" rtlCol="0" anchor="ctr">
-            <a:normAutofit/>
-          </a:bodyPr>
+          <a:bodyPr/>
           <a:lstStyle/>
           <a:p>
-            <a:pPr algn="ctr"/>
-            <a:r>
-              <a:rPr lang="zh-TW" altLang="en-US" sz="6600" dirty="0"/>
-              <a:t>前言</a:t>
-            </a:r>
-          </a:p>
-        </p:txBody>
-      </p:sp>
-      <p:sp>
-        <p:nvSpPr>
-          <p:cNvPr id="3" name="內容版面配置區 2">
+            <a:r>
+              <a:rPr lang="en-US" altLang="zh-TW" dirty="0"/>
+              <a:t>GUI – </a:t>
+            </a:r>
+            <a:r>
+              <a:rPr lang="zh-TW" altLang="en-US" dirty="0"/>
+              <a:t>大廳 </a:t>
+            </a:r>
+            <a:r>
+              <a:rPr lang="en-US" altLang="zh-TW" dirty="0"/>
+              <a:t>(</a:t>
+            </a:r>
+            <a:r>
+              <a:rPr lang="zh-TW" altLang="en-US" dirty="0"/>
+              <a:t>初始畫面</a:t>
+            </a:r>
+            <a:r>
+              <a:rPr lang="en-US" altLang="zh-TW" dirty="0"/>
+              <a:t>)</a:t>
+            </a:r>
+            <a:endParaRPr lang="zh-TW" altLang="en-US" dirty="0"/>
+          </a:p>
+        </p:txBody>
+      </p:sp>
+      <p:sp>
+        <p:nvSpPr>
+          <p:cNvPr id="3" name="頁尾版面配置區 2">
             <a:extLst>
               <a:ext uri="{FF2B5EF4-FFF2-40B4-BE49-F238E27FC236}">
-                <a16:creationId xmlns:a16="http://schemas.microsoft.com/office/drawing/2014/main" id="{4743127E-EF38-4E67-B114-90664869F23D}"/>
+                <a16:creationId xmlns:a16="http://schemas.microsoft.com/office/drawing/2014/main" id="{9CC5DA43-6CA6-40FC-8C18-46751954E326}"/>
               </a:ext>
             </a:extLst>
           </p:cNvPr>
@@ -14191,7 +14349,7 @@
             <a:spLocks noGrp="1"/>
           </p:cNvSpPr>
           <p:nvPr>
-            <p:ph idx="1"/>
+            <p:ph type="ftr" sz="quarter" idx="11"/>
           </p:nvPr>
         </p:nvSpPr>
         <p:spPr/>
@@ -14199,99 +14357,24 @@
           <a:bodyPr/>
           <a:lstStyle/>
           <a:p>
-            <a:pPr marL="0" indent="0" algn="just">
-              <a:buNone/>
-            </a:pPr>
-            <a:r>
-              <a:rPr lang="zh-TW" altLang="en-US" dirty="0"/>
-              <a:t>這個作品是我第一次使用</a:t>
-            </a:r>
-            <a:r>
-              <a:rPr lang="en-US" altLang="zh-TW" dirty="0"/>
-              <a:t>3D</a:t>
-            </a:r>
-            <a:r>
-              <a:rPr lang="zh-TW" altLang="en-US" dirty="0"/>
-              <a:t>來進行製作做，在做的起初沒有想好整體架構，以至於這個專案砍掉重構了</a:t>
-            </a:r>
-            <a:r>
-              <a:rPr lang="en-US" altLang="zh-TW" dirty="0"/>
-              <a:t>2~3</a:t>
-            </a:r>
-            <a:r>
-              <a:rPr lang="zh-TW" altLang="en-US" dirty="0"/>
-              <a:t>次。</a:t>
-            </a:r>
-            <a:endParaRPr lang="en-US" altLang="zh-TW" dirty="0"/>
-          </a:p>
-          <a:p>
-            <a:pPr marL="0" indent="0" algn="just">
-              <a:buNone/>
-            </a:pPr>
-            <a:r>
-              <a:rPr lang="zh-TW" altLang="en-US" dirty="0"/>
-              <a:t>這個專案的難點在於需要擁有</a:t>
-            </a:r>
-            <a:r>
-              <a:rPr lang="en-US" altLang="zh-TW" dirty="0"/>
-              <a:t>3D</a:t>
-            </a:r>
-            <a:r>
-              <a:rPr lang="zh-TW" altLang="en-US" dirty="0"/>
-              <a:t>視角的思維、以及</a:t>
-            </a:r>
-            <a:r>
-              <a:rPr lang="en-US" altLang="zh-TW" dirty="0"/>
-              <a:t>Module</a:t>
-            </a:r>
-            <a:r>
-              <a:rPr lang="zh-TW" altLang="en-US" dirty="0"/>
-              <a:t>的觀念，因為此專案是</a:t>
-            </a:r>
-            <a:r>
-              <a:rPr lang="en-US" altLang="zh-TW" dirty="0"/>
-              <a:t>3D</a:t>
-            </a:r>
-            <a:r>
-              <a:rPr lang="zh-TW" altLang="en-US" dirty="0"/>
-              <a:t>呈現，比較消耗硬體資源，因此在此次專案中關於垃圾清理、記憶體釋放花了一些時間做研究。</a:t>
-            </a:r>
-            <a:endParaRPr lang="en-US" altLang="zh-TW" dirty="0"/>
-          </a:p>
-          <a:p>
-            <a:pPr marL="0" indent="0" algn="just">
-              <a:buNone/>
-            </a:pPr>
-            <a:r>
-              <a:rPr lang="zh-TW" altLang="en-US" dirty="0"/>
-              <a:t>本次分析音頻的演算法為</a:t>
-            </a:r>
-            <a:r>
-              <a:rPr lang="zh-TW" altLang="zh-TW" dirty="0">
-                <a:hlinkClick r:id="rId2"/>
-              </a:rPr>
-              <a:t>快速傅立葉變換</a:t>
-            </a:r>
-            <a:r>
-              <a:rPr lang="en-US" altLang="zh-TW" dirty="0">
-                <a:hlinkClick r:id="rId2"/>
-              </a:rPr>
-              <a:t>(FFT)</a:t>
-            </a:r>
-            <a:r>
-              <a:rPr lang="zh-TW" altLang="en-US" dirty="0"/>
-              <a:t>，雖然準確率會有所降低，但是在分析時會比傳統還要更快。</a:t>
-            </a:r>
-            <a:endParaRPr lang="en-US" altLang="zh-TW" dirty="0"/>
-          </a:p>
-        </p:txBody>
-      </p:sp>
-      <p:sp>
-        <p:nvSpPr>
-          <p:cNvPr id="4" name="頁尾版面配置區 3">
+            <a:r>
+              <a:rPr lang="zh-TW" altLang="en-US"/>
+              <a:t>陳詩恩 </a:t>
+            </a:r>
+            <a:r>
+              <a:rPr lang="en-US" altLang="zh-TW"/>
+              <a:t>© 2022 </a:t>
+            </a:r>
+            <a:endParaRPr lang="en-US" dirty="0"/>
+          </a:p>
+        </p:txBody>
+      </p:sp>
+      <p:sp>
+        <p:nvSpPr>
+          <p:cNvPr id="5" name="內容版面配置區 4">
             <a:extLst>
               <a:ext uri="{FF2B5EF4-FFF2-40B4-BE49-F238E27FC236}">
-                <a16:creationId xmlns:a16="http://schemas.microsoft.com/office/drawing/2014/main" id="{5188988D-9E3B-4F4A-B0C7-88EB272A6D62}"/>
+                <a16:creationId xmlns:a16="http://schemas.microsoft.com/office/drawing/2014/main" id="{E63E16D1-D680-4A01-9520-6C7D7C0A3592}"/>
               </a:ext>
             </a:extLst>
           </p:cNvPr>
@@ -14299,7 +14382,7 @@
             <a:spLocks noGrp="1"/>
           </p:cNvSpPr>
           <p:nvPr>
-            <p:ph type="ftr" sz="quarter" idx="11"/>
+            <p:ph sz="half" idx="13"/>
           </p:nvPr>
         </p:nvSpPr>
         <p:spPr/>
@@ -14307,22 +14390,46 @@
           <a:bodyPr/>
           <a:lstStyle/>
           <a:p>
-            <a:r>
-              <a:rPr lang="zh-TW" altLang="en-US"/>
-              <a:t>陳詩恩 </a:t>
-            </a:r>
-            <a:r>
-              <a:rPr lang="en-US" altLang="zh-TW"/>
-              <a:t>© 2022 </a:t>
-            </a:r>
-            <a:endParaRPr lang="en-US" dirty="0"/>
-          </a:p>
-        </p:txBody>
-      </p:sp>
+            <a:endParaRPr lang="zh-TW" altLang="en-US" dirty="0"/>
+          </a:p>
+        </p:txBody>
+      </p:sp>
+      <p:pic>
+        <p:nvPicPr>
+          <p:cNvPr id="8" name="內容版面配置區 7">
+            <a:extLst>
+              <a:ext uri="{FF2B5EF4-FFF2-40B4-BE49-F238E27FC236}">
+                <a16:creationId xmlns:a16="http://schemas.microsoft.com/office/drawing/2014/main" id="{52829929-CE3D-41D7-8F24-FDD78FF75830}"/>
+              </a:ext>
+            </a:extLst>
+          </p:cNvPr>
+          <p:cNvPicPr>
+            <a:picLocks noGrp="1" noChangeAspect="1"/>
+          </p:cNvPicPr>
+          <p:nvPr>
+            <p:ph sz="half" idx="1"/>
+          </p:nvPr>
+        </p:nvPicPr>
+        <p:blipFill>
+          <a:blip r:embed="rId2"/>
+          <a:stretch>
+            <a:fillRect/>
+          </a:stretch>
+        </p:blipFill>
+        <p:spPr>
+          <a:xfrm>
+            <a:off x="1141413" y="1114091"/>
+            <a:ext cx="3262312" cy="4172617"/>
+          </a:xfrm>
+          <a:prstGeom prst="rect">
+            <a:avLst/>
+          </a:prstGeom>
+        </p:spPr>
+      </p:pic>
     </p:spTree>
     <p:extLst>
       <p:ext uri="{BB962C8B-B14F-4D97-AF65-F5344CB8AC3E}">
-        <p14:creationId xmlns:p14="http://schemas.microsoft.com/office/powerpoint/2010/main" val="4049250008"/>
+        <p14:creationId xmlns:p14="http://schemas.microsoft.com/office/powerpoint/2010/main" val="3374316931"/>
       </p:ext>
     </p:extLst>
   </p:cSld>
@@ -14332,7 +14439,7 @@
 </p:sld>
 </file>
 
-<file path=ppt/slides/slide3.xml><?xml version="1.0" encoding="utf-8"?>
+<file path=ppt/slides/slide16.xml><?xml version="1.0" encoding="utf-8"?>
 <p:sld xmlns:a="http://schemas.openxmlformats.org/drawingml/2006/main" xmlns:r="http://schemas.openxmlformats.org/officeDocument/2006/relationships" xmlns:p="http://schemas.openxmlformats.org/presentationml/2006/main">
   <p:cSld>
     <p:spTree>
@@ -14351,10 +14458,10 @@
       </p:grpSpPr>
       <p:sp>
         <p:nvSpPr>
-          <p:cNvPr id="2" name="標題 1">
+          <p:cNvPr id="2" name="直排標題 1">
             <a:extLst>
               <a:ext uri="{FF2B5EF4-FFF2-40B4-BE49-F238E27FC236}">
-                <a16:creationId xmlns:a16="http://schemas.microsoft.com/office/drawing/2014/main" id="{09D7B6D9-2F4A-487C-885B-835FADF2B091}"/>
+                <a16:creationId xmlns:a16="http://schemas.microsoft.com/office/drawing/2014/main" id="{1CA659AF-ADFA-4A03-98C7-427C4711A55C}"/>
               </a:ext>
             </a:extLst>
           </p:cNvPr>
@@ -14362,161 +14469,64 @@
             <a:spLocks noGrp="1"/>
           </p:cNvSpPr>
           <p:nvPr>
-            <p:ph type="title"/>
+            <p:ph type="title" orient="vert"/>
           </p:nvPr>
         </p:nvSpPr>
         <p:spPr/>
         <p:txBody>
-          <a:bodyPr vert="horz" lIns="91440" tIns="45720" rIns="91440" bIns="45720" rtlCol="0" anchor="ctr">
-            <a:normAutofit/>
-          </a:bodyPr>
+          <a:bodyPr/>
           <a:lstStyle/>
           <a:p>
-            <a:pPr algn="ctr"/>
-            <a:r>
-              <a:rPr lang="zh-TW" altLang="en-US" sz="6600" dirty="0"/>
-              <a:t>使用依賴</a:t>
-            </a:r>
-          </a:p>
-        </p:txBody>
-      </p:sp>
-      <p:graphicFrame>
-        <p:nvGraphicFramePr>
-          <p:cNvPr id="6" name="內容版面配置區 5">
+            <a:r>
+              <a:rPr lang="en-US" altLang="zh-TW" dirty="0"/>
+              <a:t>GUI – </a:t>
+            </a:r>
+            <a:r>
+              <a:rPr lang="zh-TW" altLang="en-US" dirty="0"/>
+              <a:t>模式選擇畫面</a:t>
+            </a:r>
+          </a:p>
+        </p:txBody>
+      </p:sp>
+      <p:sp>
+        <p:nvSpPr>
+          <p:cNvPr id="3" name="頁尾版面配置區 2">
             <a:extLst>
               <a:ext uri="{FF2B5EF4-FFF2-40B4-BE49-F238E27FC236}">
-                <a16:creationId xmlns:a16="http://schemas.microsoft.com/office/drawing/2014/main" id="{64D72AC8-2916-4CEB-8DA5-4351158E3FE6}"/>
+                <a16:creationId xmlns:a16="http://schemas.microsoft.com/office/drawing/2014/main" id="{9CC5DA43-6CA6-40FC-8C18-46751954E326}"/>
               </a:ext>
             </a:extLst>
           </p:cNvPr>
-          <p:cNvGraphicFramePr>
-            <a:graphicFrameLocks noGrp="1"/>
-          </p:cNvGraphicFramePr>
-          <p:nvPr>
-            <p:ph idx="1"/>
-            <p:extLst>
-              <p:ext uri="{D42A27DB-BD31-4B8C-83A1-F6EECF244321}">
-                <p14:modId xmlns:p14="http://schemas.microsoft.com/office/powerpoint/2010/main" val="2329718452"/>
-              </p:ext>
-            </p:extLst>
-          </p:nvPr>
-        </p:nvGraphicFramePr>
-        <p:xfrm>
-          <a:off x="1141410" y="2360426"/>
-          <a:ext cx="9906000" cy="2586038"/>
-        </p:xfrm>
-        <a:graphic>
-          <a:graphicData uri="http://schemas.openxmlformats.org/drawingml/2006/table">
-            <a:tbl>
-              <a:tblPr firstRow="1" bandRow="1">
-                <a:tableStyleId>{5DA37D80-6434-44D0-A028-1B22A696006F}</a:tableStyleId>
-              </a:tblPr>
-              <a:tblGrid>
-                <a:gridCol w="2133632">
-                  <a:extLst>
-                    <a:ext uri="{9D8B030D-6E8A-4147-A177-3AD203B41FA5}">
-                      <a16:colId xmlns:a16="http://schemas.microsoft.com/office/drawing/2014/main" val="2121628466"/>
-                    </a:ext>
-                  </a:extLst>
-                </a:gridCol>
-                <a:gridCol w="7772368">
-                  <a:extLst>
-                    <a:ext uri="{9D8B030D-6E8A-4147-A177-3AD203B41FA5}">
-                      <a16:colId xmlns:a16="http://schemas.microsoft.com/office/drawing/2014/main" val="3831223776"/>
-                    </a:ext>
-                  </a:extLst>
-                </a:gridCol>
-              </a:tblGrid>
-              <a:tr h="1293019">
-                <a:tc>
-                  <a:txBody>
-                    <a:bodyPr/>
-                    <a:lstStyle/>
-                    <a:p>
-                      <a:pPr algn="ctr"/>
-                      <a:r>
-                        <a:rPr lang="en-US" altLang="zh-TW" sz="4000" dirty="0"/>
-                        <a:t>P5.js</a:t>
-                      </a:r>
-                      <a:endParaRPr lang="zh-TW" altLang="en-US" sz="4000" dirty="0"/>
-                    </a:p>
-                  </a:txBody>
-                  <a:tcPr anchor="ctr"/>
-                </a:tc>
-                <a:tc>
-                  <a:txBody>
-                    <a:bodyPr/>
-                    <a:lstStyle/>
-                    <a:p>
-                      <a:r>
-                        <a:rPr lang="zh-TW" altLang="en-US" sz="2000" dirty="0"/>
-                        <a:t>作為主要繪製</a:t>
-                      </a:r>
-                      <a:r>
-                        <a:rPr lang="en-US" altLang="zh-TW" sz="2000" dirty="0"/>
-                        <a:t>3D</a:t>
-                      </a:r>
-                      <a:endParaRPr lang="zh-TW" altLang="en-US" sz="2000" dirty="0"/>
-                    </a:p>
-                  </a:txBody>
-                  <a:tcPr anchor="ctr"/>
-                </a:tc>
-                <a:extLst>
-                  <a:ext uri="{0D108BD9-81ED-4DB2-BD59-A6C34878D82A}">
-                    <a16:rowId xmlns:a16="http://schemas.microsoft.com/office/drawing/2014/main" val="1574943360"/>
-                  </a:ext>
-                </a:extLst>
-              </a:tr>
-              <a:tr h="1293019">
-                <a:tc>
-                  <a:txBody>
-                    <a:bodyPr/>
-                    <a:lstStyle/>
-                    <a:p>
-                      <a:pPr algn="ctr"/>
-                      <a:r>
-                        <a:rPr lang="en-US" altLang="zh-TW" sz="4000" dirty="0"/>
-                        <a:t>Electron</a:t>
-                      </a:r>
-                      <a:endParaRPr lang="zh-TW" altLang="en-US" sz="4000" dirty="0"/>
-                    </a:p>
-                  </a:txBody>
-                  <a:tcPr anchor="ctr"/>
-                </a:tc>
-                <a:tc>
-                  <a:txBody>
-                    <a:bodyPr/>
-                    <a:lstStyle/>
-                    <a:p>
-                      <a:r>
-                        <a:rPr lang="zh-TW" altLang="en-US" sz="2000" dirty="0"/>
-                        <a:t>將專案打包成執行檔 </a:t>
-                      </a:r>
-                      <a:r>
-                        <a:rPr lang="en-US" altLang="zh-TW" sz="2000" dirty="0"/>
-                        <a:t>.exe</a:t>
-                      </a:r>
-                      <a:endParaRPr lang="zh-TW" altLang="en-US" sz="2000" dirty="0"/>
-                    </a:p>
-                  </a:txBody>
-                  <a:tcPr anchor="ctr"/>
-                </a:tc>
-                <a:extLst>
-                  <a:ext uri="{0D108BD9-81ED-4DB2-BD59-A6C34878D82A}">
-                    <a16:rowId xmlns:a16="http://schemas.microsoft.com/office/drawing/2014/main" val="1235622228"/>
-                  </a:ext>
-                </a:extLst>
-              </a:tr>
-            </a:tbl>
-          </a:graphicData>
-        </a:graphic>
-      </p:graphicFrame>
-      <p:sp>
-        <p:nvSpPr>
-          <p:cNvPr id="4" name="頁尾版面配置區 3">
+          <p:cNvSpPr>
+            <a:spLocks noGrp="1"/>
+          </p:cNvSpPr>
+          <p:nvPr>
+            <p:ph type="ftr" sz="quarter" idx="11"/>
+          </p:nvPr>
+        </p:nvSpPr>
+        <p:spPr/>
+        <p:txBody>
+          <a:bodyPr/>
+          <a:lstStyle/>
+          <a:p>
+            <a:r>
+              <a:rPr lang="zh-TW" altLang="en-US"/>
+              <a:t>陳詩恩 </a:t>
+            </a:r>
+            <a:r>
+              <a:rPr lang="en-US" altLang="zh-TW"/>
+              <a:t>© 2022 </a:t>
+            </a:r>
+            <a:endParaRPr lang="en-US" dirty="0"/>
+          </a:p>
+        </p:txBody>
+      </p:sp>
+      <p:sp>
+        <p:nvSpPr>
+          <p:cNvPr id="5" name="內容版面配置區 4">
             <a:extLst>
               <a:ext uri="{FF2B5EF4-FFF2-40B4-BE49-F238E27FC236}">
-                <a16:creationId xmlns:a16="http://schemas.microsoft.com/office/drawing/2014/main" id="{5188988D-9E3B-4F4A-B0C7-88EB272A6D62}"/>
+                <a16:creationId xmlns:a16="http://schemas.microsoft.com/office/drawing/2014/main" id="{E63E16D1-D680-4A01-9520-6C7D7C0A3592}"/>
               </a:ext>
             </a:extLst>
           </p:cNvPr>
@@ -14524,7 +14534,7 @@
             <a:spLocks noGrp="1"/>
           </p:cNvSpPr>
           <p:nvPr>
-            <p:ph type="ftr" sz="quarter" idx="11"/>
+            <p:ph sz="half" idx="13"/>
           </p:nvPr>
         </p:nvSpPr>
         <p:spPr/>
@@ -14532,22 +14542,46 @@
           <a:bodyPr/>
           <a:lstStyle/>
           <a:p>
-            <a:r>
-              <a:rPr lang="zh-TW" altLang="en-US"/>
-              <a:t>陳詩恩 </a:t>
-            </a:r>
-            <a:r>
-              <a:rPr lang="en-US" altLang="zh-TW"/>
-              <a:t>© 2022 </a:t>
-            </a:r>
-            <a:endParaRPr lang="en-US" dirty="0"/>
-          </a:p>
-        </p:txBody>
-      </p:sp>
+            <a:endParaRPr lang="zh-TW" altLang="en-US" dirty="0"/>
+          </a:p>
+        </p:txBody>
+      </p:sp>
+      <p:pic>
+        <p:nvPicPr>
+          <p:cNvPr id="7" name="內容版面配置區 6">
+            <a:extLst>
+              <a:ext uri="{FF2B5EF4-FFF2-40B4-BE49-F238E27FC236}">
+                <a16:creationId xmlns:a16="http://schemas.microsoft.com/office/drawing/2014/main" id="{0CE5C749-144E-4FC8-97C0-40D363519C42}"/>
+              </a:ext>
+            </a:extLst>
+          </p:cNvPr>
+          <p:cNvPicPr>
+            <a:picLocks noGrp="1" noChangeAspect="1"/>
+          </p:cNvPicPr>
+          <p:nvPr>
+            <p:ph sz="half" idx="1"/>
+          </p:nvPr>
+        </p:nvPicPr>
+        <p:blipFill>
+          <a:blip r:embed="rId2"/>
+          <a:stretch>
+            <a:fillRect/>
+          </a:stretch>
+        </p:blipFill>
+        <p:spPr>
+          <a:xfrm>
+            <a:off x="1141413" y="629495"/>
+            <a:ext cx="3262312" cy="5141810"/>
+          </a:xfrm>
+          <a:prstGeom prst="rect">
+            <a:avLst/>
+          </a:prstGeom>
+        </p:spPr>
+      </p:pic>
     </p:spTree>
     <p:extLst>
       <p:ext uri="{BB962C8B-B14F-4D97-AF65-F5344CB8AC3E}">
-        <p14:creationId xmlns:p14="http://schemas.microsoft.com/office/powerpoint/2010/main" val="3489598517"/>
+        <p14:creationId xmlns:p14="http://schemas.microsoft.com/office/powerpoint/2010/main" val="3375167609"/>
       </p:ext>
     </p:extLst>
   </p:cSld>
@@ -14557,7 +14591,311 @@
 </p:sld>
 </file>
 
-<file path=ppt/slides/slide4.xml><?xml version="1.0" encoding="utf-8"?>
+<file path=ppt/slides/slide17.xml><?xml version="1.0" encoding="utf-8"?>
+<p:sld xmlns:a="http://schemas.openxmlformats.org/drawingml/2006/main" xmlns:r="http://schemas.openxmlformats.org/officeDocument/2006/relationships" xmlns:p="http://schemas.openxmlformats.org/presentationml/2006/main">
+  <p:cSld>
+    <p:spTree>
+      <p:nvGrpSpPr>
+        <p:cNvPr id="1" name=""/>
+        <p:cNvGrpSpPr/>
+        <p:nvPr/>
+      </p:nvGrpSpPr>
+      <p:grpSpPr>
+        <a:xfrm>
+          <a:off x="0" y="0"/>
+          <a:ext cx="0" cy="0"/>
+          <a:chOff x="0" y="0"/>
+          <a:chExt cx="0" cy="0"/>
+        </a:xfrm>
+      </p:grpSpPr>
+      <p:sp>
+        <p:nvSpPr>
+          <p:cNvPr id="2" name="直排標題 1">
+            <a:extLst>
+              <a:ext uri="{FF2B5EF4-FFF2-40B4-BE49-F238E27FC236}">
+                <a16:creationId xmlns:a16="http://schemas.microsoft.com/office/drawing/2014/main" id="{1CA659AF-ADFA-4A03-98C7-427C4711A55C}"/>
+              </a:ext>
+            </a:extLst>
+          </p:cNvPr>
+          <p:cNvSpPr>
+            <a:spLocks noGrp="1"/>
+          </p:cNvSpPr>
+          <p:nvPr>
+            <p:ph type="title" orient="vert"/>
+          </p:nvPr>
+        </p:nvSpPr>
+        <p:spPr/>
+        <p:txBody>
+          <a:bodyPr/>
+          <a:lstStyle/>
+          <a:p>
+            <a:r>
+              <a:rPr lang="en-US" altLang="zh-TW" dirty="0"/>
+              <a:t>GUI – </a:t>
+            </a:r>
+            <a:r>
+              <a:rPr lang="zh-TW" altLang="en-US" dirty="0"/>
+              <a:t>遊戲畫面</a:t>
+            </a:r>
+          </a:p>
+        </p:txBody>
+      </p:sp>
+      <p:sp>
+        <p:nvSpPr>
+          <p:cNvPr id="3" name="頁尾版面配置區 2">
+            <a:extLst>
+              <a:ext uri="{FF2B5EF4-FFF2-40B4-BE49-F238E27FC236}">
+                <a16:creationId xmlns:a16="http://schemas.microsoft.com/office/drawing/2014/main" id="{9CC5DA43-6CA6-40FC-8C18-46751954E326}"/>
+              </a:ext>
+            </a:extLst>
+          </p:cNvPr>
+          <p:cNvSpPr>
+            <a:spLocks noGrp="1"/>
+          </p:cNvSpPr>
+          <p:nvPr>
+            <p:ph type="ftr" sz="quarter" idx="11"/>
+          </p:nvPr>
+        </p:nvSpPr>
+        <p:spPr/>
+        <p:txBody>
+          <a:bodyPr/>
+          <a:lstStyle/>
+          <a:p>
+            <a:r>
+              <a:rPr lang="zh-TW" altLang="en-US"/>
+              <a:t>陳詩恩 </a:t>
+            </a:r>
+            <a:r>
+              <a:rPr lang="en-US" altLang="zh-TW"/>
+              <a:t>© 2022 </a:t>
+            </a:r>
+            <a:endParaRPr lang="en-US" dirty="0"/>
+          </a:p>
+        </p:txBody>
+      </p:sp>
+      <p:sp>
+        <p:nvSpPr>
+          <p:cNvPr id="5" name="內容版面配置區 4">
+            <a:extLst>
+              <a:ext uri="{FF2B5EF4-FFF2-40B4-BE49-F238E27FC236}">
+                <a16:creationId xmlns:a16="http://schemas.microsoft.com/office/drawing/2014/main" id="{E63E16D1-D680-4A01-9520-6C7D7C0A3592}"/>
+              </a:ext>
+            </a:extLst>
+          </p:cNvPr>
+          <p:cNvSpPr>
+            <a:spLocks noGrp="1"/>
+          </p:cNvSpPr>
+          <p:nvPr>
+            <p:ph sz="half" idx="13"/>
+          </p:nvPr>
+        </p:nvSpPr>
+        <p:spPr/>
+        <p:txBody>
+          <a:bodyPr/>
+          <a:lstStyle/>
+          <a:p>
+            <a:endParaRPr lang="zh-TW" altLang="en-US" dirty="0"/>
+          </a:p>
+        </p:txBody>
+      </p:sp>
+      <p:pic>
+        <p:nvPicPr>
+          <p:cNvPr id="8" name="內容版面配置區 7">
+            <a:extLst>
+              <a:ext uri="{FF2B5EF4-FFF2-40B4-BE49-F238E27FC236}">
+                <a16:creationId xmlns:a16="http://schemas.microsoft.com/office/drawing/2014/main" id="{228E1FCC-B4AF-447B-A5B0-CCCCFD172710}"/>
+              </a:ext>
+            </a:extLst>
+          </p:cNvPr>
+          <p:cNvPicPr>
+            <a:picLocks noGrp="1" noChangeAspect="1"/>
+          </p:cNvPicPr>
+          <p:nvPr>
+            <p:ph sz="half" idx="1"/>
+          </p:nvPr>
+        </p:nvPicPr>
+        <p:blipFill>
+          <a:blip r:embed="rId2"/>
+          <a:stretch>
+            <a:fillRect/>
+          </a:stretch>
+        </p:blipFill>
+        <p:spPr>
+          <a:xfrm>
+            <a:off x="1233025" y="609600"/>
+            <a:ext cx="3079088" cy="5181600"/>
+          </a:xfrm>
+          <a:prstGeom prst="rect">
+            <a:avLst/>
+          </a:prstGeom>
+        </p:spPr>
+      </p:pic>
+    </p:spTree>
+    <p:extLst>
+      <p:ext uri="{BB962C8B-B14F-4D97-AF65-F5344CB8AC3E}">
+        <p14:creationId xmlns:p14="http://schemas.microsoft.com/office/powerpoint/2010/main" val="1438015631"/>
+      </p:ext>
+    </p:extLst>
+  </p:cSld>
+  <p:clrMapOvr>
+    <a:masterClrMapping/>
+  </p:clrMapOvr>
+</p:sld>
+</file>
+
+<file path=ppt/slides/slide18.xml><?xml version="1.0" encoding="utf-8"?>
+<p:sld xmlns:a="http://schemas.openxmlformats.org/drawingml/2006/main" xmlns:r="http://schemas.openxmlformats.org/officeDocument/2006/relationships" xmlns:p="http://schemas.openxmlformats.org/presentationml/2006/main">
+  <p:cSld>
+    <p:spTree>
+      <p:nvGrpSpPr>
+        <p:cNvPr id="1" name=""/>
+        <p:cNvGrpSpPr/>
+        <p:nvPr/>
+      </p:nvGrpSpPr>
+      <p:grpSpPr>
+        <a:xfrm>
+          <a:off x="0" y="0"/>
+          <a:ext cx="0" cy="0"/>
+          <a:chOff x="0" y="0"/>
+          <a:chExt cx="0" cy="0"/>
+        </a:xfrm>
+      </p:grpSpPr>
+      <p:sp>
+        <p:nvSpPr>
+          <p:cNvPr id="2" name="直排標題 1">
+            <a:extLst>
+              <a:ext uri="{FF2B5EF4-FFF2-40B4-BE49-F238E27FC236}">
+                <a16:creationId xmlns:a16="http://schemas.microsoft.com/office/drawing/2014/main" id="{1CA659AF-ADFA-4A03-98C7-427C4711A55C}"/>
+              </a:ext>
+            </a:extLst>
+          </p:cNvPr>
+          <p:cNvSpPr>
+            <a:spLocks noGrp="1"/>
+          </p:cNvSpPr>
+          <p:nvPr>
+            <p:ph type="title" orient="vert"/>
+          </p:nvPr>
+        </p:nvSpPr>
+        <p:spPr/>
+        <p:txBody>
+          <a:bodyPr/>
+          <a:lstStyle/>
+          <a:p>
+            <a:r>
+              <a:rPr lang="en-US" altLang="zh-TW" dirty="0"/>
+              <a:t>GUI – </a:t>
+            </a:r>
+            <a:r>
+              <a:rPr lang="zh-TW" altLang="en-US" dirty="0"/>
+              <a:t>設定畫面</a:t>
+            </a:r>
+          </a:p>
+        </p:txBody>
+      </p:sp>
+      <p:sp>
+        <p:nvSpPr>
+          <p:cNvPr id="3" name="頁尾版面配置區 2">
+            <a:extLst>
+              <a:ext uri="{FF2B5EF4-FFF2-40B4-BE49-F238E27FC236}">
+                <a16:creationId xmlns:a16="http://schemas.microsoft.com/office/drawing/2014/main" id="{9CC5DA43-6CA6-40FC-8C18-46751954E326}"/>
+              </a:ext>
+            </a:extLst>
+          </p:cNvPr>
+          <p:cNvSpPr>
+            <a:spLocks noGrp="1"/>
+          </p:cNvSpPr>
+          <p:nvPr>
+            <p:ph type="ftr" sz="quarter" idx="11"/>
+          </p:nvPr>
+        </p:nvSpPr>
+        <p:spPr/>
+        <p:txBody>
+          <a:bodyPr/>
+          <a:lstStyle/>
+          <a:p>
+            <a:r>
+              <a:rPr lang="zh-TW" altLang="en-US"/>
+              <a:t>陳詩恩 </a:t>
+            </a:r>
+            <a:r>
+              <a:rPr lang="en-US" altLang="zh-TW"/>
+              <a:t>© 2022 </a:t>
+            </a:r>
+            <a:endParaRPr lang="en-US" dirty="0"/>
+          </a:p>
+        </p:txBody>
+      </p:sp>
+      <p:sp>
+        <p:nvSpPr>
+          <p:cNvPr id="5" name="內容版面配置區 4">
+            <a:extLst>
+              <a:ext uri="{FF2B5EF4-FFF2-40B4-BE49-F238E27FC236}">
+                <a16:creationId xmlns:a16="http://schemas.microsoft.com/office/drawing/2014/main" id="{E63E16D1-D680-4A01-9520-6C7D7C0A3592}"/>
+              </a:ext>
+            </a:extLst>
+          </p:cNvPr>
+          <p:cNvSpPr>
+            <a:spLocks noGrp="1"/>
+          </p:cNvSpPr>
+          <p:nvPr>
+            <p:ph sz="half" idx="13"/>
+          </p:nvPr>
+        </p:nvSpPr>
+        <p:spPr/>
+        <p:txBody>
+          <a:bodyPr/>
+          <a:lstStyle/>
+          <a:p>
+            <a:endParaRPr lang="zh-TW" altLang="en-US" dirty="0"/>
+          </a:p>
+        </p:txBody>
+      </p:sp>
+      <p:pic>
+        <p:nvPicPr>
+          <p:cNvPr id="7" name="內容版面配置區 6">
+            <a:extLst>
+              <a:ext uri="{FF2B5EF4-FFF2-40B4-BE49-F238E27FC236}">
+                <a16:creationId xmlns:a16="http://schemas.microsoft.com/office/drawing/2014/main" id="{D1725A50-AEFB-483B-A4BA-93DAC866630B}"/>
+              </a:ext>
+            </a:extLst>
+          </p:cNvPr>
+          <p:cNvPicPr>
+            <a:picLocks noGrp="1" noChangeAspect="1"/>
+          </p:cNvPicPr>
+          <p:nvPr>
+            <p:ph sz="half" idx="1"/>
+          </p:nvPr>
+        </p:nvPicPr>
+        <p:blipFill>
+          <a:blip r:embed="rId2"/>
+          <a:stretch>
+            <a:fillRect/>
+          </a:stretch>
+        </p:blipFill>
+        <p:spPr>
+          <a:xfrm>
+            <a:off x="1246907" y="609600"/>
+            <a:ext cx="3051323" cy="5181600"/>
+          </a:xfrm>
+          <a:prstGeom prst="rect">
+            <a:avLst/>
+          </a:prstGeom>
+        </p:spPr>
+      </p:pic>
+    </p:spTree>
+    <p:extLst>
+      <p:ext uri="{BB962C8B-B14F-4D97-AF65-F5344CB8AC3E}">
+        <p14:creationId xmlns:p14="http://schemas.microsoft.com/office/powerpoint/2010/main" val="629593128"/>
+      </p:ext>
+    </p:extLst>
+  </p:cSld>
+  <p:clrMapOvr>
+    <a:masterClrMapping/>
+  </p:clrMapOvr>
+</p:sld>
+</file>
+
+<file path=ppt/slides/slide19.xml><?xml version="1.0" encoding="utf-8"?>
 <p:sld xmlns:a="http://schemas.openxmlformats.org/drawingml/2006/main" xmlns:r="http://schemas.openxmlformats.org/officeDocument/2006/relationships" xmlns:p="http://schemas.openxmlformats.org/presentationml/2006/main">
   <p:cSld>
     <p:spTree>
@@ -14908,7 +15246,7 @@
 </p:sld>
 </file>
 
-<file path=ppt/slides/slide5.xml><?xml version="1.0" encoding="utf-8"?>
+<file path=ppt/slides/slide2.xml><?xml version="1.0" encoding="utf-8"?>
 <p:sld xmlns:a="http://schemas.openxmlformats.org/drawingml/2006/main" xmlns:r="http://schemas.openxmlformats.org/officeDocument/2006/relationships" xmlns:p="http://schemas.openxmlformats.org/presentationml/2006/main">
   <p:cSld>
     <p:spTree>
@@ -14930,7 +15268,7 @@
           <p:cNvPr id="2" name="標題 1">
             <a:extLst>
               <a:ext uri="{FF2B5EF4-FFF2-40B4-BE49-F238E27FC236}">
-                <a16:creationId xmlns:a16="http://schemas.microsoft.com/office/drawing/2014/main" id="{CAB5AAA2-F74B-4A1B-8667-C549322F2FE4}"/>
+                <a16:creationId xmlns:a16="http://schemas.microsoft.com/office/drawing/2014/main" id="{09D7B6D9-2F4A-487C-885B-835FADF2B091}"/>
               </a:ext>
             </a:extLst>
           </p:cNvPr>
@@ -14941,12 +15279,7 @@
             <p:ph type="title"/>
           </p:nvPr>
         </p:nvSpPr>
-        <p:spPr>
-          <a:xfrm>
-            <a:off x="1063453" y="618518"/>
-            <a:ext cx="9905998" cy="1478570"/>
-          </a:xfrm>
-        </p:spPr>
+        <p:spPr/>
         <p:txBody>
           <a:bodyPr vert="horz" lIns="91440" tIns="45720" rIns="91440" bIns="45720" rtlCol="0" anchor="ctr">
             <a:normAutofit/>
@@ -14956,8 +15289,136 @@
             <a:pPr algn="ctr"/>
             <a:r>
               <a:rPr lang="zh-TW" altLang="en-US" sz="6600" dirty="0"/>
-              <a:t>程式碼</a:t>
-            </a:r>
+              <a:t>前言</a:t>
+            </a:r>
+          </a:p>
+        </p:txBody>
+      </p:sp>
+      <p:sp>
+        <p:nvSpPr>
+          <p:cNvPr id="3" name="內容版面配置區 2">
+            <a:extLst>
+              <a:ext uri="{FF2B5EF4-FFF2-40B4-BE49-F238E27FC236}">
+                <a16:creationId xmlns:a16="http://schemas.microsoft.com/office/drawing/2014/main" id="{4743127E-EF38-4E67-B114-90664869F23D}"/>
+              </a:ext>
+            </a:extLst>
+          </p:cNvPr>
+          <p:cNvSpPr>
+            <a:spLocks noGrp="1"/>
+          </p:cNvSpPr>
+          <p:nvPr>
+            <p:ph idx="1"/>
+          </p:nvPr>
+        </p:nvSpPr>
+        <p:spPr/>
+        <p:txBody>
+          <a:bodyPr/>
+          <a:lstStyle/>
+          <a:p>
+            <a:pPr marL="0" indent="0" algn="just">
+              <a:buNone/>
+            </a:pPr>
+            <a:r>
+              <a:rPr lang="zh-TW" altLang="en-US" dirty="0"/>
+              <a:t>這個作品是我第一次使用</a:t>
+            </a:r>
+            <a:r>
+              <a:rPr lang="en-US" altLang="zh-TW" dirty="0"/>
+              <a:t>3D</a:t>
+            </a:r>
+            <a:r>
+              <a:rPr lang="zh-TW" altLang="en-US" dirty="0"/>
+              <a:t>來進行製作做，在做的起初沒有想好整體架構，以至於這個專案砍掉重構了</a:t>
+            </a:r>
+            <a:r>
+              <a:rPr lang="en-US" altLang="zh-TW" dirty="0"/>
+              <a:t>2~3</a:t>
+            </a:r>
+            <a:r>
+              <a:rPr lang="zh-TW" altLang="en-US" dirty="0"/>
+              <a:t>次。</a:t>
+            </a:r>
+            <a:endParaRPr lang="en-US" altLang="zh-TW" dirty="0"/>
+          </a:p>
+          <a:p>
+            <a:pPr marL="0" indent="0" algn="just">
+              <a:buNone/>
+            </a:pPr>
+            <a:r>
+              <a:rPr lang="zh-TW" altLang="en-US" dirty="0"/>
+              <a:t>這個專案的難點在於需要擁有</a:t>
+            </a:r>
+            <a:r>
+              <a:rPr lang="en-US" altLang="zh-TW" dirty="0"/>
+              <a:t>3D</a:t>
+            </a:r>
+            <a:r>
+              <a:rPr lang="zh-TW" altLang="en-US" dirty="0"/>
+              <a:t>視角的思維、以及</a:t>
+            </a:r>
+            <a:r>
+              <a:rPr lang="en-US" altLang="zh-TW" dirty="0"/>
+              <a:t>Module</a:t>
+            </a:r>
+            <a:r>
+              <a:rPr lang="zh-TW" altLang="en-US" dirty="0"/>
+              <a:t>的觀念，因為此專案是</a:t>
+            </a:r>
+            <a:r>
+              <a:rPr lang="en-US" altLang="zh-TW" dirty="0"/>
+              <a:t>3D</a:t>
+            </a:r>
+            <a:r>
+              <a:rPr lang="zh-TW" altLang="en-US" dirty="0"/>
+              <a:t>呈現，比較消耗硬體資源，因此在此次專案中關於垃圾清理、記憶體釋放花了一些時間做研究。</a:t>
+            </a:r>
+            <a:endParaRPr lang="en-US" altLang="zh-TW" dirty="0"/>
+          </a:p>
+          <a:p>
+            <a:pPr marL="0" indent="0" algn="just">
+              <a:buNone/>
+            </a:pPr>
+            <a:r>
+              <a:rPr lang="zh-TW" altLang="en-US" dirty="0"/>
+              <a:t>這次分析音頻的演算法為</a:t>
+            </a:r>
+            <a:r>
+              <a:rPr lang="zh-TW" altLang="zh-TW" dirty="0">
+                <a:hlinkClick r:id="rId2"/>
+              </a:rPr>
+              <a:t>快速傅立葉變換</a:t>
+            </a:r>
+            <a:r>
+              <a:rPr lang="en-US" altLang="zh-TW" dirty="0">
+                <a:hlinkClick r:id="rId2"/>
+              </a:rPr>
+              <a:t>(FFT)</a:t>
+            </a:r>
+            <a:r>
+              <a:rPr lang="en-US" altLang="zh-TW" dirty="0"/>
+              <a:t>[</a:t>
+            </a:r>
+            <a:r>
+              <a:rPr lang="zh-TW" altLang="en-US" dirty="0"/>
+              <a:t>引用</a:t>
+            </a:r>
+            <a:r>
+              <a:rPr lang="en-US" altLang="zh-TW" dirty="0"/>
+              <a:t>p5.js]</a:t>
+            </a:r>
+            <a:r>
+              <a:rPr lang="zh-TW" altLang="en-US" dirty="0"/>
+              <a:t>，此演算法雖然準確率會有所降低，但是在分析時會比傳統</a:t>
+            </a:r>
+            <a:r>
+              <a:rPr lang="en-US" altLang="zh-TW" dirty="0"/>
+              <a:t>(DFT)</a:t>
+            </a:r>
+            <a:r>
+              <a:rPr lang="zh-TW" altLang="en-US" dirty="0"/>
+              <a:t>還要更快。</a:t>
+            </a:r>
+            <a:endParaRPr lang="en-US" altLang="zh-TW" dirty="0"/>
           </a:p>
         </p:txBody>
       </p:sp>
@@ -14966,7 +15427,7 @@
           <p:cNvPr id="4" name="頁尾版面配置區 3">
             <a:extLst>
               <a:ext uri="{FF2B5EF4-FFF2-40B4-BE49-F238E27FC236}">
-                <a16:creationId xmlns:a16="http://schemas.microsoft.com/office/drawing/2014/main" id="{77531D98-BDB5-45D0-8DC8-904E7D009F3A}"/>
+                <a16:creationId xmlns:a16="http://schemas.microsoft.com/office/drawing/2014/main" id="{5188988D-9E3B-4F4A-B0C7-88EB272A6D62}"/>
               </a:ext>
             </a:extLst>
           </p:cNvPr>
@@ -14994,70 +15455,10 @@
           </a:p>
         </p:txBody>
       </p:sp>
-      <p:pic>
-        <p:nvPicPr>
-          <p:cNvPr id="8" name="內容版面配置區 7">
-            <a:extLst>
-              <a:ext uri="{FF2B5EF4-FFF2-40B4-BE49-F238E27FC236}">
-                <a16:creationId xmlns:a16="http://schemas.microsoft.com/office/drawing/2014/main" id="{34A89D09-D620-4EDF-AA64-D81ED7811AE6}"/>
-              </a:ext>
-            </a:extLst>
-          </p:cNvPr>
-          <p:cNvPicPr>
-            <a:picLocks noGrp="1" noChangeAspect="1"/>
-          </p:cNvPicPr>
-          <p:nvPr>
-            <p:ph idx="1"/>
-          </p:nvPr>
-        </p:nvPicPr>
-        <p:blipFill rotWithShape="1">
-          <a:blip r:embed="rId2"/>
-          <a:srcRect r="2315" b="14074"/>
-          <a:stretch/>
-        </p:blipFill>
-        <p:spPr>
-          <a:xfrm>
-            <a:off x="7940350" y="618518"/>
-            <a:ext cx="3107061" cy="5264757"/>
-          </a:xfrm>
-          <a:prstGeom prst="rect">
-            <a:avLst/>
-          </a:prstGeom>
-        </p:spPr>
-      </p:pic>
-      <p:pic>
-        <p:nvPicPr>
-          <p:cNvPr id="6" name="圖片 5">
-            <a:extLst>
-              <a:ext uri="{FF2B5EF4-FFF2-40B4-BE49-F238E27FC236}">
-                <a16:creationId xmlns:a16="http://schemas.microsoft.com/office/drawing/2014/main" id="{7951D99E-CCC1-4BAC-B571-CA8259C34C85}"/>
-              </a:ext>
-            </a:extLst>
-          </p:cNvPr>
-          <p:cNvPicPr>
-            <a:picLocks noChangeAspect="1"/>
-          </p:cNvPicPr>
-          <p:nvPr/>
-        </p:nvPicPr>
-        <p:blipFill rotWithShape="1">
-          <a:blip r:embed="rId3"/>
-          <a:srcRect r="12119"/>
-          <a:stretch/>
-        </p:blipFill>
-        <p:spPr>
-          <a:xfrm>
-            <a:off x="985492" y="618518"/>
-            <a:ext cx="3107062" cy="4535480"/>
-          </a:xfrm>
-          <a:prstGeom prst="rect">
-            <a:avLst/>
-          </a:prstGeom>
-        </p:spPr>
-      </p:pic>
     </p:spTree>
     <p:extLst>
       <p:ext uri="{BB962C8B-B14F-4D97-AF65-F5344CB8AC3E}">
-        <p14:creationId xmlns:p14="http://schemas.microsoft.com/office/powerpoint/2010/main" val="4162767562"/>
+        <p14:creationId xmlns:p14="http://schemas.microsoft.com/office/powerpoint/2010/main" val="4049250008"/>
       </p:ext>
     </p:extLst>
   </p:cSld>
@@ -15067,7 +15468,7 @@
 </p:sld>
 </file>
 
-<file path=ppt/slides/slide6.xml><?xml version="1.0" encoding="utf-8"?>
+<file path=ppt/slides/slide20.xml><?xml version="1.0" encoding="utf-8"?>
 <p:sld xmlns:a="http://schemas.openxmlformats.org/drawingml/2006/main" xmlns:r="http://schemas.openxmlformats.org/officeDocument/2006/relationships" xmlns:p="http://schemas.openxmlformats.org/presentationml/2006/main">
   <p:cSld>
     <p:spTree>
@@ -15268,7 +15669,7 @@
 </p:sld>
 </file>
 
-<file path=ppt/slides/slide7.xml><?xml version="1.0" encoding="utf-8"?>
+<file path=ppt/slides/slide21.xml><?xml version="1.0" encoding="utf-8"?>
 <p:sld xmlns:a="http://schemas.openxmlformats.org/drawingml/2006/main" xmlns:r="http://schemas.openxmlformats.org/officeDocument/2006/relationships" xmlns:p="http://schemas.openxmlformats.org/presentationml/2006/main">
   <p:cSld>
     <p:spTree>
@@ -15452,7 +15853,7 @@
 </p:sld>
 </file>
 
-<file path=ppt/slides/slide8.xml><?xml version="1.0" encoding="utf-8"?>
+<file path=ppt/slides/slide22.xml><?xml version="1.0" encoding="utf-8"?>
 <p:sld xmlns:a="http://schemas.openxmlformats.org/drawingml/2006/main" xmlns:r="http://schemas.openxmlformats.org/officeDocument/2006/relationships" xmlns:p="http://schemas.openxmlformats.org/presentationml/2006/main">
   <p:cSld>
     <p:spTree>
@@ -15646,7 +16047,7 @@
 </p:sld>
 </file>
 
-<file path=ppt/slides/slide9.xml><?xml version="1.0" encoding="utf-8"?>
+<file path=ppt/slides/slide23.xml><?xml version="1.0" encoding="utf-8"?>
 <p:sld xmlns:a="http://schemas.openxmlformats.org/drawingml/2006/main" xmlns:r="http://schemas.openxmlformats.org/officeDocument/2006/relationships" xmlns:p="http://schemas.openxmlformats.org/presentationml/2006/main">
   <p:cSld>
     <p:spTree>
@@ -15768,11 +16169,12 @@
             <a:endParaRPr lang="en-US" altLang="zh-TW" sz="1600" dirty="0"/>
           </a:p>
           <a:p>
-            <a:r>
-              <a:rPr lang="zh-TW" altLang="en-US" sz="2000" dirty="0"/>
-              <a:t>遊玩方式</a:t>
-            </a:r>
-            <a:endParaRPr lang="en-US" altLang="zh-TW" sz="2000" dirty="0"/>
+            <a:pPr lvl="1"/>
+            <a:r>
+              <a:rPr lang="zh-TW" altLang="en-US" sz="1600" dirty="0"/>
+              <a:t>由左至右表示頻率的低到高。</a:t>
+            </a:r>
+            <a:endParaRPr lang="en-US" altLang="zh-TW" sz="1600" dirty="0"/>
           </a:p>
           <a:p>
             <a:pPr lvl="1"/>
@@ -15849,6 +16251,2026 @@
     <p:extLst>
       <p:ext uri="{BB962C8B-B14F-4D97-AF65-F5344CB8AC3E}">
         <p14:creationId xmlns:p14="http://schemas.microsoft.com/office/powerpoint/2010/main" val="2173707073"/>
+      </p:ext>
+    </p:extLst>
+  </p:cSld>
+  <p:clrMapOvr>
+    <a:masterClrMapping/>
+  </p:clrMapOvr>
+</p:sld>
+</file>
+
+<file path=ppt/slides/slide24.xml><?xml version="1.0" encoding="utf-8"?>
+<p:sld xmlns:a="http://schemas.openxmlformats.org/drawingml/2006/main" xmlns:r="http://schemas.openxmlformats.org/officeDocument/2006/relationships" xmlns:p="http://schemas.openxmlformats.org/presentationml/2006/main">
+  <p:cSld>
+    <p:spTree>
+      <p:nvGrpSpPr>
+        <p:cNvPr id="1" name=""/>
+        <p:cNvGrpSpPr/>
+        <p:nvPr/>
+      </p:nvGrpSpPr>
+      <p:grpSpPr>
+        <a:xfrm>
+          <a:off x="0" y="0"/>
+          <a:ext cx="0" cy="0"/>
+          <a:chOff x="0" y="0"/>
+          <a:chExt cx="0" cy="0"/>
+        </a:xfrm>
+      </p:grpSpPr>
+      <p:sp>
+        <p:nvSpPr>
+          <p:cNvPr id="2" name="標題 1">
+            <a:extLst>
+              <a:ext uri="{FF2B5EF4-FFF2-40B4-BE49-F238E27FC236}">
+                <a16:creationId xmlns:a16="http://schemas.microsoft.com/office/drawing/2014/main" id="{0A19E510-096C-4B71-AA66-9FCDA3E0CF6F}"/>
+              </a:ext>
+            </a:extLst>
+          </p:cNvPr>
+          <p:cNvSpPr>
+            <a:spLocks noGrp="1"/>
+          </p:cNvSpPr>
+          <p:nvPr>
+            <p:ph type="title"/>
+          </p:nvPr>
+        </p:nvSpPr>
+        <p:spPr/>
+        <p:txBody>
+          <a:bodyPr vert="horz" lIns="91440" tIns="45720" rIns="91440" bIns="45720" rtlCol="0" anchor="ctr">
+            <a:normAutofit/>
+          </a:bodyPr>
+          <a:lstStyle/>
+          <a:p>
+            <a:pPr algn="ctr"/>
+            <a:r>
+              <a:rPr lang="zh-TW" altLang="en-US" sz="6600" dirty="0"/>
+              <a:t>遊戲結束畫面</a:t>
+            </a:r>
+          </a:p>
+        </p:txBody>
+      </p:sp>
+      <p:sp>
+        <p:nvSpPr>
+          <p:cNvPr id="8" name="內容版面配置區 7">
+            <a:extLst>
+              <a:ext uri="{FF2B5EF4-FFF2-40B4-BE49-F238E27FC236}">
+                <a16:creationId xmlns:a16="http://schemas.microsoft.com/office/drawing/2014/main" id="{3B91035C-76EE-4DF7-836C-C0C081364549}"/>
+              </a:ext>
+            </a:extLst>
+          </p:cNvPr>
+          <p:cNvSpPr>
+            <a:spLocks noGrp="1"/>
+          </p:cNvSpPr>
+          <p:nvPr>
+            <p:ph sz="half" idx="2"/>
+          </p:nvPr>
+        </p:nvSpPr>
+        <p:spPr/>
+        <p:txBody>
+          <a:bodyPr/>
+          <a:lstStyle/>
+          <a:p>
+            <a:r>
+              <a:rPr lang="zh-TW" altLang="en-US" dirty="0"/>
+              <a:t>重新開始遊戲</a:t>
+            </a:r>
+            <a:endParaRPr lang="en-US" altLang="zh-TW" dirty="0"/>
+          </a:p>
+          <a:p>
+            <a:r>
+              <a:rPr lang="zh-TW" altLang="en-US"/>
+              <a:t>返回大廳</a:t>
+            </a:r>
+            <a:endParaRPr lang="en-US" altLang="zh-TW" dirty="0"/>
+          </a:p>
+        </p:txBody>
+      </p:sp>
+      <p:sp>
+        <p:nvSpPr>
+          <p:cNvPr id="4" name="頁尾版面配置區 3">
+            <a:extLst>
+              <a:ext uri="{FF2B5EF4-FFF2-40B4-BE49-F238E27FC236}">
+                <a16:creationId xmlns:a16="http://schemas.microsoft.com/office/drawing/2014/main" id="{9DCCD605-4638-4B5D-8053-4E7563F761C8}"/>
+              </a:ext>
+            </a:extLst>
+          </p:cNvPr>
+          <p:cNvSpPr>
+            <a:spLocks noGrp="1"/>
+          </p:cNvSpPr>
+          <p:nvPr>
+            <p:ph type="ftr" sz="quarter" idx="11"/>
+          </p:nvPr>
+        </p:nvSpPr>
+        <p:spPr/>
+        <p:txBody>
+          <a:bodyPr/>
+          <a:lstStyle/>
+          <a:p>
+            <a:r>
+              <a:rPr lang="zh-TW" altLang="en-US"/>
+              <a:t>陳詩恩 </a:t>
+            </a:r>
+            <a:r>
+              <a:rPr lang="en-US" altLang="zh-TW"/>
+              <a:t>© 2022 </a:t>
+            </a:r>
+            <a:endParaRPr lang="en-US" dirty="0"/>
+          </a:p>
+        </p:txBody>
+      </p:sp>
+      <p:pic>
+        <p:nvPicPr>
+          <p:cNvPr id="6" name="內容版面配置區 5">
+            <a:extLst>
+              <a:ext uri="{FF2B5EF4-FFF2-40B4-BE49-F238E27FC236}">
+                <a16:creationId xmlns:a16="http://schemas.microsoft.com/office/drawing/2014/main" id="{3BEAD47B-B641-4149-A422-AB83840CD114}"/>
+              </a:ext>
+            </a:extLst>
+          </p:cNvPr>
+          <p:cNvPicPr>
+            <a:picLocks noGrp="1" noChangeAspect="1"/>
+          </p:cNvPicPr>
+          <p:nvPr>
+            <p:ph sz="half" idx="1"/>
+          </p:nvPr>
+        </p:nvPicPr>
+        <p:blipFill>
+          <a:blip r:embed="rId2"/>
+          <a:stretch>
+            <a:fillRect/>
+          </a:stretch>
+        </p:blipFill>
+        <p:spPr>
+          <a:xfrm>
+            <a:off x="1220251" y="2249488"/>
+            <a:ext cx="4720710" cy="3541712"/>
+          </a:xfrm>
+          <a:prstGeom prst="rect">
+            <a:avLst/>
+          </a:prstGeom>
+        </p:spPr>
+      </p:pic>
+    </p:spTree>
+    <p:extLst>
+      <p:ext uri="{BB962C8B-B14F-4D97-AF65-F5344CB8AC3E}">
+        <p14:creationId xmlns:p14="http://schemas.microsoft.com/office/powerpoint/2010/main" val="366058652"/>
+      </p:ext>
+    </p:extLst>
+  </p:cSld>
+  <p:clrMapOvr>
+    <a:masterClrMapping/>
+  </p:clrMapOvr>
+</p:sld>
+</file>
+
+<file path=ppt/slides/slide25.xml><?xml version="1.0" encoding="utf-8"?>
+<p:sld xmlns:a="http://schemas.openxmlformats.org/drawingml/2006/main" xmlns:r="http://schemas.openxmlformats.org/officeDocument/2006/relationships" xmlns:p="http://schemas.openxmlformats.org/presentationml/2006/main">
+  <p:cSld>
+    <p:spTree>
+      <p:nvGrpSpPr>
+        <p:cNvPr id="1" name=""/>
+        <p:cNvGrpSpPr/>
+        <p:nvPr/>
+      </p:nvGrpSpPr>
+      <p:grpSpPr>
+        <a:xfrm>
+          <a:off x="0" y="0"/>
+          <a:ext cx="0" cy="0"/>
+          <a:chOff x="0" y="0"/>
+          <a:chExt cx="0" cy="0"/>
+        </a:xfrm>
+      </p:grpSpPr>
+      <p:sp>
+        <p:nvSpPr>
+          <p:cNvPr id="6" name="標題 5">
+            <a:extLst>
+              <a:ext uri="{FF2B5EF4-FFF2-40B4-BE49-F238E27FC236}">
+                <a16:creationId xmlns:a16="http://schemas.microsoft.com/office/drawing/2014/main" id="{CEFB1CD5-529D-4554-A17B-56C74881AE9C}"/>
+              </a:ext>
+            </a:extLst>
+          </p:cNvPr>
+          <p:cNvSpPr>
+            <a:spLocks noGrp="1"/>
+          </p:cNvSpPr>
+          <p:nvPr>
+            <p:ph type="title"/>
+          </p:nvPr>
+        </p:nvSpPr>
+        <p:spPr/>
+        <p:txBody>
+          <a:bodyPr>
+            <a:normAutofit/>
+          </a:bodyPr>
+          <a:lstStyle/>
+          <a:p>
+            <a:pPr algn="ctr"/>
+            <a:r>
+              <a:rPr lang="zh-TW" altLang="en-US" sz="6600" dirty="0">
+                <a:hlinkClick r:id="rId2"/>
+              </a:rPr>
+              <a:t>影片</a:t>
+            </a:r>
+            <a:endParaRPr lang="zh-TW" altLang="en-US" sz="6600" dirty="0"/>
+          </a:p>
+        </p:txBody>
+      </p:sp>
+      <p:sp>
+        <p:nvSpPr>
+          <p:cNvPr id="5" name="頁尾版面配置區 4">
+            <a:extLst>
+              <a:ext uri="{FF2B5EF4-FFF2-40B4-BE49-F238E27FC236}">
+                <a16:creationId xmlns:a16="http://schemas.microsoft.com/office/drawing/2014/main" id="{5FBC6AA1-9B34-4AD7-A5FD-F5B288317574}"/>
+              </a:ext>
+            </a:extLst>
+          </p:cNvPr>
+          <p:cNvSpPr>
+            <a:spLocks noGrp="1"/>
+          </p:cNvSpPr>
+          <p:nvPr>
+            <p:ph type="ftr" sz="quarter" idx="11"/>
+          </p:nvPr>
+        </p:nvSpPr>
+        <p:spPr/>
+        <p:txBody>
+          <a:bodyPr/>
+          <a:lstStyle/>
+          <a:p>
+            <a:r>
+              <a:rPr lang="zh-TW" altLang="en-US"/>
+              <a:t>陳詩恩 </a:t>
+            </a:r>
+            <a:r>
+              <a:rPr lang="en-US" altLang="zh-TW"/>
+              <a:t>© 2022 </a:t>
+            </a:r>
+            <a:endParaRPr lang="en-US" dirty="0"/>
+          </a:p>
+        </p:txBody>
+      </p:sp>
+      <p:pic>
+        <p:nvPicPr>
+          <p:cNvPr id="11" name="內容版面配置區 10">
+            <a:extLst>
+              <a:ext uri="{FF2B5EF4-FFF2-40B4-BE49-F238E27FC236}">
+                <a16:creationId xmlns:a16="http://schemas.microsoft.com/office/drawing/2014/main" id="{FE6740D8-8122-43C0-A129-6947EEBE4ABA}"/>
+              </a:ext>
+            </a:extLst>
+          </p:cNvPr>
+          <p:cNvPicPr>
+            <a:picLocks noGrp="1" noChangeAspect="1"/>
+          </p:cNvPicPr>
+          <p:nvPr>
+            <p:ph idx="1"/>
+          </p:nvPr>
+        </p:nvPicPr>
+        <p:blipFill>
+          <a:blip r:embed="rId3"/>
+          <a:stretch>
+            <a:fillRect/>
+          </a:stretch>
+        </p:blipFill>
+        <p:spPr>
+          <a:xfrm>
+            <a:off x="3830522" y="2249488"/>
+            <a:ext cx="4527782" cy="3541712"/>
+          </a:xfrm>
+          <a:prstGeom prst="rect">
+            <a:avLst/>
+          </a:prstGeom>
+        </p:spPr>
+      </p:pic>
+    </p:spTree>
+    <p:extLst>
+      <p:ext uri="{BB962C8B-B14F-4D97-AF65-F5344CB8AC3E}">
+        <p14:creationId xmlns:p14="http://schemas.microsoft.com/office/powerpoint/2010/main" val="508469541"/>
+      </p:ext>
+    </p:extLst>
+  </p:cSld>
+  <p:clrMapOvr>
+    <a:masterClrMapping/>
+  </p:clrMapOvr>
+</p:sld>
+</file>
+
+<file path=ppt/slides/slide26.xml><?xml version="1.0" encoding="utf-8"?>
+<p:sld xmlns:a="http://schemas.openxmlformats.org/drawingml/2006/main" xmlns:r="http://schemas.openxmlformats.org/officeDocument/2006/relationships" xmlns:p="http://schemas.openxmlformats.org/presentationml/2006/main">
+  <p:cSld>
+    <p:spTree>
+      <p:nvGrpSpPr>
+        <p:cNvPr id="1" name=""/>
+        <p:cNvGrpSpPr/>
+        <p:nvPr/>
+      </p:nvGrpSpPr>
+      <p:grpSpPr>
+        <a:xfrm>
+          <a:off x="0" y="0"/>
+          <a:ext cx="0" cy="0"/>
+          <a:chOff x="0" y="0"/>
+          <a:chExt cx="0" cy="0"/>
+        </a:xfrm>
+      </p:grpSpPr>
+      <p:sp>
+        <p:nvSpPr>
+          <p:cNvPr id="6" name="標題 5">
+            <a:extLst>
+              <a:ext uri="{FF2B5EF4-FFF2-40B4-BE49-F238E27FC236}">
+                <a16:creationId xmlns:a16="http://schemas.microsoft.com/office/drawing/2014/main" id="{CEFB1CD5-529D-4554-A17B-56C74881AE9C}"/>
+              </a:ext>
+            </a:extLst>
+          </p:cNvPr>
+          <p:cNvSpPr>
+            <a:spLocks noGrp="1"/>
+          </p:cNvSpPr>
+          <p:nvPr>
+            <p:ph type="title"/>
+          </p:nvPr>
+        </p:nvSpPr>
+        <p:spPr/>
+        <p:txBody>
+          <a:bodyPr>
+            <a:normAutofit/>
+          </a:bodyPr>
+          <a:lstStyle/>
+          <a:p>
+            <a:pPr algn="ctr"/>
+            <a:r>
+              <a:rPr lang="zh-TW" altLang="en-US" sz="6600" dirty="0">
+                <a:hlinkClick r:id="rId2"/>
+              </a:rPr>
+              <a:t>檔案安裝</a:t>
+            </a:r>
+            <a:endParaRPr lang="zh-TW" altLang="en-US" sz="6600" dirty="0"/>
+          </a:p>
+        </p:txBody>
+      </p:sp>
+      <p:sp>
+        <p:nvSpPr>
+          <p:cNvPr id="5" name="頁尾版面配置區 4">
+            <a:extLst>
+              <a:ext uri="{FF2B5EF4-FFF2-40B4-BE49-F238E27FC236}">
+                <a16:creationId xmlns:a16="http://schemas.microsoft.com/office/drawing/2014/main" id="{5FBC6AA1-9B34-4AD7-A5FD-F5B288317574}"/>
+              </a:ext>
+            </a:extLst>
+          </p:cNvPr>
+          <p:cNvSpPr>
+            <a:spLocks noGrp="1"/>
+          </p:cNvSpPr>
+          <p:nvPr>
+            <p:ph type="ftr" sz="quarter" idx="11"/>
+          </p:nvPr>
+        </p:nvSpPr>
+        <p:spPr/>
+        <p:txBody>
+          <a:bodyPr/>
+          <a:lstStyle/>
+          <a:p>
+            <a:r>
+              <a:rPr lang="zh-TW" altLang="en-US"/>
+              <a:t>陳詩恩 </a:t>
+            </a:r>
+            <a:r>
+              <a:rPr lang="en-US" altLang="zh-TW"/>
+              <a:t>© 2022 </a:t>
+            </a:r>
+            <a:endParaRPr lang="en-US" dirty="0"/>
+          </a:p>
+        </p:txBody>
+      </p:sp>
+      <p:pic>
+        <p:nvPicPr>
+          <p:cNvPr id="4" name="內容版面配置區 3">
+            <a:extLst>
+              <a:ext uri="{FF2B5EF4-FFF2-40B4-BE49-F238E27FC236}">
+                <a16:creationId xmlns:a16="http://schemas.microsoft.com/office/drawing/2014/main" id="{5986C76E-D1C8-48B3-8335-114CBB3F9059}"/>
+              </a:ext>
+            </a:extLst>
+          </p:cNvPr>
+          <p:cNvPicPr>
+            <a:picLocks noGrp="1" noChangeAspect="1"/>
+          </p:cNvPicPr>
+          <p:nvPr>
+            <p:ph idx="1"/>
+          </p:nvPr>
+        </p:nvPicPr>
+        <p:blipFill>
+          <a:blip r:embed="rId3"/>
+          <a:stretch>
+            <a:fillRect/>
+          </a:stretch>
+        </p:blipFill>
+        <p:spPr>
+          <a:xfrm>
+            <a:off x="3837528" y="2249488"/>
+            <a:ext cx="4513769" cy="3541712"/>
+          </a:xfrm>
+          <a:prstGeom prst="rect">
+            <a:avLst/>
+          </a:prstGeom>
+        </p:spPr>
+      </p:pic>
+      <p:pic>
+        <p:nvPicPr>
+          <p:cNvPr id="7" name="圖片 6">
+            <a:extLst>
+              <a:ext uri="{FF2B5EF4-FFF2-40B4-BE49-F238E27FC236}">
+                <a16:creationId xmlns:a16="http://schemas.microsoft.com/office/drawing/2014/main" id="{B7244E46-2574-4F0C-BCF0-0D5C5000B38F}"/>
+              </a:ext>
+            </a:extLst>
+          </p:cNvPr>
+          <p:cNvPicPr>
+            <a:picLocks noChangeAspect="1"/>
+          </p:cNvPicPr>
+          <p:nvPr/>
+        </p:nvPicPr>
+        <p:blipFill>
+          <a:blip r:embed="rId4"/>
+          <a:stretch>
+            <a:fillRect/>
+          </a:stretch>
+        </p:blipFill>
+        <p:spPr>
+          <a:xfrm>
+            <a:off x="166673" y="2249488"/>
+            <a:ext cx="3635055" cy="1425063"/>
+          </a:xfrm>
+          <a:prstGeom prst="rect">
+            <a:avLst/>
+          </a:prstGeom>
+        </p:spPr>
+      </p:pic>
+    </p:spTree>
+    <p:extLst>
+      <p:ext uri="{BB962C8B-B14F-4D97-AF65-F5344CB8AC3E}">
+        <p14:creationId xmlns:p14="http://schemas.microsoft.com/office/powerpoint/2010/main" val="1952056190"/>
+      </p:ext>
+    </p:extLst>
+  </p:cSld>
+  <p:clrMapOvr>
+    <a:masterClrMapping/>
+  </p:clrMapOvr>
+</p:sld>
+</file>
+
+<file path=ppt/slides/slide27.xml><?xml version="1.0" encoding="utf-8"?>
+<p:sld xmlns:a="http://schemas.openxmlformats.org/drawingml/2006/main" xmlns:r="http://schemas.openxmlformats.org/officeDocument/2006/relationships" xmlns:p="http://schemas.openxmlformats.org/presentationml/2006/main">
+  <p:cSld>
+    <p:spTree>
+      <p:nvGrpSpPr>
+        <p:cNvPr id="1" name=""/>
+        <p:cNvGrpSpPr/>
+        <p:nvPr/>
+      </p:nvGrpSpPr>
+      <p:grpSpPr>
+        <a:xfrm>
+          <a:off x="0" y="0"/>
+          <a:ext cx="0" cy="0"/>
+          <a:chOff x="0" y="0"/>
+          <a:chExt cx="0" cy="0"/>
+        </a:xfrm>
+      </p:grpSpPr>
+      <p:sp>
+        <p:nvSpPr>
+          <p:cNvPr id="2" name="標題 1">
+            <a:extLst>
+              <a:ext uri="{FF2B5EF4-FFF2-40B4-BE49-F238E27FC236}">
+                <a16:creationId xmlns:a16="http://schemas.microsoft.com/office/drawing/2014/main" id="{09D7B6D9-2F4A-487C-885B-835FADF2B091}"/>
+              </a:ext>
+            </a:extLst>
+          </p:cNvPr>
+          <p:cNvSpPr>
+            <a:spLocks noGrp="1"/>
+          </p:cNvSpPr>
+          <p:nvPr>
+            <p:ph type="title"/>
+          </p:nvPr>
+        </p:nvSpPr>
+        <p:spPr/>
+        <p:txBody>
+          <a:bodyPr vert="horz" lIns="91440" tIns="45720" rIns="91440" bIns="45720" rtlCol="0" anchor="ctr">
+            <a:normAutofit/>
+          </a:bodyPr>
+          <a:lstStyle/>
+          <a:p>
+            <a:pPr algn="ctr"/>
+            <a:r>
+              <a:rPr lang="zh-TW" altLang="en-US" sz="6600" dirty="0"/>
+              <a:t>感想 </a:t>
+            </a:r>
+            <a:r>
+              <a:rPr lang="en-US" altLang="zh-TW" sz="6600" dirty="0"/>
+              <a:t>– </a:t>
+            </a:r>
+            <a:r>
+              <a:rPr lang="zh-TW" altLang="en-US" sz="6600" dirty="0"/>
+              <a:t>學習到的事</a:t>
+            </a:r>
+          </a:p>
+        </p:txBody>
+      </p:sp>
+      <p:sp>
+        <p:nvSpPr>
+          <p:cNvPr id="3" name="內容版面配置區 2">
+            <a:extLst>
+              <a:ext uri="{FF2B5EF4-FFF2-40B4-BE49-F238E27FC236}">
+                <a16:creationId xmlns:a16="http://schemas.microsoft.com/office/drawing/2014/main" id="{4743127E-EF38-4E67-B114-90664869F23D}"/>
+              </a:ext>
+            </a:extLst>
+          </p:cNvPr>
+          <p:cNvSpPr>
+            <a:spLocks noGrp="1"/>
+          </p:cNvSpPr>
+          <p:nvPr>
+            <p:ph idx="1"/>
+          </p:nvPr>
+        </p:nvSpPr>
+        <p:spPr/>
+        <p:txBody>
+          <a:bodyPr>
+            <a:normAutofit fontScale="92500" lnSpcReduction="10000"/>
+          </a:bodyPr>
+          <a:lstStyle/>
+          <a:p>
+            <a:pPr marL="0" indent="0" algn="just">
+              <a:buNone/>
+            </a:pPr>
+            <a:r>
+              <a:rPr lang="zh-TW" altLang="en-US" sz="2800" dirty="0"/>
+              <a:t>拍手偵測到的頻率約在</a:t>
+            </a:r>
+            <a:r>
+              <a:rPr lang="en-US" altLang="zh-TW" sz="2800" dirty="0">
+                <a:latin typeface="+mj-ea"/>
+                <a:ea typeface="+mj-ea"/>
+              </a:rPr>
+              <a:t>7,000hz~9,000hz(</a:t>
+            </a:r>
+            <a:r>
+              <a:rPr lang="zh-TW" altLang="en-US" sz="2800" dirty="0">
+                <a:latin typeface="+mj-ea"/>
+                <a:ea typeface="+mj-ea"/>
+              </a:rPr>
+              <a:t>可高達</a:t>
+            </a:r>
+            <a:r>
+              <a:rPr lang="en-US" altLang="zh-TW" sz="2800" dirty="0">
+                <a:latin typeface="+mj-ea"/>
+                <a:ea typeface="+mj-ea"/>
+              </a:rPr>
+              <a:t>10,000</a:t>
+            </a:r>
+            <a:r>
+              <a:rPr lang="zh-TW" altLang="en-US" sz="2800" dirty="0">
+                <a:latin typeface="+mj-ea"/>
+                <a:ea typeface="+mj-ea"/>
+              </a:rPr>
+              <a:t>↑</a:t>
+            </a:r>
+            <a:r>
+              <a:rPr lang="en-US" altLang="zh-TW" sz="2800" dirty="0" err="1">
+                <a:latin typeface="+mj-ea"/>
+                <a:ea typeface="+mj-ea"/>
+              </a:rPr>
+              <a:t>hz</a:t>
+            </a:r>
+            <a:r>
+              <a:rPr lang="en-US" altLang="zh-TW" sz="2800" dirty="0">
+                <a:latin typeface="+mj-ea"/>
+                <a:ea typeface="+mj-ea"/>
+              </a:rPr>
+              <a:t>)</a:t>
+            </a:r>
+            <a:r>
+              <a:rPr lang="zh-TW" altLang="en-US" sz="2800" dirty="0">
+                <a:latin typeface="+mj-ea"/>
+                <a:ea typeface="+mj-ea"/>
+              </a:rPr>
+              <a:t>。</a:t>
+            </a:r>
+            <a:endParaRPr lang="en-US" altLang="zh-TW" sz="2800" dirty="0">
+              <a:latin typeface="+mj-ea"/>
+              <a:ea typeface="+mj-ea"/>
+            </a:endParaRPr>
+          </a:p>
+          <a:p>
+            <a:pPr marL="0" indent="0" algn="just">
+              <a:buNone/>
+            </a:pPr>
+            <a:r>
+              <a:rPr lang="zh-TW" altLang="en-US" sz="2800" dirty="0"/>
+              <a:t>雲科宿舍電風扇大約落在</a:t>
+            </a:r>
+            <a:r>
+              <a:rPr lang="en-US" altLang="zh-TW" sz="2800" dirty="0">
+                <a:latin typeface="+mj-ea"/>
+                <a:ea typeface="+mj-ea"/>
+              </a:rPr>
+              <a:t>7000hz</a:t>
+            </a:r>
+            <a:r>
+              <a:rPr lang="zh-TW" altLang="en-US" sz="2800" dirty="0"/>
+              <a:t>左右。</a:t>
+            </a:r>
+            <a:endParaRPr lang="en-US" altLang="zh-TW" sz="2800" dirty="0"/>
+          </a:p>
+          <a:p>
+            <a:pPr marL="0" indent="0" algn="just">
+              <a:buNone/>
+            </a:pPr>
+            <a:r>
+              <a:rPr lang="zh-TW" altLang="en-US" sz="2800" dirty="0"/>
+              <a:t>當初在改用 </a:t>
+            </a:r>
+            <a:r>
+              <a:rPr lang="en-US" altLang="zh-TW" sz="2800" dirty="0">
+                <a:latin typeface="+mj-ea"/>
+                <a:ea typeface="+mj-ea"/>
+              </a:rPr>
+              <a:t>Module </a:t>
+            </a:r>
+            <a:r>
+              <a:rPr lang="zh-TW" altLang="en-US" sz="2800" dirty="0">
+                <a:latin typeface="+mj-ea"/>
+                <a:ea typeface="+mj-ea"/>
+              </a:rPr>
+              <a:t>時，變數的 </a:t>
+            </a:r>
+            <a:r>
+              <a:rPr lang="en-US" altLang="zh-TW" sz="2800" dirty="0">
+                <a:latin typeface="+mj-ea"/>
+                <a:ea typeface="+mj-ea"/>
+              </a:rPr>
+              <a:t>Scope </a:t>
+            </a:r>
+            <a:r>
+              <a:rPr lang="zh-TW" altLang="en-US" sz="2800" dirty="0">
+                <a:latin typeface="+mj-ea"/>
+                <a:ea typeface="+mj-ea"/>
+              </a:rPr>
+              <a:t>會比原有的區域和全域變數來的更加複雜，直接影響到架構跟寫法，在寫</a:t>
+            </a:r>
+            <a:r>
+              <a:rPr lang="en-US" altLang="zh-TW" sz="2800" dirty="0">
+                <a:latin typeface="+mj-ea"/>
+                <a:ea typeface="+mj-ea"/>
+              </a:rPr>
+              <a:t>Module</a:t>
+            </a:r>
+            <a:r>
+              <a:rPr lang="zh-TW" altLang="en-US" sz="2800" dirty="0">
+                <a:latin typeface="+mj-ea"/>
+                <a:ea typeface="+mj-ea"/>
+              </a:rPr>
+              <a:t>是遇到最多問題的。</a:t>
+            </a:r>
+            <a:endParaRPr lang="en-US" altLang="zh-TW" sz="2800" dirty="0">
+              <a:latin typeface="+mj-ea"/>
+              <a:ea typeface="+mj-ea"/>
+            </a:endParaRPr>
+          </a:p>
+          <a:p>
+            <a:pPr marL="0" indent="0" algn="just">
+              <a:buNone/>
+            </a:pPr>
+            <a:r>
+              <a:rPr lang="zh-TW" altLang="en-US" sz="2800" dirty="0">
+                <a:latin typeface="+mj-ea"/>
+                <a:ea typeface="+mj-ea"/>
+              </a:rPr>
+              <a:t>第二複雜的就是</a:t>
+            </a:r>
+            <a:r>
+              <a:rPr lang="en-US" altLang="zh-TW" sz="2800" dirty="0">
+                <a:latin typeface="+mj-ea"/>
+                <a:ea typeface="+mj-ea"/>
+              </a:rPr>
+              <a:t>GUI</a:t>
+            </a:r>
+            <a:r>
+              <a:rPr lang="zh-TW" altLang="en-US" sz="2800" dirty="0">
+                <a:latin typeface="+mj-ea"/>
+                <a:ea typeface="+mj-ea"/>
+              </a:rPr>
+              <a:t>切換每個</a:t>
+            </a:r>
+            <a:r>
+              <a:rPr lang="en-US" altLang="zh-TW" sz="2800" dirty="0">
+                <a:latin typeface="+mj-ea"/>
+                <a:ea typeface="+mj-ea"/>
+              </a:rPr>
+              <a:t>GUI</a:t>
+            </a:r>
+            <a:r>
+              <a:rPr lang="zh-TW" altLang="en-US" sz="2800" dirty="0">
+                <a:latin typeface="+mj-ea"/>
+                <a:ea typeface="+mj-ea"/>
+              </a:rPr>
+              <a:t>在切換時哪些資源要釋放，哪些資源要保留，需要定義清楚。</a:t>
+            </a:r>
+            <a:endParaRPr lang="en-US" altLang="zh-TW" sz="2800" dirty="0">
+              <a:latin typeface="+mj-ea"/>
+              <a:ea typeface="+mj-ea"/>
+            </a:endParaRPr>
+          </a:p>
+          <a:p>
+            <a:pPr marL="0" indent="0" algn="just">
+              <a:buNone/>
+            </a:pPr>
+            <a:endParaRPr lang="en-US" altLang="zh-TW" sz="2800" dirty="0">
+              <a:latin typeface="+mj-ea"/>
+              <a:ea typeface="+mj-ea"/>
+            </a:endParaRPr>
+          </a:p>
+        </p:txBody>
+      </p:sp>
+      <p:sp>
+        <p:nvSpPr>
+          <p:cNvPr id="4" name="頁尾版面配置區 3">
+            <a:extLst>
+              <a:ext uri="{FF2B5EF4-FFF2-40B4-BE49-F238E27FC236}">
+                <a16:creationId xmlns:a16="http://schemas.microsoft.com/office/drawing/2014/main" id="{5188988D-9E3B-4F4A-B0C7-88EB272A6D62}"/>
+              </a:ext>
+            </a:extLst>
+          </p:cNvPr>
+          <p:cNvSpPr>
+            <a:spLocks noGrp="1"/>
+          </p:cNvSpPr>
+          <p:nvPr>
+            <p:ph type="ftr" sz="quarter" idx="11"/>
+          </p:nvPr>
+        </p:nvSpPr>
+        <p:spPr/>
+        <p:txBody>
+          <a:bodyPr/>
+          <a:lstStyle/>
+          <a:p>
+            <a:r>
+              <a:rPr lang="zh-TW" altLang="en-US"/>
+              <a:t>陳詩恩 </a:t>
+            </a:r>
+            <a:r>
+              <a:rPr lang="en-US" altLang="zh-TW"/>
+              <a:t>© 2022 </a:t>
+            </a:r>
+            <a:endParaRPr lang="en-US" dirty="0"/>
+          </a:p>
+        </p:txBody>
+      </p:sp>
+    </p:spTree>
+    <p:extLst>
+      <p:ext uri="{BB962C8B-B14F-4D97-AF65-F5344CB8AC3E}">
+        <p14:creationId xmlns:p14="http://schemas.microsoft.com/office/powerpoint/2010/main" val="3683366810"/>
+      </p:ext>
+    </p:extLst>
+  </p:cSld>
+  <p:clrMapOvr>
+    <a:masterClrMapping/>
+  </p:clrMapOvr>
+</p:sld>
+</file>
+
+<file path=ppt/slides/slide28.xml><?xml version="1.0" encoding="utf-8"?>
+<p:sld xmlns:a="http://schemas.openxmlformats.org/drawingml/2006/main" xmlns:r="http://schemas.openxmlformats.org/officeDocument/2006/relationships" xmlns:p="http://schemas.openxmlformats.org/presentationml/2006/main">
+  <p:cSld>
+    <p:spTree>
+      <p:nvGrpSpPr>
+        <p:cNvPr id="1" name=""/>
+        <p:cNvGrpSpPr/>
+        <p:nvPr/>
+      </p:nvGrpSpPr>
+      <p:grpSpPr>
+        <a:xfrm>
+          <a:off x="0" y="0"/>
+          <a:ext cx="0" cy="0"/>
+          <a:chOff x="0" y="0"/>
+          <a:chExt cx="0" cy="0"/>
+        </a:xfrm>
+      </p:grpSpPr>
+      <p:sp>
+        <p:nvSpPr>
+          <p:cNvPr id="6" name="標題 5">
+            <a:extLst>
+              <a:ext uri="{FF2B5EF4-FFF2-40B4-BE49-F238E27FC236}">
+                <a16:creationId xmlns:a16="http://schemas.microsoft.com/office/drawing/2014/main" id="{CEFB1CD5-529D-4554-A17B-56C74881AE9C}"/>
+              </a:ext>
+            </a:extLst>
+          </p:cNvPr>
+          <p:cNvSpPr>
+            <a:spLocks noGrp="1"/>
+          </p:cNvSpPr>
+          <p:nvPr>
+            <p:ph type="title"/>
+          </p:nvPr>
+        </p:nvSpPr>
+        <p:spPr/>
+        <p:txBody>
+          <a:bodyPr>
+            <a:normAutofit/>
+          </a:bodyPr>
+          <a:lstStyle/>
+          <a:p>
+            <a:pPr algn="ctr"/>
+            <a:r>
+              <a:rPr lang="en-US" altLang="zh-TW" sz="6600" dirty="0">
+                <a:hlinkClick r:id="rId2"/>
+              </a:rPr>
+              <a:t>3D </a:t>
+            </a:r>
+            <a:r>
+              <a:rPr lang="zh-TW" altLang="en-US" sz="6600" dirty="0">
+                <a:hlinkClick r:id="rId2"/>
+              </a:rPr>
+              <a:t>簡協震動 </a:t>
+            </a:r>
+            <a:r>
+              <a:rPr lang="en-US" altLang="zh-TW" sz="6600" dirty="0">
+                <a:hlinkClick r:id="rId2"/>
+              </a:rPr>
+              <a:t>- </a:t>
+            </a:r>
+            <a:r>
+              <a:rPr lang="zh-TW" altLang="en-US" sz="6600" dirty="0">
+                <a:hlinkClick r:id="rId2"/>
+              </a:rPr>
+              <a:t>影片</a:t>
+            </a:r>
+            <a:endParaRPr lang="zh-TW" altLang="en-US" sz="6600" dirty="0"/>
+          </a:p>
+        </p:txBody>
+      </p:sp>
+      <p:sp>
+        <p:nvSpPr>
+          <p:cNvPr id="5" name="頁尾版面配置區 4">
+            <a:extLst>
+              <a:ext uri="{FF2B5EF4-FFF2-40B4-BE49-F238E27FC236}">
+                <a16:creationId xmlns:a16="http://schemas.microsoft.com/office/drawing/2014/main" id="{5FBC6AA1-9B34-4AD7-A5FD-F5B288317574}"/>
+              </a:ext>
+            </a:extLst>
+          </p:cNvPr>
+          <p:cNvSpPr>
+            <a:spLocks noGrp="1"/>
+          </p:cNvSpPr>
+          <p:nvPr>
+            <p:ph type="ftr" sz="quarter" idx="11"/>
+          </p:nvPr>
+        </p:nvSpPr>
+        <p:spPr/>
+        <p:txBody>
+          <a:bodyPr/>
+          <a:lstStyle/>
+          <a:p>
+            <a:r>
+              <a:rPr lang="zh-TW" altLang="en-US"/>
+              <a:t>陳詩恩 </a:t>
+            </a:r>
+            <a:r>
+              <a:rPr lang="en-US" altLang="zh-TW"/>
+              <a:t>© 2022 </a:t>
+            </a:r>
+            <a:endParaRPr lang="en-US" dirty="0"/>
+          </a:p>
+        </p:txBody>
+      </p:sp>
+      <p:pic>
+        <p:nvPicPr>
+          <p:cNvPr id="15" name="內容版面配置區 14">
+            <a:extLst>
+              <a:ext uri="{FF2B5EF4-FFF2-40B4-BE49-F238E27FC236}">
+                <a16:creationId xmlns:a16="http://schemas.microsoft.com/office/drawing/2014/main" id="{8C316C61-EC32-41B7-8B2D-86273A46E6D3}"/>
+              </a:ext>
+            </a:extLst>
+          </p:cNvPr>
+          <p:cNvPicPr>
+            <a:picLocks noGrp="1" noChangeAspect="1"/>
+          </p:cNvPicPr>
+          <p:nvPr>
+            <p:ph idx="1"/>
+          </p:nvPr>
+        </p:nvPicPr>
+        <p:blipFill>
+          <a:blip r:embed="rId3"/>
+          <a:stretch>
+            <a:fillRect/>
+          </a:stretch>
+        </p:blipFill>
+        <p:spPr>
+          <a:xfrm>
+            <a:off x="3709400" y="2249488"/>
+            <a:ext cx="4770026" cy="3541712"/>
+          </a:xfrm>
+          <a:prstGeom prst="rect">
+            <a:avLst/>
+          </a:prstGeom>
+        </p:spPr>
+      </p:pic>
+    </p:spTree>
+    <p:extLst>
+      <p:ext uri="{BB962C8B-B14F-4D97-AF65-F5344CB8AC3E}">
+        <p14:creationId xmlns:p14="http://schemas.microsoft.com/office/powerpoint/2010/main" val="1058363310"/>
+      </p:ext>
+    </p:extLst>
+  </p:cSld>
+  <p:clrMapOvr>
+    <a:masterClrMapping/>
+  </p:clrMapOvr>
+</p:sld>
+</file>
+
+<file path=ppt/slides/slide3.xml><?xml version="1.0" encoding="utf-8"?>
+<p:sld xmlns:a="http://schemas.openxmlformats.org/drawingml/2006/main" xmlns:r="http://schemas.openxmlformats.org/officeDocument/2006/relationships" xmlns:p="http://schemas.openxmlformats.org/presentationml/2006/main">
+  <p:cSld>
+    <p:spTree>
+      <p:nvGrpSpPr>
+        <p:cNvPr id="1" name=""/>
+        <p:cNvGrpSpPr/>
+        <p:nvPr/>
+      </p:nvGrpSpPr>
+      <p:grpSpPr>
+        <a:xfrm>
+          <a:off x="0" y="0"/>
+          <a:ext cx="0" cy="0"/>
+          <a:chOff x="0" y="0"/>
+          <a:chExt cx="0" cy="0"/>
+        </a:xfrm>
+      </p:grpSpPr>
+      <p:sp>
+        <p:nvSpPr>
+          <p:cNvPr id="2" name="標題 1">
+            <a:extLst>
+              <a:ext uri="{FF2B5EF4-FFF2-40B4-BE49-F238E27FC236}">
+                <a16:creationId xmlns:a16="http://schemas.microsoft.com/office/drawing/2014/main" id="{09D7B6D9-2F4A-487C-885B-835FADF2B091}"/>
+              </a:ext>
+            </a:extLst>
+          </p:cNvPr>
+          <p:cNvSpPr>
+            <a:spLocks noGrp="1"/>
+          </p:cNvSpPr>
+          <p:nvPr>
+            <p:ph type="title"/>
+          </p:nvPr>
+        </p:nvSpPr>
+        <p:spPr/>
+        <p:txBody>
+          <a:bodyPr vert="horz" lIns="91440" tIns="45720" rIns="91440" bIns="45720" rtlCol="0" anchor="ctr">
+            <a:normAutofit/>
+          </a:bodyPr>
+          <a:lstStyle/>
+          <a:p>
+            <a:pPr algn="ctr"/>
+            <a:r>
+              <a:rPr lang="zh-TW" altLang="en-US" sz="6600" dirty="0"/>
+              <a:t>使用依賴</a:t>
+            </a:r>
+          </a:p>
+        </p:txBody>
+      </p:sp>
+      <p:graphicFrame>
+        <p:nvGraphicFramePr>
+          <p:cNvPr id="6" name="內容版面配置區 5">
+            <a:extLst>
+              <a:ext uri="{FF2B5EF4-FFF2-40B4-BE49-F238E27FC236}">
+                <a16:creationId xmlns:a16="http://schemas.microsoft.com/office/drawing/2014/main" id="{64D72AC8-2916-4CEB-8DA5-4351158E3FE6}"/>
+              </a:ext>
+            </a:extLst>
+          </p:cNvPr>
+          <p:cNvGraphicFramePr>
+            <a:graphicFrameLocks noGrp="1"/>
+          </p:cNvGraphicFramePr>
+          <p:nvPr>
+            <p:ph idx="1"/>
+            <p:extLst>
+              <p:ext uri="{D42A27DB-BD31-4B8C-83A1-F6EECF244321}">
+                <p14:modId xmlns:p14="http://schemas.microsoft.com/office/powerpoint/2010/main" val="2329718452"/>
+              </p:ext>
+            </p:extLst>
+          </p:nvPr>
+        </p:nvGraphicFramePr>
+        <p:xfrm>
+          <a:off x="1141410" y="2360426"/>
+          <a:ext cx="9906000" cy="2586038"/>
+        </p:xfrm>
+        <a:graphic>
+          <a:graphicData uri="http://schemas.openxmlformats.org/drawingml/2006/table">
+            <a:tbl>
+              <a:tblPr firstRow="1" bandRow="1">
+                <a:tableStyleId>{5DA37D80-6434-44D0-A028-1B22A696006F}</a:tableStyleId>
+              </a:tblPr>
+              <a:tblGrid>
+                <a:gridCol w="2133632">
+                  <a:extLst>
+                    <a:ext uri="{9D8B030D-6E8A-4147-A177-3AD203B41FA5}">
+                      <a16:colId xmlns:a16="http://schemas.microsoft.com/office/drawing/2014/main" val="2121628466"/>
+                    </a:ext>
+                  </a:extLst>
+                </a:gridCol>
+                <a:gridCol w="7772368">
+                  <a:extLst>
+                    <a:ext uri="{9D8B030D-6E8A-4147-A177-3AD203B41FA5}">
+                      <a16:colId xmlns:a16="http://schemas.microsoft.com/office/drawing/2014/main" val="3831223776"/>
+                    </a:ext>
+                  </a:extLst>
+                </a:gridCol>
+              </a:tblGrid>
+              <a:tr h="1293019">
+                <a:tc>
+                  <a:txBody>
+                    <a:bodyPr/>
+                    <a:lstStyle/>
+                    <a:p>
+                      <a:pPr algn="ctr"/>
+                      <a:r>
+                        <a:rPr lang="en-US" altLang="zh-TW" sz="4000" dirty="0"/>
+                        <a:t>P5.js</a:t>
+                      </a:r>
+                      <a:endParaRPr lang="zh-TW" altLang="en-US" sz="4000" dirty="0"/>
+                    </a:p>
+                  </a:txBody>
+                  <a:tcPr anchor="ctr"/>
+                </a:tc>
+                <a:tc>
+                  <a:txBody>
+                    <a:bodyPr/>
+                    <a:lstStyle/>
+                    <a:p>
+                      <a:r>
+                        <a:rPr lang="zh-TW" altLang="en-US" sz="2000" dirty="0"/>
+                        <a:t>作為主要繪製</a:t>
+                      </a:r>
+                      <a:r>
+                        <a:rPr lang="en-US" altLang="zh-TW" sz="2000" dirty="0"/>
+                        <a:t>3D</a:t>
+                      </a:r>
+                      <a:endParaRPr lang="zh-TW" altLang="en-US" sz="2000" dirty="0"/>
+                    </a:p>
+                  </a:txBody>
+                  <a:tcPr anchor="ctr"/>
+                </a:tc>
+                <a:extLst>
+                  <a:ext uri="{0D108BD9-81ED-4DB2-BD59-A6C34878D82A}">
+                    <a16:rowId xmlns:a16="http://schemas.microsoft.com/office/drawing/2014/main" val="1574943360"/>
+                  </a:ext>
+                </a:extLst>
+              </a:tr>
+              <a:tr h="1293019">
+                <a:tc>
+                  <a:txBody>
+                    <a:bodyPr/>
+                    <a:lstStyle/>
+                    <a:p>
+                      <a:pPr algn="ctr"/>
+                      <a:r>
+                        <a:rPr lang="en-US" altLang="zh-TW" sz="4000" dirty="0"/>
+                        <a:t>Electron</a:t>
+                      </a:r>
+                      <a:endParaRPr lang="zh-TW" altLang="en-US" sz="4000" dirty="0"/>
+                    </a:p>
+                  </a:txBody>
+                  <a:tcPr anchor="ctr"/>
+                </a:tc>
+                <a:tc>
+                  <a:txBody>
+                    <a:bodyPr/>
+                    <a:lstStyle/>
+                    <a:p>
+                      <a:r>
+                        <a:rPr lang="zh-TW" altLang="en-US" sz="2000" dirty="0"/>
+                        <a:t>將專案打包成執行檔 </a:t>
+                      </a:r>
+                      <a:r>
+                        <a:rPr lang="en-US" altLang="zh-TW" sz="2000" dirty="0"/>
+                        <a:t>.exe</a:t>
+                      </a:r>
+                      <a:endParaRPr lang="zh-TW" altLang="en-US" sz="2000" dirty="0"/>
+                    </a:p>
+                  </a:txBody>
+                  <a:tcPr anchor="ctr"/>
+                </a:tc>
+                <a:extLst>
+                  <a:ext uri="{0D108BD9-81ED-4DB2-BD59-A6C34878D82A}">
+                    <a16:rowId xmlns:a16="http://schemas.microsoft.com/office/drawing/2014/main" val="1235622228"/>
+                  </a:ext>
+                </a:extLst>
+              </a:tr>
+            </a:tbl>
+          </a:graphicData>
+        </a:graphic>
+      </p:graphicFrame>
+      <p:sp>
+        <p:nvSpPr>
+          <p:cNvPr id="4" name="頁尾版面配置區 3">
+            <a:extLst>
+              <a:ext uri="{FF2B5EF4-FFF2-40B4-BE49-F238E27FC236}">
+                <a16:creationId xmlns:a16="http://schemas.microsoft.com/office/drawing/2014/main" id="{5188988D-9E3B-4F4A-B0C7-88EB272A6D62}"/>
+              </a:ext>
+            </a:extLst>
+          </p:cNvPr>
+          <p:cNvSpPr>
+            <a:spLocks noGrp="1"/>
+          </p:cNvSpPr>
+          <p:nvPr>
+            <p:ph type="ftr" sz="quarter" idx="11"/>
+          </p:nvPr>
+        </p:nvSpPr>
+        <p:spPr/>
+        <p:txBody>
+          <a:bodyPr/>
+          <a:lstStyle/>
+          <a:p>
+            <a:r>
+              <a:rPr lang="zh-TW" altLang="en-US"/>
+              <a:t>陳詩恩 </a:t>
+            </a:r>
+            <a:r>
+              <a:rPr lang="en-US" altLang="zh-TW"/>
+              <a:t>© 2022 </a:t>
+            </a:r>
+            <a:endParaRPr lang="en-US" dirty="0"/>
+          </a:p>
+        </p:txBody>
+      </p:sp>
+    </p:spTree>
+    <p:extLst>
+      <p:ext uri="{BB962C8B-B14F-4D97-AF65-F5344CB8AC3E}">
+        <p14:creationId xmlns:p14="http://schemas.microsoft.com/office/powerpoint/2010/main" val="3489598517"/>
+      </p:ext>
+    </p:extLst>
+  </p:cSld>
+  <p:clrMapOvr>
+    <a:masterClrMapping/>
+  </p:clrMapOvr>
+</p:sld>
+</file>
+
+<file path=ppt/slides/slide4.xml><?xml version="1.0" encoding="utf-8"?>
+<p:sld xmlns:a="http://schemas.openxmlformats.org/drawingml/2006/main" xmlns:r="http://schemas.openxmlformats.org/officeDocument/2006/relationships" xmlns:p="http://schemas.openxmlformats.org/presentationml/2006/main">
+  <p:cSld>
+    <p:spTree>
+      <p:nvGrpSpPr>
+        <p:cNvPr id="1" name=""/>
+        <p:cNvGrpSpPr/>
+        <p:nvPr/>
+      </p:nvGrpSpPr>
+      <p:grpSpPr>
+        <a:xfrm>
+          <a:off x="0" y="0"/>
+          <a:ext cx="0" cy="0"/>
+          <a:chOff x="0" y="0"/>
+          <a:chExt cx="0" cy="0"/>
+        </a:xfrm>
+      </p:grpSpPr>
+      <p:sp>
+        <p:nvSpPr>
+          <p:cNvPr id="2" name="標題 1">
+            <a:extLst>
+              <a:ext uri="{FF2B5EF4-FFF2-40B4-BE49-F238E27FC236}">
+                <a16:creationId xmlns:a16="http://schemas.microsoft.com/office/drawing/2014/main" id="{09D7B6D9-2F4A-487C-885B-835FADF2B091}"/>
+              </a:ext>
+            </a:extLst>
+          </p:cNvPr>
+          <p:cNvSpPr>
+            <a:spLocks noGrp="1"/>
+          </p:cNvSpPr>
+          <p:nvPr>
+            <p:ph type="title"/>
+          </p:nvPr>
+        </p:nvSpPr>
+        <p:spPr/>
+        <p:txBody>
+          <a:bodyPr vert="horz" lIns="91440" tIns="45720" rIns="91440" bIns="45720" rtlCol="0" anchor="ctr">
+            <a:normAutofit/>
+          </a:bodyPr>
+          <a:lstStyle/>
+          <a:p>
+            <a:pPr algn="ctr"/>
+            <a:r>
+              <a:rPr lang="zh-TW" altLang="en-US" sz="6600" dirty="0"/>
+              <a:t>程式碼</a:t>
+            </a:r>
+          </a:p>
+        </p:txBody>
+      </p:sp>
+      <p:sp>
+        <p:nvSpPr>
+          <p:cNvPr id="4" name="頁尾版面配置區 3">
+            <a:extLst>
+              <a:ext uri="{FF2B5EF4-FFF2-40B4-BE49-F238E27FC236}">
+                <a16:creationId xmlns:a16="http://schemas.microsoft.com/office/drawing/2014/main" id="{5188988D-9E3B-4F4A-B0C7-88EB272A6D62}"/>
+              </a:ext>
+            </a:extLst>
+          </p:cNvPr>
+          <p:cNvSpPr>
+            <a:spLocks noGrp="1"/>
+          </p:cNvSpPr>
+          <p:nvPr>
+            <p:ph type="ftr" sz="quarter" idx="11"/>
+          </p:nvPr>
+        </p:nvSpPr>
+        <p:spPr/>
+        <p:txBody>
+          <a:bodyPr/>
+          <a:lstStyle/>
+          <a:p>
+            <a:r>
+              <a:rPr lang="zh-TW" altLang="en-US"/>
+              <a:t>陳詩恩 </a:t>
+            </a:r>
+            <a:r>
+              <a:rPr lang="en-US" altLang="zh-TW"/>
+              <a:t>© 2022 </a:t>
+            </a:r>
+            <a:endParaRPr lang="en-US" dirty="0"/>
+          </a:p>
+        </p:txBody>
+      </p:sp>
+      <p:sp>
+        <p:nvSpPr>
+          <p:cNvPr id="5" name="內容版面配置區 4">
+            <a:extLst>
+              <a:ext uri="{FF2B5EF4-FFF2-40B4-BE49-F238E27FC236}">
+                <a16:creationId xmlns:a16="http://schemas.microsoft.com/office/drawing/2014/main" id="{9229A9CB-B1A8-4016-A40C-AF8CBB53FE6E}"/>
+              </a:ext>
+            </a:extLst>
+          </p:cNvPr>
+          <p:cNvSpPr>
+            <a:spLocks noGrp="1"/>
+          </p:cNvSpPr>
+          <p:nvPr>
+            <p:ph idx="1"/>
+          </p:nvPr>
+        </p:nvSpPr>
+        <p:spPr/>
+        <p:txBody>
+          <a:bodyPr/>
+          <a:lstStyle/>
+          <a:p>
+            <a:endParaRPr lang="zh-TW" altLang="en-US"/>
+          </a:p>
+        </p:txBody>
+      </p:sp>
+    </p:spTree>
+    <p:extLst>
+      <p:ext uri="{BB962C8B-B14F-4D97-AF65-F5344CB8AC3E}">
+        <p14:creationId xmlns:p14="http://schemas.microsoft.com/office/powerpoint/2010/main" val="3427854572"/>
+      </p:ext>
+    </p:extLst>
+  </p:cSld>
+  <p:clrMapOvr>
+    <a:masterClrMapping/>
+  </p:clrMapOvr>
+</p:sld>
+</file>
+
+<file path=ppt/slides/slide5.xml><?xml version="1.0" encoding="utf-8"?>
+<p:sld xmlns:a="http://schemas.openxmlformats.org/drawingml/2006/main" xmlns:r="http://schemas.openxmlformats.org/officeDocument/2006/relationships" xmlns:p="http://schemas.openxmlformats.org/presentationml/2006/main">
+  <p:cSld>
+    <p:spTree>
+      <p:nvGrpSpPr>
+        <p:cNvPr id="1" name=""/>
+        <p:cNvGrpSpPr/>
+        <p:nvPr/>
+      </p:nvGrpSpPr>
+      <p:grpSpPr>
+        <a:xfrm>
+          <a:off x="0" y="0"/>
+          <a:ext cx="0" cy="0"/>
+          <a:chOff x="0" y="0"/>
+          <a:chExt cx="0" cy="0"/>
+        </a:xfrm>
+      </p:grpSpPr>
+      <p:sp>
+        <p:nvSpPr>
+          <p:cNvPr id="2" name="直排標題 1">
+            <a:extLst>
+              <a:ext uri="{FF2B5EF4-FFF2-40B4-BE49-F238E27FC236}">
+                <a16:creationId xmlns:a16="http://schemas.microsoft.com/office/drawing/2014/main" id="{1CA659AF-ADFA-4A03-98C7-427C4711A55C}"/>
+              </a:ext>
+            </a:extLst>
+          </p:cNvPr>
+          <p:cNvSpPr>
+            <a:spLocks noGrp="1"/>
+          </p:cNvSpPr>
+          <p:nvPr>
+            <p:ph type="title" orient="vert"/>
+          </p:nvPr>
+        </p:nvSpPr>
+        <p:spPr/>
+        <p:txBody>
+          <a:bodyPr/>
+          <a:lstStyle/>
+          <a:p>
+            <a:r>
+              <a:rPr lang="zh-TW" altLang="en-US" dirty="0"/>
+              <a:t>主程式</a:t>
+            </a:r>
+          </a:p>
+        </p:txBody>
+      </p:sp>
+      <p:sp>
+        <p:nvSpPr>
+          <p:cNvPr id="3" name="頁尾版面配置區 2">
+            <a:extLst>
+              <a:ext uri="{FF2B5EF4-FFF2-40B4-BE49-F238E27FC236}">
+                <a16:creationId xmlns:a16="http://schemas.microsoft.com/office/drawing/2014/main" id="{9CC5DA43-6CA6-40FC-8C18-46751954E326}"/>
+              </a:ext>
+            </a:extLst>
+          </p:cNvPr>
+          <p:cNvSpPr>
+            <a:spLocks noGrp="1"/>
+          </p:cNvSpPr>
+          <p:nvPr>
+            <p:ph type="ftr" sz="quarter" idx="11"/>
+          </p:nvPr>
+        </p:nvSpPr>
+        <p:spPr/>
+        <p:txBody>
+          <a:bodyPr/>
+          <a:lstStyle/>
+          <a:p>
+            <a:r>
+              <a:rPr lang="zh-TW" altLang="en-US"/>
+              <a:t>陳詩恩 </a:t>
+            </a:r>
+            <a:r>
+              <a:rPr lang="en-US" altLang="zh-TW"/>
+              <a:t>© 2022 </a:t>
+            </a:r>
+            <a:endParaRPr lang="en-US" dirty="0"/>
+          </a:p>
+        </p:txBody>
+      </p:sp>
+      <p:pic>
+        <p:nvPicPr>
+          <p:cNvPr id="7" name="內容版面配置區 6">
+            <a:extLst>
+              <a:ext uri="{FF2B5EF4-FFF2-40B4-BE49-F238E27FC236}">
+                <a16:creationId xmlns:a16="http://schemas.microsoft.com/office/drawing/2014/main" id="{834E2150-B17A-4A6B-B281-2ADDAC0A96DF}"/>
+              </a:ext>
+            </a:extLst>
+          </p:cNvPr>
+          <p:cNvPicPr>
+            <a:picLocks noGrp="1" noChangeAspect="1"/>
+          </p:cNvPicPr>
+          <p:nvPr>
+            <p:ph sz="half" idx="1"/>
+          </p:nvPr>
+        </p:nvPicPr>
+        <p:blipFill>
+          <a:blip r:embed="rId2"/>
+          <a:stretch>
+            <a:fillRect/>
+          </a:stretch>
+        </p:blipFill>
+        <p:spPr>
+          <a:xfrm>
+            <a:off x="1141413" y="1100757"/>
+            <a:ext cx="3262312" cy="4199285"/>
+          </a:xfrm>
+          <a:prstGeom prst="rect">
+            <a:avLst/>
+          </a:prstGeom>
+        </p:spPr>
+      </p:pic>
+      <p:sp>
+        <p:nvSpPr>
+          <p:cNvPr id="5" name="內容版面配置區 4">
+            <a:extLst>
+              <a:ext uri="{FF2B5EF4-FFF2-40B4-BE49-F238E27FC236}">
+                <a16:creationId xmlns:a16="http://schemas.microsoft.com/office/drawing/2014/main" id="{E63E16D1-D680-4A01-9520-6C7D7C0A3592}"/>
+              </a:ext>
+            </a:extLst>
+          </p:cNvPr>
+          <p:cNvSpPr>
+            <a:spLocks noGrp="1"/>
+          </p:cNvSpPr>
+          <p:nvPr>
+            <p:ph sz="half" idx="13"/>
+          </p:nvPr>
+        </p:nvSpPr>
+        <p:spPr/>
+        <p:txBody>
+          <a:bodyPr/>
+          <a:lstStyle/>
+          <a:p>
+            <a:r>
+              <a:rPr lang="zh-TW" altLang="en-US" dirty="0"/>
+              <a:t>創建、定義畫布</a:t>
+            </a:r>
+            <a:endParaRPr lang="en-US" altLang="zh-TW" dirty="0"/>
+          </a:p>
+          <a:p>
+            <a:r>
+              <a:rPr lang="zh-TW" altLang="en-US" dirty="0"/>
+              <a:t>介面管理初始化</a:t>
+            </a:r>
+          </a:p>
+        </p:txBody>
+      </p:sp>
+    </p:spTree>
+    <p:extLst>
+      <p:ext uri="{BB962C8B-B14F-4D97-AF65-F5344CB8AC3E}">
+        <p14:creationId xmlns:p14="http://schemas.microsoft.com/office/powerpoint/2010/main" val="2639761732"/>
+      </p:ext>
+    </p:extLst>
+  </p:cSld>
+  <p:clrMapOvr>
+    <a:masterClrMapping/>
+  </p:clrMapOvr>
+</p:sld>
+</file>
+
+<file path=ppt/slides/slide6.xml><?xml version="1.0" encoding="utf-8"?>
+<p:sld xmlns:a="http://schemas.openxmlformats.org/drawingml/2006/main" xmlns:r="http://schemas.openxmlformats.org/officeDocument/2006/relationships" xmlns:p="http://schemas.openxmlformats.org/presentationml/2006/main">
+  <p:cSld>
+    <p:spTree>
+      <p:nvGrpSpPr>
+        <p:cNvPr id="1" name=""/>
+        <p:cNvGrpSpPr/>
+        <p:nvPr/>
+      </p:nvGrpSpPr>
+      <p:grpSpPr>
+        <a:xfrm>
+          <a:off x="0" y="0"/>
+          <a:ext cx="0" cy="0"/>
+          <a:chOff x="0" y="0"/>
+          <a:chExt cx="0" cy="0"/>
+        </a:xfrm>
+      </p:grpSpPr>
+      <p:sp>
+        <p:nvSpPr>
+          <p:cNvPr id="2" name="直排標題 1">
+            <a:extLst>
+              <a:ext uri="{FF2B5EF4-FFF2-40B4-BE49-F238E27FC236}">
+                <a16:creationId xmlns:a16="http://schemas.microsoft.com/office/drawing/2014/main" id="{1CA659AF-ADFA-4A03-98C7-427C4711A55C}"/>
+              </a:ext>
+            </a:extLst>
+          </p:cNvPr>
+          <p:cNvSpPr>
+            <a:spLocks noGrp="1"/>
+          </p:cNvSpPr>
+          <p:nvPr>
+            <p:ph type="title" orient="vert"/>
+          </p:nvPr>
+        </p:nvSpPr>
+        <p:spPr/>
+        <p:txBody>
+          <a:bodyPr/>
+          <a:lstStyle/>
+          <a:p>
+            <a:r>
+              <a:rPr lang="zh-TW" altLang="en-US" dirty="0"/>
+              <a:t>全域變數控制</a:t>
+            </a:r>
+          </a:p>
+        </p:txBody>
+      </p:sp>
+      <p:sp>
+        <p:nvSpPr>
+          <p:cNvPr id="3" name="頁尾版面配置區 2">
+            <a:extLst>
+              <a:ext uri="{FF2B5EF4-FFF2-40B4-BE49-F238E27FC236}">
+                <a16:creationId xmlns:a16="http://schemas.microsoft.com/office/drawing/2014/main" id="{9CC5DA43-6CA6-40FC-8C18-46751954E326}"/>
+              </a:ext>
+            </a:extLst>
+          </p:cNvPr>
+          <p:cNvSpPr>
+            <a:spLocks noGrp="1"/>
+          </p:cNvSpPr>
+          <p:nvPr>
+            <p:ph type="ftr" sz="quarter" idx="11"/>
+          </p:nvPr>
+        </p:nvSpPr>
+        <p:spPr/>
+        <p:txBody>
+          <a:bodyPr/>
+          <a:lstStyle/>
+          <a:p>
+            <a:r>
+              <a:rPr lang="zh-TW" altLang="en-US"/>
+              <a:t>陳詩恩 </a:t>
+            </a:r>
+            <a:r>
+              <a:rPr lang="en-US" altLang="zh-TW"/>
+              <a:t>© 2022 </a:t>
+            </a:r>
+            <a:endParaRPr lang="en-US" dirty="0"/>
+          </a:p>
+        </p:txBody>
+      </p:sp>
+      <p:sp>
+        <p:nvSpPr>
+          <p:cNvPr id="5" name="內容版面配置區 4">
+            <a:extLst>
+              <a:ext uri="{FF2B5EF4-FFF2-40B4-BE49-F238E27FC236}">
+                <a16:creationId xmlns:a16="http://schemas.microsoft.com/office/drawing/2014/main" id="{E63E16D1-D680-4A01-9520-6C7D7C0A3592}"/>
+              </a:ext>
+            </a:extLst>
+          </p:cNvPr>
+          <p:cNvSpPr>
+            <a:spLocks noGrp="1"/>
+          </p:cNvSpPr>
+          <p:nvPr>
+            <p:ph sz="half" idx="13"/>
+          </p:nvPr>
+        </p:nvSpPr>
+        <p:spPr/>
+        <p:txBody>
+          <a:bodyPr/>
+          <a:lstStyle/>
+          <a:p>
+            <a:r>
+              <a:rPr lang="zh-TW" altLang="en-US" dirty="0"/>
+              <a:t>運用物件同位置原理，製作區域性的全域變數。</a:t>
+            </a:r>
+          </a:p>
+        </p:txBody>
+      </p:sp>
+      <p:pic>
+        <p:nvPicPr>
+          <p:cNvPr id="8" name="內容版面配置區 7">
+            <a:extLst>
+              <a:ext uri="{FF2B5EF4-FFF2-40B4-BE49-F238E27FC236}">
+                <a16:creationId xmlns:a16="http://schemas.microsoft.com/office/drawing/2014/main" id="{F0438250-49AB-47A0-9BE7-6B1EEAFFDC04}"/>
+              </a:ext>
+            </a:extLst>
+          </p:cNvPr>
+          <p:cNvPicPr>
+            <a:picLocks noGrp="1" noChangeAspect="1"/>
+          </p:cNvPicPr>
+          <p:nvPr>
+            <p:ph sz="half" idx="1"/>
+          </p:nvPr>
+        </p:nvPicPr>
+        <p:blipFill>
+          <a:blip r:embed="rId2"/>
+          <a:stretch>
+            <a:fillRect/>
+          </a:stretch>
+        </p:blipFill>
+        <p:spPr>
+          <a:xfrm>
+            <a:off x="1227597" y="609600"/>
+            <a:ext cx="3089944" cy="5181600"/>
+          </a:xfrm>
+          <a:prstGeom prst="rect">
+            <a:avLst/>
+          </a:prstGeom>
+        </p:spPr>
+      </p:pic>
+    </p:spTree>
+    <p:extLst>
+      <p:ext uri="{BB962C8B-B14F-4D97-AF65-F5344CB8AC3E}">
+        <p14:creationId xmlns:p14="http://schemas.microsoft.com/office/powerpoint/2010/main" val="814250866"/>
+      </p:ext>
+    </p:extLst>
+  </p:cSld>
+  <p:clrMapOvr>
+    <a:masterClrMapping/>
+  </p:clrMapOvr>
+</p:sld>
+</file>
+
+<file path=ppt/slides/slide7.xml><?xml version="1.0" encoding="utf-8"?>
+<p:sld xmlns:a="http://schemas.openxmlformats.org/drawingml/2006/main" xmlns:r="http://schemas.openxmlformats.org/officeDocument/2006/relationships" xmlns:p="http://schemas.openxmlformats.org/presentationml/2006/main">
+  <p:cSld>
+    <p:spTree>
+      <p:nvGrpSpPr>
+        <p:cNvPr id="1" name=""/>
+        <p:cNvGrpSpPr/>
+        <p:nvPr/>
+      </p:nvGrpSpPr>
+      <p:grpSpPr>
+        <a:xfrm>
+          <a:off x="0" y="0"/>
+          <a:ext cx="0" cy="0"/>
+          <a:chOff x="0" y="0"/>
+          <a:chExt cx="0" cy="0"/>
+        </a:xfrm>
+      </p:grpSpPr>
+      <p:sp>
+        <p:nvSpPr>
+          <p:cNvPr id="2" name="標題 1">
+            <a:extLst>
+              <a:ext uri="{FF2B5EF4-FFF2-40B4-BE49-F238E27FC236}">
+                <a16:creationId xmlns:a16="http://schemas.microsoft.com/office/drawing/2014/main" id="{09D7B6D9-2F4A-487C-885B-835FADF2B091}"/>
+              </a:ext>
+            </a:extLst>
+          </p:cNvPr>
+          <p:cNvSpPr>
+            <a:spLocks noGrp="1"/>
+          </p:cNvSpPr>
+          <p:nvPr>
+            <p:ph type="title"/>
+          </p:nvPr>
+        </p:nvSpPr>
+        <p:spPr/>
+        <p:txBody>
+          <a:bodyPr vert="horz" lIns="91440" tIns="45720" rIns="91440" bIns="45720" rtlCol="0" anchor="ctr">
+            <a:normAutofit/>
+          </a:bodyPr>
+          <a:lstStyle/>
+          <a:p>
+            <a:pPr algn="ctr"/>
+            <a:r>
+              <a:rPr lang="zh-TW" altLang="en-US" sz="6600" dirty="0">
+                <a:latin typeface="Arial" panose="020B0604020202020204" pitchFamily="34" charset="0"/>
+              </a:rPr>
+              <a:t>程式碼 </a:t>
+            </a:r>
+            <a:r>
+              <a:rPr lang="en-US" altLang="zh-TW" sz="6600" dirty="0">
+                <a:latin typeface="Arial" panose="020B0604020202020204" pitchFamily="34" charset="0"/>
+              </a:rPr>
+              <a:t>- model</a:t>
+            </a:r>
+            <a:endParaRPr lang="zh-TW" altLang="en-US" sz="6600" dirty="0">
+              <a:latin typeface="Arial" panose="020B0604020202020204" pitchFamily="34" charset="0"/>
+            </a:endParaRPr>
+          </a:p>
+        </p:txBody>
+      </p:sp>
+      <p:sp>
+        <p:nvSpPr>
+          <p:cNvPr id="4" name="頁尾版面配置區 3">
+            <a:extLst>
+              <a:ext uri="{FF2B5EF4-FFF2-40B4-BE49-F238E27FC236}">
+                <a16:creationId xmlns:a16="http://schemas.microsoft.com/office/drawing/2014/main" id="{5188988D-9E3B-4F4A-B0C7-88EB272A6D62}"/>
+              </a:ext>
+            </a:extLst>
+          </p:cNvPr>
+          <p:cNvSpPr>
+            <a:spLocks noGrp="1"/>
+          </p:cNvSpPr>
+          <p:nvPr>
+            <p:ph type="ftr" sz="quarter" idx="11"/>
+          </p:nvPr>
+        </p:nvSpPr>
+        <p:spPr/>
+        <p:txBody>
+          <a:bodyPr/>
+          <a:lstStyle/>
+          <a:p>
+            <a:r>
+              <a:rPr lang="zh-TW" altLang="en-US"/>
+              <a:t>陳詩恩 </a:t>
+            </a:r>
+            <a:r>
+              <a:rPr lang="en-US" altLang="zh-TW"/>
+              <a:t>© 2022 </a:t>
+            </a:r>
+            <a:endParaRPr lang="en-US" dirty="0"/>
+          </a:p>
+        </p:txBody>
+      </p:sp>
+      <p:sp>
+        <p:nvSpPr>
+          <p:cNvPr id="5" name="內容版面配置區 4">
+            <a:extLst>
+              <a:ext uri="{FF2B5EF4-FFF2-40B4-BE49-F238E27FC236}">
+                <a16:creationId xmlns:a16="http://schemas.microsoft.com/office/drawing/2014/main" id="{9229A9CB-B1A8-4016-A40C-AF8CBB53FE6E}"/>
+              </a:ext>
+            </a:extLst>
+          </p:cNvPr>
+          <p:cNvSpPr>
+            <a:spLocks noGrp="1"/>
+          </p:cNvSpPr>
+          <p:nvPr>
+            <p:ph idx="1"/>
+          </p:nvPr>
+        </p:nvSpPr>
+        <p:spPr/>
+        <p:txBody>
+          <a:bodyPr/>
+          <a:lstStyle/>
+          <a:p>
+            <a:endParaRPr lang="zh-TW" altLang="en-US" dirty="0"/>
+          </a:p>
+        </p:txBody>
+      </p:sp>
+    </p:spTree>
+    <p:extLst>
+      <p:ext uri="{BB962C8B-B14F-4D97-AF65-F5344CB8AC3E}">
+        <p14:creationId xmlns:p14="http://schemas.microsoft.com/office/powerpoint/2010/main" val="316149372"/>
+      </p:ext>
+    </p:extLst>
+  </p:cSld>
+  <p:clrMapOvr>
+    <a:masterClrMapping/>
+  </p:clrMapOvr>
+</p:sld>
+</file>
+
+<file path=ppt/slides/slide8.xml><?xml version="1.0" encoding="utf-8"?>
+<p:sld xmlns:a="http://schemas.openxmlformats.org/drawingml/2006/main" xmlns:r="http://schemas.openxmlformats.org/officeDocument/2006/relationships" xmlns:p="http://schemas.openxmlformats.org/presentationml/2006/main">
+  <p:cSld>
+    <p:spTree>
+      <p:nvGrpSpPr>
+        <p:cNvPr id="1" name=""/>
+        <p:cNvGrpSpPr/>
+        <p:nvPr/>
+      </p:nvGrpSpPr>
+      <p:grpSpPr>
+        <a:xfrm>
+          <a:off x="0" y="0"/>
+          <a:ext cx="0" cy="0"/>
+          <a:chOff x="0" y="0"/>
+          <a:chExt cx="0" cy="0"/>
+        </a:xfrm>
+      </p:grpSpPr>
+      <p:sp>
+        <p:nvSpPr>
+          <p:cNvPr id="2" name="直排標題 1">
+            <a:extLst>
+              <a:ext uri="{FF2B5EF4-FFF2-40B4-BE49-F238E27FC236}">
+                <a16:creationId xmlns:a16="http://schemas.microsoft.com/office/drawing/2014/main" id="{1CA659AF-ADFA-4A03-98C7-427C4711A55C}"/>
+              </a:ext>
+            </a:extLst>
+          </p:cNvPr>
+          <p:cNvSpPr>
+            <a:spLocks noGrp="1"/>
+          </p:cNvSpPr>
+          <p:nvPr>
+            <p:ph type="title" orient="vert"/>
+          </p:nvPr>
+        </p:nvSpPr>
+        <p:spPr/>
+        <p:txBody>
+          <a:bodyPr/>
+          <a:lstStyle/>
+          <a:p>
+            <a:r>
+              <a:rPr lang="en-US" altLang="zh-TW" dirty="0"/>
+              <a:t>Model – </a:t>
+            </a:r>
+            <a:r>
+              <a:rPr lang="zh-TW" altLang="en-US" dirty="0"/>
+              <a:t>返回按鈕</a:t>
+            </a:r>
+          </a:p>
+        </p:txBody>
+      </p:sp>
+      <p:sp>
+        <p:nvSpPr>
+          <p:cNvPr id="3" name="頁尾版面配置區 2">
+            <a:extLst>
+              <a:ext uri="{FF2B5EF4-FFF2-40B4-BE49-F238E27FC236}">
+                <a16:creationId xmlns:a16="http://schemas.microsoft.com/office/drawing/2014/main" id="{9CC5DA43-6CA6-40FC-8C18-46751954E326}"/>
+              </a:ext>
+            </a:extLst>
+          </p:cNvPr>
+          <p:cNvSpPr>
+            <a:spLocks noGrp="1"/>
+          </p:cNvSpPr>
+          <p:nvPr>
+            <p:ph type="ftr" sz="quarter" idx="11"/>
+          </p:nvPr>
+        </p:nvSpPr>
+        <p:spPr/>
+        <p:txBody>
+          <a:bodyPr/>
+          <a:lstStyle/>
+          <a:p>
+            <a:r>
+              <a:rPr lang="zh-TW" altLang="en-US"/>
+              <a:t>陳詩恩 </a:t>
+            </a:r>
+            <a:r>
+              <a:rPr lang="en-US" altLang="zh-TW"/>
+              <a:t>© 2022 </a:t>
+            </a:r>
+            <a:endParaRPr lang="en-US" dirty="0"/>
+          </a:p>
+        </p:txBody>
+      </p:sp>
+      <p:sp>
+        <p:nvSpPr>
+          <p:cNvPr id="5" name="內容版面配置區 4">
+            <a:extLst>
+              <a:ext uri="{FF2B5EF4-FFF2-40B4-BE49-F238E27FC236}">
+                <a16:creationId xmlns:a16="http://schemas.microsoft.com/office/drawing/2014/main" id="{E63E16D1-D680-4A01-9520-6C7D7C0A3592}"/>
+              </a:ext>
+            </a:extLst>
+          </p:cNvPr>
+          <p:cNvSpPr>
+            <a:spLocks noGrp="1"/>
+          </p:cNvSpPr>
+          <p:nvPr>
+            <p:ph sz="half" idx="13"/>
+          </p:nvPr>
+        </p:nvSpPr>
+        <p:spPr/>
+        <p:txBody>
+          <a:bodyPr/>
+          <a:lstStyle/>
+          <a:p>
+            <a:r>
+              <a:rPr lang="zh-TW" altLang="en-US" dirty="0"/>
+              <a:t>回到上一個</a:t>
+            </a:r>
+            <a:r>
+              <a:rPr lang="en-US" altLang="zh-TW" dirty="0"/>
+              <a:t>GUI</a:t>
+            </a:r>
+            <a:endParaRPr lang="zh-TW" altLang="en-US" dirty="0"/>
+          </a:p>
+        </p:txBody>
+      </p:sp>
+      <p:pic>
+        <p:nvPicPr>
+          <p:cNvPr id="12" name="內容版面配置區 11">
+            <a:extLst>
+              <a:ext uri="{FF2B5EF4-FFF2-40B4-BE49-F238E27FC236}">
+                <a16:creationId xmlns:a16="http://schemas.microsoft.com/office/drawing/2014/main" id="{8343BABB-2C1E-4ABB-AFEB-DDC94CBAB8DA}"/>
+              </a:ext>
+            </a:extLst>
+          </p:cNvPr>
+          <p:cNvPicPr>
+            <a:picLocks noGrp="1" noChangeAspect="1"/>
+          </p:cNvPicPr>
+          <p:nvPr>
+            <p:ph sz="half" idx="1"/>
+          </p:nvPr>
+        </p:nvPicPr>
+        <p:blipFill>
+          <a:blip r:embed="rId2"/>
+          <a:stretch>
+            <a:fillRect/>
+          </a:stretch>
+        </p:blipFill>
+        <p:spPr>
+          <a:xfrm>
+            <a:off x="1141413" y="1687747"/>
+            <a:ext cx="3262312" cy="3025306"/>
+          </a:xfrm>
+          <a:prstGeom prst="rect">
+            <a:avLst/>
+          </a:prstGeom>
+        </p:spPr>
+      </p:pic>
+    </p:spTree>
+    <p:extLst>
+      <p:ext uri="{BB962C8B-B14F-4D97-AF65-F5344CB8AC3E}">
+        <p14:creationId xmlns:p14="http://schemas.microsoft.com/office/powerpoint/2010/main" val="516685151"/>
+      </p:ext>
+    </p:extLst>
+  </p:cSld>
+  <p:clrMapOvr>
+    <a:masterClrMapping/>
+  </p:clrMapOvr>
+</p:sld>
+</file>
+
+<file path=ppt/slides/slide9.xml><?xml version="1.0" encoding="utf-8"?>
+<p:sld xmlns:a="http://schemas.openxmlformats.org/drawingml/2006/main" xmlns:r="http://schemas.openxmlformats.org/officeDocument/2006/relationships" xmlns:p="http://schemas.openxmlformats.org/presentationml/2006/main">
+  <p:cSld>
+    <p:spTree>
+      <p:nvGrpSpPr>
+        <p:cNvPr id="1" name=""/>
+        <p:cNvGrpSpPr/>
+        <p:nvPr/>
+      </p:nvGrpSpPr>
+      <p:grpSpPr>
+        <a:xfrm>
+          <a:off x="0" y="0"/>
+          <a:ext cx="0" cy="0"/>
+          <a:chOff x="0" y="0"/>
+          <a:chExt cx="0" cy="0"/>
+        </a:xfrm>
+      </p:grpSpPr>
+      <p:sp>
+        <p:nvSpPr>
+          <p:cNvPr id="2" name="直排標題 1">
+            <a:extLst>
+              <a:ext uri="{FF2B5EF4-FFF2-40B4-BE49-F238E27FC236}">
+                <a16:creationId xmlns:a16="http://schemas.microsoft.com/office/drawing/2014/main" id="{1CA659AF-ADFA-4A03-98C7-427C4711A55C}"/>
+              </a:ext>
+            </a:extLst>
+          </p:cNvPr>
+          <p:cNvSpPr>
+            <a:spLocks noGrp="1"/>
+          </p:cNvSpPr>
+          <p:nvPr>
+            <p:ph type="title" orient="vert"/>
+          </p:nvPr>
+        </p:nvSpPr>
+        <p:spPr/>
+        <p:txBody>
+          <a:bodyPr/>
+          <a:lstStyle/>
+          <a:p>
+            <a:r>
+              <a:rPr lang="en-US" altLang="zh-TW" dirty="0"/>
+              <a:t>Model – </a:t>
+            </a:r>
+            <a:r>
+              <a:rPr lang="zh-TW" altLang="en-US" dirty="0"/>
+              <a:t>盒子</a:t>
+            </a:r>
+          </a:p>
+        </p:txBody>
+      </p:sp>
+      <p:sp>
+        <p:nvSpPr>
+          <p:cNvPr id="3" name="頁尾版面配置區 2">
+            <a:extLst>
+              <a:ext uri="{FF2B5EF4-FFF2-40B4-BE49-F238E27FC236}">
+                <a16:creationId xmlns:a16="http://schemas.microsoft.com/office/drawing/2014/main" id="{9CC5DA43-6CA6-40FC-8C18-46751954E326}"/>
+              </a:ext>
+            </a:extLst>
+          </p:cNvPr>
+          <p:cNvSpPr>
+            <a:spLocks noGrp="1"/>
+          </p:cNvSpPr>
+          <p:nvPr>
+            <p:ph type="ftr" sz="quarter" idx="11"/>
+          </p:nvPr>
+        </p:nvSpPr>
+        <p:spPr/>
+        <p:txBody>
+          <a:bodyPr/>
+          <a:lstStyle/>
+          <a:p>
+            <a:r>
+              <a:rPr lang="zh-TW" altLang="en-US"/>
+              <a:t>陳詩恩 </a:t>
+            </a:r>
+            <a:r>
+              <a:rPr lang="en-US" altLang="zh-TW"/>
+              <a:t>© 2022 </a:t>
+            </a:r>
+            <a:endParaRPr lang="en-US" dirty="0"/>
+          </a:p>
+        </p:txBody>
+      </p:sp>
+      <p:sp>
+        <p:nvSpPr>
+          <p:cNvPr id="5" name="內容版面配置區 4">
+            <a:extLst>
+              <a:ext uri="{FF2B5EF4-FFF2-40B4-BE49-F238E27FC236}">
+                <a16:creationId xmlns:a16="http://schemas.microsoft.com/office/drawing/2014/main" id="{E63E16D1-D680-4A01-9520-6C7D7C0A3592}"/>
+              </a:ext>
+            </a:extLst>
+          </p:cNvPr>
+          <p:cNvSpPr>
+            <a:spLocks noGrp="1"/>
+          </p:cNvSpPr>
+          <p:nvPr>
+            <p:ph sz="half" idx="13"/>
+          </p:nvPr>
+        </p:nvSpPr>
+        <p:spPr/>
+        <p:txBody>
+          <a:bodyPr/>
+          <a:lstStyle/>
+          <a:p>
+            <a:r>
+              <a:rPr lang="zh-TW" altLang="en-US" dirty="0"/>
+              <a:t>遊戲</a:t>
+            </a:r>
+            <a:r>
+              <a:rPr lang="en-US" altLang="zh-TW" dirty="0"/>
+              <a:t>3D</a:t>
+            </a:r>
+            <a:r>
+              <a:rPr lang="zh-TW" altLang="en-US" dirty="0"/>
+              <a:t>盒子模型建構。</a:t>
+            </a:r>
+          </a:p>
+        </p:txBody>
+      </p:sp>
+      <p:pic>
+        <p:nvPicPr>
+          <p:cNvPr id="7" name="內容版面配置區 6">
+            <a:extLst>
+              <a:ext uri="{FF2B5EF4-FFF2-40B4-BE49-F238E27FC236}">
+                <a16:creationId xmlns:a16="http://schemas.microsoft.com/office/drawing/2014/main" id="{9FF983C9-0F02-4E94-8FF9-4BEF744E5E7F}"/>
+              </a:ext>
+            </a:extLst>
+          </p:cNvPr>
+          <p:cNvPicPr>
+            <a:picLocks noGrp="1" noChangeAspect="1"/>
+          </p:cNvPicPr>
+          <p:nvPr>
+            <p:ph sz="half" idx="1"/>
+          </p:nvPr>
+        </p:nvPicPr>
+        <p:blipFill>
+          <a:blip r:embed="rId2"/>
+          <a:stretch>
+            <a:fillRect/>
+          </a:stretch>
+        </p:blipFill>
+        <p:spPr>
+          <a:xfrm>
+            <a:off x="1141413" y="1665028"/>
+            <a:ext cx="3262312" cy="3070743"/>
+          </a:xfrm>
+          <a:prstGeom prst="rect">
+            <a:avLst/>
+          </a:prstGeom>
+        </p:spPr>
+      </p:pic>
+    </p:spTree>
+    <p:extLst>
+      <p:ext uri="{BB962C8B-B14F-4D97-AF65-F5344CB8AC3E}">
+        <p14:creationId xmlns:p14="http://schemas.microsoft.com/office/powerpoint/2010/main" val="3778560289"/>
       </p:ext>
     </p:extLst>
   </p:cSld>
